--- a/lectures/lecture-26/Lecture-Live A00/Lecture 26 - Lecture.pptx
+++ b/lectures/lecture-26/Lecture-Live A00/Lecture 26 - Lecture.pptx
@@ -144,6 +144,1712 @@
     </p:ext>
   </p:extLst>
 </p:presentation>
+</file>
+
+<file path=ppt/ink/ink1.xml><?xml version="1.0" encoding="utf-8"?>
+<inkml:ink xmlns:inkml="http://www.w3.org/2003/InkML">
+  <inkml:definitions>
+    <inkml:context xml:id="ctx0">
+      <inkml:inkSource xml:id="inkSrc0">
+        <inkml:traceFormat>
+          <inkml:channel name="X" type="integer" min="-2.14748E9" max="2.14748E9" units="cm"/>
+          <inkml:channel name="Y" type="integer" min="-2.14748E9" max="2.14748E9" units="cm"/>
+          <inkml:channel name="F" type="integer" max="32767" units="dev"/>
+          <inkml:channel name="OA" type="integer" max="360" units="deg"/>
+          <inkml:channel name="OE" type="integer" max="90" units="deg"/>
+        </inkml:traceFormat>
+        <inkml:channelProperties>
+          <inkml:channelProperty channel="X" name="resolution" value="1000" units="1/cm"/>
+          <inkml:channelProperty channel="Y" name="resolution" value="1000" units="1/cm"/>
+          <inkml:channelProperty channel="F" name="resolution" value="0" units="1/dev"/>
+          <inkml:channelProperty channel="OA" name="resolution" value="1000" units="1/deg"/>
+          <inkml:channelProperty channel="OE" name="resolution" value="1000" units="1/deg"/>
+        </inkml:channelProperties>
+      </inkml:inkSource>
+      <inkml:timestamp xml:id="ts0" timeString="2021-05-26T15:00:49.235"/>
+    </inkml:context>
+    <inkml:brush xml:id="br0">
+      <inkml:brushProperty name="width" value="0.05" units="cm"/>
+      <inkml:brushProperty name="height" value="0.05" units="cm"/>
+      <inkml:brushProperty name="color" value="#FF0066"/>
+    </inkml:brush>
+  </inkml:definitions>
+  <inkml:trace contextRef="#ctx0" brushRef="#br0">0 122 6192 0 0,'0'0'133'0'0,"3"-16"13164"0"0,-2 16-13187 0 0,7 5 2313 0 0,4 3-1063 0 0,-12-8-1355 0 0,0 0 0 0 0,1 0 0 0 0,-1 0 0 0 0,0 0 0 0 0,0 0 1 0 0,0 0-1 0 0,0 0 0 0 0,0 0 0 0 0,0 0 0 0 0,1 0 0 0 0,-1 0 0 0 0,0 0 0 0 0,0 1 0 0 0,0-1 0 0 0,0 0 0 0 0,0 0 0 0 0,0 0 0 0 0,0 0 0 0 0,0 0 0 0 0,0 0 0 0 0,1 0 0 0 0,-1 1 0 0 0,0-1 0 0 0,0 0 0 0 0,0 0 0 0 0,0 0 0 0 0,0 0 0 0 0,0 0 0 0 0,0 1 0 0 0,0-1 0 0 0,0 0 1 0 0,0 0-1 0 0,0 0 0 0 0,0 0 0 0 0,0 1 0 0 0,0-1 3 0 0,0 0 1 0 0,0 0 0 0 0,0 0-1 0 0,0 1 1 0 0,0-1 0 0 0,0 0-1 0 0,0 0 1 0 0,0 0 0 0 0,0 1 0 0 0,0-1-1 0 0,0 0 1 0 0,0 0 0 0 0,0 0-1 0 0,0 0 1 0 0,0 1 0 0 0,0-1-1 0 0,0 0 1 0 0,0 0 0 0 0,0 0-1 0 0,0 0 1 0 0,1 1 0 0 0,-1-1-1 0 0,0 0 1 0 0,0 0 0 0 0,0 0 0 0 0,0 0-1 0 0,0 0 1 0 0,1 0 0 0 0,-1 1-1 0 0,0-1 1 0 0,0 0 0 0 0,1 0-1 0 0,16 10 623 0 0,-14-8-557 0 0,0 1 0 0 0,1-1 0 0 0,-1-1 1 0 0,0 1-1 0 0,1 0 0 0 0,0-1 0 0 0,-1 0 0 0 0,1 0 0 0 0,0 0 0 0 0,-1 0 0 0 0,8 0 0 0 0,-8 0-13 0 0,0-1-1 0 0,0 1 0 0 0,0-1 1 0 0,1 1-1 0 0,5 3 1 0 0,10 1 96 0 0,-8-1-81 0 0,-9-3-63 0 0,0 0 0 0 0,0-1 0 0 0,0 1 1 0 0,1 0-1 0 0,-1-1 0 0 0,0 1 0 0 0,0-1 1 0 0,0 0-1 0 0,3 0 0 0 0,13 1 73 0 0,0-1 0 0 0,-1 0 0 0 0,1-2 0 0 0,0 0 0 0 0,-1-1 0 0 0,0-1 0 0 0,18-6 0 0 0,-6 3-44 0 0,1 1 0 0 0,51-4 1 0 0,62 7 112 0 0,-134 3-151 0 0,34 2 125 0 0,-28-1-84 0 0,1 0 1 0 0,0-2 0 0 0,19-1-1 0 0,164-26 278 0 0,-13-10-190 0 0,-43 7-87 0 0,55 5 111 0 0,-61 19-306 0 0,-101 6 8 0 0,62 6 0 0 0,-62-2 439 0 0,15 1 127 0 0,79 4-266 0 0,-43-3-44 0 0,-32-1-81 0 0,141 18 87 0 0,-163-17-114 0 0,54 2 71 0 0,-20-2-9 0 0,3 2 39 0 0,125 18-46 0 0,41 0 74 0 0,-75-12-69 0 0,-20-3 48 0 0,-33-5-38 0 0,89 7 139 0 0,-94-14-152 0 0,-29 0 0 0 0,141-6 44 0 0,-203 8-99 0 0,136-13 36 0 0,1 1-15 0 0,-34 5 34 0 0,200-1 64 0 0,-118 13 324 0 0,2 0 144 0 0,-4 5-1148 0 0,4 0 584 0 0,-10 4-32 0 0,-103-5 0 0 0,28-3 49 0 0,-56-5-2 0 0,60 11 1 0 0,-81-8-48 0 0,0-1 0 0 0,42-4 0 0 0,-29 1 0 0 0,10 0 0 0 0,125 1 0 0 0,-6 1 56 0 0,22 0 27 0 0,-159 3-23 0 0,14-1 16 0 0,85 1 41 0 0,138-5-181 0 0,-76 0 117 0 0,-149 5-39 0 0,-15-1-17 0 0,169 0 3 0 0,-182-4 0 0 0,146-9-64 0 0,-9 5 64 0 0,-86 6 59 0 0,69-3 105 0 0,-69 2-273 0 0,-27 1 63 0 0,127 3 191 0 0,452-5-269 0 0,-430 9 619 0 0,-24 2-484 0 0,-68-4 49 0 0,-17 3 261 0 0,-67-9-332 0 0,-5-1-9 0 0,0 0-1 0 0,18-3 1 0 0,18-1 139 0 0,-11 2-19 0 0,-12 1-69 0 0,-24 1-25 0 0,0 0 0 0 0,0 0-1 0 0,0-1 1 0 0,0 1 0 0 0,0-2 0 0 0,0 1-1 0 0,9-4 1 0 0,-10 3 16 0 0,-1 1 0 0 0,1-1 0 0 0,0 1-1 0 0,8-1 1 0 0,21-5 69 0 0,8 0-67 0 0,-37 7-88 0 0,-4 0-265 0 0</inkml:trace>
+</inkml:ink>
+</file>
+
+<file path=ppt/ink/ink10.xml><?xml version="1.0" encoding="utf-8"?>
+<inkml:ink xmlns:inkml="http://www.w3.org/2003/InkML">
+  <inkml:definitions>
+    <inkml:context xml:id="ctx0">
+      <inkml:inkSource xml:id="inkSrc0">
+        <inkml:traceFormat>
+          <inkml:channel name="X" type="integer" min="-2.14748E9" max="2.14748E9" units="cm"/>
+          <inkml:channel name="Y" type="integer" min="-2.14748E9" max="2.14748E9" units="cm"/>
+          <inkml:channel name="F" type="integer" max="32767" units="dev"/>
+          <inkml:channel name="OA" type="integer" max="360" units="deg"/>
+          <inkml:channel name="OE" type="integer" max="90" units="deg"/>
+        </inkml:traceFormat>
+        <inkml:channelProperties>
+          <inkml:channelProperty channel="X" name="resolution" value="1000" units="1/cm"/>
+          <inkml:channelProperty channel="Y" name="resolution" value="1000" units="1/cm"/>
+          <inkml:channelProperty channel="F" name="resolution" value="0" units="1/dev"/>
+          <inkml:channelProperty channel="OA" name="resolution" value="1000" units="1/deg"/>
+          <inkml:channelProperty channel="OE" name="resolution" value="1000" units="1/deg"/>
+        </inkml:channelProperties>
+      </inkml:inkSource>
+      <inkml:timestamp xml:id="ts0" timeString="2021-05-26T15:01:00.730"/>
+    </inkml:context>
+    <inkml:brush xml:id="br0">
+      <inkml:brushProperty name="width" value="0.05" units="cm"/>
+      <inkml:brushProperty name="height" value="0.05" units="cm"/>
+      <inkml:brushProperty name="color" value="#FF0066"/>
+    </inkml:brush>
+  </inkml:definitions>
+  <inkml:trace contextRef="#ctx0" brushRef="#br0">88 0 13824 0 0,'0'0'1246'0'0,"-4"17"1747"0"0,5-16-2700 0 0,-1 1 0 0 0,1 0 0 0 0,0-1 0 0 0,0 1 0 0 0,-1-1 0 0 0,1 1 0 0 0,0-1 0 0 0,0 1 0 0 0,0-1 0 0 0,1 1 0 0 0,-1-1 0 0 0,0 0 0 0 0,0 0 0 0 0,1 0 0 0 0,-1 0 0 0 0,3 2 0 0 0,27 16 1493 0 0,-31-19-1735 0 0,46 19 1713 0 0,-35-15-1229 0 0,0 1-1 0 0,-1 0 1 0 0,19 11-1 0 0,-28-15-496 0 0,0-1-1 0 0,0 1 0 0 0,0 0 1 0 0,0-1-1 0 0,0 1 1 0 0,-1 0-1 0 0,1 0 1 0 0,0 0-1 0 0,-1 0 1 0 0,1-1-1 0 0,-1 1 0 0 0,1 0 1 0 0,-1 0-1 0 0,1 0 1 0 0,-1 0-1 0 0,1 0 1 0 0,-1 0-1 0 0,0 0 1 0 0,0 1-1 0 0,0-1 1 0 0,1 0-1 0 0,-1 2 0 0 0,-1-1-9 0 0,1-1-1 0 0,-1 1 0 0 0,1 0 1 0 0,-1 0-1 0 0,0 0 0 0 0,1 0 0 0 0,-1-1 1 0 0,0 1-1 0 0,0 0 0 0 0,-1-1 0 0 0,-1 4 1 0 0,-4 2-4 0 0,-1 0 1 0 0,0 0 0 0 0,-15 10 0 0 0,21-16-9 0 0,-19 13-279 0 0,0-2 0 0 0,-38 17-1 0 0,-12-4-3088 0 0,48-20 1198 0 0</inkml:trace>
+</inkml:ink>
+</file>
+
+<file path=ppt/ink/ink11.xml><?xml version="1.0" encoding="utf-8"?>
+<inkml:ink xmlns:inkml="http://www.w3.org/2003/InkML">
+  <inkml:definitions>
+    <inkml:context xml:id="ctx0">
+      <inkml:inkSource xml:id="inkSrc0">
+        <inkml:traceFormat>
+          <inkml:channel name="X" type="integer" min="-2.14748E9" max="2.14748E9" units="cm"/>
+          <inkml:channel name="Y" type="integer" min="-2.14748E9" max="2.14748E9" units="cm"/>
+          <inkml:channel name="F" type="integer" max="32767" units="dev"/>
+          <inkml:channel name="OA" type="integer" max="360" units="deg"/>
+          <inkml:channel name="OE" type="integer" max="90" units="deg"/>
+        </inkml:traceFormat>
+        <inkml:channelProperties>
+          <inkml:channelProperty channel="X" name="resolution" value="1000" units="1/cm"/>
+          <inkml:channelProperty channel="Y" name="resolution" value="1000" units="1/cm"/>
+          <inkml:channelProperty channel="F" name="resolution" value="0" units="1/dev"/>
+          <inkml:channelProperty channel="OA" name="resolution" value="1000" units="1/deg"/>
+          <inkml:channelProperty channel="OE" name="resolution" value="1000" units="1/deg"/>
+        </inkml:channelProperties>
+      </inkml:inkSource>
+      <inkml:timestamp xml:id="ts0" timeString="2021-05-26T15:01:01.169"/>
+    </inkml:context>
+    <inkml:brush xml:id="br0">
+      <inkml:brushProperty name="width" value="0.05" units="cm"/>
+      <inkml:brushProperty name="height" value="0.05" units="cm"/>
+      <inkml:brushProperty name="color" value="#FF0066"/>
+    </inkml:brush>
+  </inkml:definitions>
+  <inkml:trace contextRef="#ctx0" brushRef="#br0">79 1 16128 0 0,'0'0'737'0'0,"-5"-1"241"0"0,4 1-955 0 0,0 0 0 0 0,0 0 0 0 0,1 0 0 0 0,-1 0 0 0 0,0 1-1 0 0,0-1 1 0 0,1 0 0 0 0,-1 0 0 0 0,0 0 0 0 0,0 1 0 0 0,1-1-1 0 0,-1 0 1 0 0,0 1 0 0 0,1-1 0 0 0,-1 1 0 0 0,0-1 0 0 0,1 1-1 0 0,-1-1 1 0 0,1 1 0 0 0,-1-1 0 0 0,1 1 0 0 0,-1-1 0 0 0,1 1 0 0 0,-1 0-1 0 0,1-1 1 0 0,-1 1 0 0 0,1 0 0 0 0,0-1 0 0 0,-1 1 0 0 0,1 0-1 0 0,0 0 1 0 0,0-1 0 0 0,0 1 0 0 0,0 0 0 0 0,-1 1 0 0 0,0 1 200 0 0,-5 15 245 0 0,1 1 1 0 0,0 0-1 0 0,2 0 1 0 0,-3 34 0 0 0,5 81 60 0 0,2-68-271 0 0,5 63-68 0 0,-3-74-117 0 0,3 1 18 0 0,-5-50-161 0 0,1 1 0 0 0,-1-1-1 0 0,1 0 1 0 0,0-1 0 0 0,1 1 0 0 0,5 9 0 0 0,-5-11-1119 0 0,3-4-385 0 0</inkml:trace>
+  <inkml:trace contextRef="#ctx0" brushRef="#br0" timeOffset="1">0 74 5528 0 0,'0'0'422'0'0,"7"2"161"0"0,-4-1 214 0 0,0-1 0 0 0,1 1-1 0 0,-1 0 1 0 0,1-1 0 0 0,-1 0 0 0 0,1 0 0 0 0,-1 0-1 0 0,1 0 1 0 0,-1-1 0 0 0,1 0 0 0 0,3 0 0 0 0,41-16 2260 0 0,-20 7-2964 0 0,77-17 125 0 0,-87 23-472 0 0,0 2 0 0 0,0 0-1 0 0,18 1 1 0 0,-18 1-6312 0 0</inkml:trace>
+</inkml:ink>
+</file>
+
+<file path=ppt/ink/ink12.xml><?xml version="1.0" encoding="utf-8"?>
+<inkml:ink xmlns:inkml="http://www.w3.org/2003/InkML">
+  <inkml:definitions>
+    <inkml:context xml:id="ctx0">
+      <inkml:inkSource xml:id="inkSrc0">
+        <inkml:traceFormat>
+          <inkml:channel name="X" type="integer" min="-2.14748E9" max="2.14748E9" units="cm"/>
+          <inkml:channel name="Y" type="integer" min="-2.14748E9" max="2.14748E9" units="cm"/>
+          <inkml:channel name="F" type="integer" max="32767" units="dev"/>
+          <inkml:channel name="OA" type="integer" max="360" units="deg"/>
+          <inkml:channel name="OE" type="integer" max="90" units="deg"/>
+        </inkml:traceFormat>
+        <inkml:channelProperties>
+          <inkml:channelProperty channel="X" name="resolution" value="1000" units="1/cm"/>
+          <inkml:channelProperty channel="Y" name="resolution" value="1000" units="1/cm"/>
+          <inkml:channelProperty channel="F" name="resolution" value="0" units="1/dev"/>
+          <inkml:channelProperty channel="OA" name="resolution" value="1000" units="1/deg"/>
+          <inkml:channelProperty channel="OE" name="resolution" value="1000" units="1/deg"/>
+        </inkml:channelProperties>
+      </inkml:inkSource>
+      <inkml:timestamp xml:id="ts0" timeString="2021-05-26T15:01:01.543"/>
+    </inkml:context>
+    <inkml:brush xml:id="br0">
+      <inkml:brushProperty name="width" value="0.05" units="cm"/>
+      <inkml:brushProperty name="height" value="0.05" units="cm"/>
+      <inkml:brushProperty name="color" value="#FF0066"/>
+    </inkml:brush>
+  </inkml:definitions>
+  <inkml:trace contextRef="#ctx0" brushRef="#br0">1 49 14280 0 0,'0'0'1102'0'0,"6"4"-484"0"0,-2-3-168 0 0,0 0 0 0 0,-1 0 1 0 0,1 0-1 0 0,0 0 1 0 0,0 0-1 0 0,0-1 1 0 0,-1 0-1 0 0,1 1 0 0 0,0-2 1 0 0,6 0-1 0 0,43-9 437 0 0,-28 5-842 0 0,75-20-476 0 0,-56 13-5683 0 0,-25 7-483 0 0</inkml:trace>
+</inkml:ink>
+</file>
+
+<file path=ppt/ink/ink13.xml><?xml version="1.0" encoding="utf-8"?>
+<inkml:ink xmlns:inkml="http://www.w3.org/2003/InkML">
+  <inkml:definitions>
+    <inkml:context xml:id="ctx0">
+      <inkml:inkSource xml:id="inkSrc0">
+        <inkml:traceFormat>
+          <inkml:channel name="X" type="integer" min="-2.14748E9" max="2.14748E9" units="cm"/>
+          <inkml:channel name="Y" type="integer" min="-2.14748E9" max="2.14748E9" units="cm"/>
+          <inkml:channel name="F" type="integer" max="32767" units="dev"/>
+          <inkml:channel name="OA" type="integer" max="360" units="deg"/>
+          <inkml:channel name="OE" type="integer" max="90" units="deg"/>
+        </inkml:traceFormat>
+        <inkml:channelProperties>
+          <inkml:channelProperty channel="X" name="resolution" value="1000" units="1/cm"/>
+          <inkml:channelProperty channel="Y" name="resolution" value="1000" units="1/cm"/>
+          <inkml:channelProperty channel="F" name="resolution" value="0" units="1/dev"/>
+          <inkml:channelProperty channel="OA" name="resolution" value="1000" units="1/deg"/>
+          <inkml:channelProperty channel="OE" name="resolution" value="1000" units="1/deg"/>
+        </inkml:channelProperties>
+      </inkml:inkSource>
+      <inkml:timestamp xml:id="ts0" timeString="2021-05-26T15:01:01.922"/>
+    </inkml:context>
+    <inkml:brush xml:id="br0">
+      <inkml:brushProperty name="width" value="0.05" units="cm"/>
+      <inkml:brushProperty name="height" value="0.05" units="cm"/>
+      <inkml:brushProperty name="color" value="#FF0066"/>
+    </inkml:brush>
+  </inkml:definitions>
+  <inkml:trace contextRef="#ctx0" brushRef="#br0">1 168 5296 0 0,'1'1'241'0'0,"2"1"155"0"0,0 1 0 0 0,0-1 0 0 0,0 1 0 0 0,-1 0 0 0 0,1 0 0 0 0,-1 1 0 0 0,1-1 0 0 0,-1 0 0 0 0,0 1 0 0 0,-1-1 0 0 0,3 7 0 0 0,-2-3 208 0 0,-1 0 0 0 0,0 0 1 0 0,0 0-1 0 0,-1 14 0 0 0,-1 4 562 0 0,-2 1 0 0 0,-1-1 0 0 0,-14 48 0 0 0,16-64-668 0 0,-4 10 3061 0 0,6-26-3281 0 0,1 1-1 0 0,0-1 1 0 0,0 0-1 0 0,0 0 1 0 0,1 1-1 0 0,0-1 0 0 0,1 1 1 0 0,3-9-1 0 0,5-6-237 0 0,15-20-1 0 0,-18 30-580 0 0,0 1 1 0 0,19-17-1 0 0,-5 4-2069 0 0,-9 9 1106 0 0</inkml:trace>
+  <inkml:trace contextRef="#ctx0" brushRef="#br0" timeOffset="1">334 248 12440 0 0,'-6'10'1104'0'0,"0"0"-880"0"0,3 2-224 0 0,1 6 0 0 0,-4-3 1168 0 0,3 5 192 0 0,-2-5 39 0 0,-1 2 9 0 0,3 1-832 0 0,-3-3-160 0 0,4-3-32 0 0,-1-1 0 0 0,0-4-288 0 0,3-2-24 0 0,3-15-2672 0 0</inkml:trace>
+  <inkml:trace contextRef="#ctx0" brushRef="#br0" timeOffset="2">451 20 14912 0 0,'-2'-7'664'0'0,"2"1"136"0"0,-3 4-641 0 0,3-1-159 0 0,-3 1 0 0 0,3 9-727 0 0,3 4 303 0 0</inkml:trace>
+</inkml:ink>
+</file>
+
+<file path=ppt/ink/ink14.xml><?xml version="1.0" encoding="utf-8"?>
+<inkml:ink xmlns:inkml="http://www.w3.org/2003/InkML">
+  <inkml:definitions>
+    <inkml:context xml:id="ctx0">
+      <inkml:inkSource xml:id="inkSrc0">
+        <inkml:traceFormat>
+          <inkml:channel name="X" type="integer" min="-2.14748E9" max="2.14748E9" units="cm"/>
+          <inkml:channel name="Y" type="integer" min="-2.14748E9" max="2.14748E9" units="cm"/>
+          <inkml:channel name="F" type="integer" max="32767" units="dev"/>
+          <inkml:channel name="OA" type="integer" max="360" units="deg"/>
+          <inkml:channel name="OE" type="integer" max="90" units="deg"/>
+        </inkml:traceFormat>
+        <inkml:channelProperties>
+          <inkml:channelProperty channel="X" name="resolution" value="1000" units="1/cm"/>
+          <inkml:channelProperty channel="Y" name="resolution" value="1000" units="1/cm"/>
+          <inkml:channelProperty channel="F" name="resolution" value="0" units="1/dev"/>
+          <inkml:channelProperty channel="OA" name="resolution" value="1000" units="1/deg"/>
+          <inkml:channelProperty channel="OE" name="resolution" value="1000" units="1/deg"/>
+        </inkml:channelProperties>
+      </inkml:inkSource>
+      <inkml:timestamp xml:id="ts0" timeString="2021-05-26T15:01:02.282"/>
+    </inkml:context>
+    <inkml:brush xml:id="br0">
+      <inkml:brushProperty name="width" value="0.05" units="cm"/>
+      <inkml:brushProperty name="height" value="0.05" units="cm"/>
+      <inkml:brushProperty name="color" value="#FF0066"/>
+    </inkml:brush>
+  </inkml:definitions>
+  <inkml:trace contextRef="#ctx0" brushRef="#br0">93 208 15776 0 0,'-7'4'278'0'0,"0"-1"1"0"0,1 1 0 0 0,-1 0 0 0 0,1 0 0 0 0,0 1 0 0 0,0 0 0 0 0,0 0 0 0 0,1 0 0 0 0,0 1 0 0 0,-5 6 0 0 0,7-8-90 0 0,1 0 0 0 0,-1 0 0 0 0,1 0 0 0 0,0 0 1 0 0,0 0-1 0 0,1 0 0 0 0,-1 0 0 0 0,1 1 0 0 0,0-1 0 0 0,0 1 1 0 0,0-1-1 0 0,1 1 0 0 0,-1 0 0 0 0,1-1 0 0 0,0 1 0 0 0,1-1 0 0 0,0 9 1 0 0,0-9-123 0 0,0 0 0 0 0,0 0 0 0 0,1 1 0 0 0,0-1 1 0 0,-1 0-1 0 0,1 0 0 0 0,0 0 0 0 0,1-1 0 0 0,4 7 0 0 0,-6-9-52 0 0,1 1-1 0 0,-1-1 0 0 0,1 0 0 0 0,-1 1 0 0 0,1-1 0 0 0,0 0 1 0 0,0 0-1 0 0,0 0 0 0 0,0-1 0 0 0,0 1 0 0 0,-1 0 0 0 0,1-1 0 0 0,1 1 1 0 0,-1-1-1 0 0,0 1 0 0 0,0-1 0 0 0,0 0 0 0 0,0 0 0 0 0,0 0 0 0 0,0 0 1 0 0,0-1-1 0 0,3 0 0 0 0,1 0-4 0 0,-1-1 0 0 0,1 0 0 0 0,-1 0 0 0 0,1-1 0 0 0,-1 1 0 0 0,0-1 0 0 0,0 0 0 0 0,0-1 0 0 0,0 1 0 0 0,-1-1 0 0 0,1 0 0 0 0,-1 0 0 0 0,0 0 0 0 0,-1-1 0 0 0,7-9 0 0 0,-6 8-1 0 0,0 0 0 0 0,-1 0 1 0 0,1 0-1 0 0,-2-1 0 0 0,1 1 1 0 0,-1-1-1 0 0,0 0 0 0 0,0 0 1 0 0,-1 0-1 0 0,1 0 1 0 0,-2 0-1 0 0,1-14 0 0 0,1-91-9 0 0,-3 104 73 0 0,1-1 0 0 0,0 0-1 0 0,0 0 1 0 0,1 0 0 0 0,2-11-1 0 0,6-53 2972 0 0,-6 80-2892 0 0,-1 0 0 0 0,0 1 0 0 0,2 12 0 0 0,-2-9-154 0 0,2 21-117 0 0,9 33 1 0 0,-10-55 23 0 0,1 1 1 0 0,-1-1-1 0 0,1-1 0 0 0,1 1 1 0 0,0 0-1 0 0,0-1 1 0 0,9 11-1 0 0,-11-17-583 0 0,0-1-1 0 0,0 1 0 0 0,0-1 1 0 0,0 1-1 0 0,0-1 1 0 0,1 0-1 0 0,-1 0 0 0 0,5 1 1 0 0,-2 0-2445 0 0,6 3-4386 0 0</inkml:trace>
+</inkml:ink>
+</file>
+
+<file path=ppt/ink/ink15.xml><?xml version="1.0" encoding="utf-8"?>
+<inkml:ink xmlns:inkml="http://www.w3.org/2003/InkML">
+  <inkml:definitions>
+    <inkml:context xml:id="ctx0">
+      <inkml:inkSource xml:id="inkSrc0">
+        <inkml:traceFormat>
+          <inkml:channel name="X" type="integer" min="-2.14748E9" max="2.14748E9" units="cm"/>
+          <inkml:channel name="Y" type="integer" min="-2.14748E9" max="2.14748E9" units="cm"/>
+          <inkml:channel name="F" type="integer" max="32767" units="dev"/>
+          <inkml:channel name="OA" type="integer" max="360" units="deg"/>
+          <inkml:channel name="OE" type="integer" max="90" units="deg"/>
+        </inkml:traceFormat>
+        <inkml:channelProperties>
+          <inkml:channelProperty channel="X" name="resolution" value="1000" units="1/cm"/>
+          <inkml:channelProperty channel="Y" name="resolution" value="1000" units="1/cm"/>
+          <inkml:channelProperty channel="F" name="resolution" value="0" units="1/dev"/>
+          <inkml:channelProperty channel="OA" name="resolution" value="1000" units="1/deg"/>
+          <inkml:channelProperty channel="OE" name="resolution" value="1000" units="1/deg"/>
+        </inkml:channelProperties>
+      </inkml:inkSource>
+      <inkml:timestamp xml:id="ts0" timeString="2021-05-26T15:01:02.682"/>
+    </inkml:context>
+    <inkml:brush xml:id="br0">
+      <inkml:brushProperty name="width" value="0.05" units="cm"/>
+      <inkml:brushProperty name="height" value="0.05" units="cm"/>
+      <inkml:brushProperty name="color" value="#FF0066"/>
+    </inkml:brush>
+  </inkml:definitions>
+  <inkml:trace contextRef="#ctx0" brushRef="#br0">69 0 9216 0 0,'-5'3'752'0'0,"1"0"0"0"0,0-1 0 0 0,-1 1 1 0 0,1 1-1 0 0,0-1 0 0 0,0 1 0 0 0,1-1 0 0 0,-1 1 1 0 0,1 0-1 0 0,0 1 0 0 0,0-1 0 0 0,0 0 0 0 0,1 1 1 0 0,-1 0-1 0 0,-2 8 0 0 0,3-6-14 0 0,0-1 0 0 0,0 1 0 0 0,1 0 0 0 0,-1 11-1 0 0,2-10-727 0 0,0 0-1 0 0,0 0 1 0 0,3 15-1 0 0,-1-16 26 0 0,0 1 0 0 0,1 0 0 0 0,-1-1 1 0 0,1 1-1 0 0,5 7 0 0 0,-7-13-13 0 0,1 1 0 0 0,0 0 1 0 0,0-1-1 0 0,-1 1 0 0 0,2-1 0 0 0,-1 1 1 0 0,0-1-1 0 0,0 0 0 0 0,1 0 0 0 0,-1 0 1 0 0,1 0-1 0 0,0 0 0 0 0,-1-1 0 0 0,1 1 1 0 0,0-1-1 0 0,3 1 0 0 0,-4-1-97 0 0,0-1 0 0 0,0 0-1 0 0,0 1 1 0 0,0-1-1 0 0,0 0 1 0 0,0 0 0 0 0,0-1-1 0 0,0 1 1 0 0,0 0 0 0 0,0-1-1 0 0,0 1 1 0 0,0-1 0 0 0,0 1-1 0 0,0-1 1 0 0,0 0 0 0 0,-1 0-1 0 0,1 0 1 0 0,0 0-1 0 0,-1 0 1 0 0,1 0 0 0 0,0-1-1 0 0,-1 1 1 0 0,0 0 0 0 0,1-1-1 0 0,-1 1 1 0 0,0-1 0 0 0,0 0-1 0 0,2-2 1 0 0,3-5-959 0 0,-1-1 0 0 0,0 0 0 0 0,6-22 1 0 0,-6 17-1 0 0,0 1-155 0 0,4-24 1 0 0,1 0 602 0 0,-9 39 1057 0 0,1 0 1 0 0,-1 0-1 0 0,0 1 0 0 0,0-1 0 0 0,1 0 1 0 0,-1 1-1 0 0,0-1 0 0 0,0 1 0 0 0,0 0 0 0 0,0 1 1 0 0,14 18 2693 0 0,-12-18-3182 0 0,1 3-451 0 0,1 0 1 0 0,1-1-1 0 0,-1 0 1 0 0,8 6-1 0 0,-11-10 191 0 0,0 1 0 0 0,0-1 1 0 0,0 0-1 0 0,0 0 0 0 0,1 0 0 0 0,-1-1 0 0 0,0 1 1 0 0,0-1-1 0 0,1 1 0 0 0,-1-1 0 0 0,0 1 0 0 0,1-1 1 0 0,-1 0-1 0 0,0 0 0 0 0,1 0 0 0 0,-1-1 0 0 0,0 1 1 0 0,3-1-1 0 0,9-3-6604 0 0</inkml:trace>
+</inkml:ink>
+</file>
+
+<file path=ppt/ink/ink16.xml><?xml version="1.0" encoding="utf-8"?>
+<inkml:ink xmlns:inkml="http://www.w3.org/2003/InkML">
+  <inkml:definitions>
+    <inkml:context xml:id="ctx0">
+      <inkml:inkSource xml:id="inkSrc0">
+        <inkml:traceFormat>
+          <inkml:channel name="X" type="integer" min="-2.14748E9" max="2.14748E9" units="cm"/>
+          <inkml:channel name="Y" type="integer" min="-2.14748E9" max="2.14748E9" units="cm"/>
+          <inkml:channel name="F" type="integer" max="32767" units="dev"/>
+          <inkml:channel name="OA" type="integer" max="360" units="deg"/>
+          <inkml:channel name="OE" type="integer" max="90" units="deg"/>
+        </inkml:traceFormat>
+        <inkml:channelProperties>
+          <inkml:channelProperty channel="X" name="resolution" value="1000" units="1/cm"/>
+          <inkml:channelProperty channel="Y" name="resolution" value="1000" units="1/cm"/>
+          <inkml:channelProperty channel="F" name="resolution" value="0" units="1/dev"/>
+          <inkml:channelProperty channel="OA" name="resolution" value="1000" units="1/deg"/>
+          <inkml:channelProperty channel="OE" name="resolution" value="1000" units="1/deg"/>
+        </inkml:channelProperties>
+      </inkml:inkSource>
+      <inkml:timestamp xml:id="ts0" timeString="2021-05-26T15:01:03.044"/>
+    </inkml:context>
+    <inkml:brush xml:id="br0">
+      <inkml:brushProperty name="width" value="0.05" units="cm"/>
+      <inkml:brushProperty name="height" value="0.05" units="cm"/>
+      <inkml:brushProperty name="color" value="#FF0066"/>
+    </inkml:brush>
+  </inkml:definitions>
+  <inkml:trace contextRef="#ctx0" brushRef="#br0">21 21 18719 0 0,'0'0'915'0'0,"-3"8"45"0"0,2-3-896 0 0,1 1 0 0 0,0-1 0 0 0,0 0-1 0 0,0 1 1 0 0,0-1 0 0 0,1 0 0 0 0,0 1 0 0 0,0-1 0 0 0,1 0 0 0 0,-1 0-1 0 0,1 0 1 0 0,0 0 0 0 0,1 0 0 0 0,-1 0 0 0 0,1 0 0 0 0,0-1 0 0 0,0 1-1 0 0,4 4 1 0 0,-3-7-55 0 0,-1 0-1 0 0,0 0 0 0 0,1 0 1 0 0,-1-1-1 0 0,1 1 0 0 0,0-1 0 0 0,-1 0 1 0 0,8 1-1 0 0,10 5-959 0 0,-15-4 155 0 0,2 0-4657 0 0,0 0-877 0 0</inkml:trace>
+  <inkml:trace contextRef="#ctx0" brushRef="#br0" timeOffset="1">268 0 11056 0 0,'-7'6'482'0'0,"-1"0"1"0"0,1 0 0 0 0,0 0-1 0 0,1 1 1 0 0,-1 0 0 0 0,-9 15-1 0 0,-29 52 5693 0 0,27-42-5039 0 0,-83 148 1718 0 0,91-163-3143 0 0,1 1 0 0 0,1 0 0 0 0,-8 24 0 0 0,14-34-1491 0 0</inkml:trace>
+</inkml:ink>
+</file>
+
+<file path=ppt/ink/ink17.xml><?xml version="1.0" encoding="utf-8"?>
+<inkml:ink xmlns:inkml="http://www.w3.org/2003/InkML">
+  <inkml:definitions>
+    <inkml:context xml:id="ctx0">
+      <inkml:inkSource xml:id="inkSrc0">
+        <inkml:traceFormat>
+          <inkml:channel name="X" type="integer" min="-2.14748E9" max="2.14748E9" units="cm"/>
+          <inkml:channel name="Y" type="integer" min="-2.14748E9" max="2.14748E9" units="cm"/>
+          <inkml:channel name="F" type="integer" max="32767" units="dev"/>
+          <inkml:channel name="OA" type="integer" max="360" units="deg"/>
+          <inkml:channel name="OE" type="integer" max="90" units="deg"/>
+        </inkml:traceFormat>
+        <inkml:channelProperties>
+          <inkml:channelProperty channel="X" name="resolution" value="1000" units="1/cm"/>
+          <inkml:channelProperty channel="Y" name="resolution" value="1000" units="1/cm"/>
+          <inkml:channelProperty channel="F" name="resolution" value="0" units="1/dev"/>
+          <inkml:channelProperty channel="OA" name="resolution" value="1000" units="1/deg"/>
+          <inkml:channelProperty channel="OE" name="resolution" value="1000" units="1/deg"/>
+        </inkml:channelProperties>
+      </inkml:inkSource>
+      <inkml:timestamp xml:id="ts0" timeString="2021-05-26T15:01:07.655"/>
+    </inkml:context>
+    <inkml:brush xml:id="br0">
+      <inkml:brushProperty name="width" value="0.05" units="cm"/>
+      <inkml:brushProperty name="height" value="0.05" units="cm"/>
+      <inkml:brushProperty name="color" value="#FF0066"/>
+    </inkml:brush>
+  </inkml:definitions>
+  <inkml:trace contextRef="#ctx0" brushRef="#br0">162 203 2304 0 0,'4'-13'531'0'0,"1"-36"7948"0"0,-4 33-6629 0 0,0 1 1 0 0,-4-27-1 0 0,-3-25 5152 0 0,2 79-6924 0 0,1 0 0 0 0,0 0 0 0 0,1 0 1 0 0,0 0-1 0 0,1 1 0 0 0,1 17 0 0 0,-2 11-85 0 0,-5 80 7 0 0,3-40 0 0 0,-23 137 0 0 0,16-154 2 0 0,8-40 75 0 0,-1 0-1 0 0,-8 27 1 0 0,11-49-38 0 0,0 0 0 0 0,1 1 0 0 0,-1-1 0 0 0,-1 1 0 0 0,1-1-1 0 0,-3 4 1 0 0,4-6 56 0 0,-4-8 156 0 0,-1-8-94 0 0,0-1 1 0 0,1 1 0 0 0,1-1 0 0 0,-2-17 0 0 0,5 32-145 0 0,-8-58 123 0 0,7 53-82 0 0,-1-1 0 0 0,1-14-1 0 0,1 15 31 0 0,-1 0-1 0 0,0 0 0 0 0,-2-10 1 0 0,2 10 16 0 0,1 6-73 0 0,0 0 1 0 0,0 0 0 0 0,0 0 0 0 0,0-1-1 0 0,-1 1 1 0 0,1 0 0 0 0,0 0-1 0 0,-1 0 1 0 0,1 0 0 0 0,0 0 0 0 0,-1 0-1 0 0,1 0 1 0 0,-2-1 0 0 0,2 2-26 0 0,0 0 0 0 0,0 0 0 0 0,-1 0 0 0 0,1 0 0 0 0,0 0 0 0 0,0 0 0 0 0,0 0 0 0 0,-1 0 0 0 0,1 0 0 0 0,0 0 0 0 0,0 0 0 0 0,0 1 0 0 0,-1-1 0 0 0,1 0 0 0 0,0 0 0 0 0,0 0 0 0 0,0 0 1 0 0,-1 0-1 0 0,1 0 0 0 0,0 0 0 0 0,0 0 0 0 0,0 1 0 0 0,0-1 0 0 0,0 0 0 0 0,-1 0 0 0 0,1 0 0 0 0,0 0 0 0 0,0 1 0 0 0,0-1 0 0 0,0 0 0 0 0,0 0 0 0 0,0 0 0 0 0,0 1 0 0 0,0-1 0 0 0,0 0 0 0 0,-1 0 0 0 0,1 1 0 0 0,-2 9 4 0 0,2-7-4 0 0,-3 8-10 0 0,0 1-1 0 0,1 0 1 0 0,0 0-1 0 0,1 0 1 0 0,1 1-1 0 0,0-1 1 0 0,1 13-1 0 0,1-4 4 0 0,2 1-1 0 0,0-1 0 0 0,8 24 1 0 0,-11-42 1 0 0,1 1 1 0 0,0 0-1 0 0,-1-1 1 0 0,1 0-1 0 0,0 1 1 0 0,1-1-1 0 0,-1 0 1 0 0,0 0-1 0 0,1 0 1 0 0,4 4-1 0 0,-6-6 25 0 0,0 0-1 0 0,0 0 1 0 0,1 0-1 0 0,-1 0 1 0 0,1-1-1 0 0,-1 1 1 0 0,1 0-1 0 0,-1 0 1 0 0,1-1-1 0 0,-1 1 1 0 0,1-1-1 0 0,-1 1 0 0 0,1-1 1 0 0,0 0-1 0 0,-1 0 1 0 0,1 0-1 0 0,0 0 1 0 0,-1 0-1 0 0,1 0 1 0 0,0 0-1 0 0,-1 0 1 0 0,1-1-1 0 0,-1 1 1 0 0,1-1-1 0 0,0 1 1 0 0,1-2-1 0 0,13-8 227 0 0,-1 0 0 0 0,-1-1-1 0 0,1-1 1 0 0,16-18 0 0 0,13-11-24 0 0,-21 20-205 0 0,-18 15-265 0 0,2 0 1 0 0,-1 0-1 0 0,1 1 0 0 0,0-1 1 0 0,8-3-1 0 0,-8 5-2178 0 0</inkml:trace>
+</inkml:ink>
+</file>
+
+<file path=ppt/ink/ink18.xml><?xml version="1.0" encoding="utf-8"?>
+<inkml:ink xmlns:inkml="http://www.w3.org/2003/InkML">
+  <inkml:definitions>
+    <inkml:context xml:id="ctx0">
+      <inkml:inkSource xml:id="inkSrc0">
+        <inkml:traceFormat>
+          <inkml:channel name="X" type="integer" min="-2.14748E9" max="2.14748E9" units="cm"/>
+          <inkml:channel name="Y" type="integer" min="-2.14748E9" max="2.14748E9" units="cm"/>
+          <inkml:channel name="F" type="integer" max="32767" units="dev"/>
+          <inkml:channel name="OA" type="integer" max="360" units="deg"/>
+          <inkml:channel name="OE" type="integer" max="90" units="deg"/>
+        </inkml:traceFormat>
+        <inkml:channelProperties>
+          <inkml:channelProperty channel="X" name="resolution" value="1000" units="1/cm"/>
+          <inkml:channelProperty channel="Y" name="resolution" value="1000" units="1/cm"/>
+          <inkml:channelProperty channel="F" name="resolution" value="0" units="1/dev"/>
+          <inkml:channelProperty channel="OA" name="resolution" value="1000" units="1/deg"/>
+          <inkml:channelProperty channel="OE" name="resolution" value="1000" units="1/deg"/>
+        </inkml:channelProperties>
+      </inkml:inkSource>
+      <inkml:timestamp xml:id="ts0" timeString="2021-05-26T15:01:20.425"/>
+    </inkml:context>
+    <inkml:brush xml:id="br0">
+      <inkml:brushProperty name="width" value="0.05" units="cm"/>
+      <inkml:brushProperty name="height" value="0.05" units="cm"/>
+      <inkml:brushProperty name="color" value="#FF0066"/>
+    </inkml:brush>
+  </inkml:definitions>
+  <inkml:trace contextRef="#ctx0" brushRef="#br0">102 80 2304 0 0,'-18'3'375'0'0,"6"-6"1540"0"0,9 3-1267 0 0,-1-1-1 0 0,0 1 1 0 0,1-1 0 0 0,-1 0-1 0 0,0-1 1 0 0,1 1 0 0 0,-1-1-1 0 0,1 1 1 0 0,0-1 0 0 0,-5-3-1 0 0,-5-3 739 0 0,-2-2 8108 0 0,59 19-8130 0 0,-11-5-362 0 0,11 1-105 0 0,39-5 251 0 0,152-3 706 0 0,-2-4-1054 0 0,-72 5-368 0 0,-111 1-248 0 0,52-4 305 0 0,-62 4-4 0 0,-32 1-452 0 0,0 0 0 0 0,-1 0 0 0 0,1 0 0 0 0,0-1-1 0 0,0-1 1 0 0,9-1 0 0 0,5-13 235 0 0,-15 7-2189 0 0,3-2-1607 0 0,-7 8 2297 0 0</inkml:trace>
+</inkml:ink>
+</file>
+
+<file path=ppt/ink/ink19.xml><?xml version="1.0" encoding="utf-8"?>
+<inkml:ink xmlns:inkml="http://www.w3.org/2003/InkML">
+  <inkml:definitions>
+    <inkml:context xml:id="ctx0">
+      <inkml:inkSource xml:id="inkSrc0">
+        <inkml:traceFormat>
+          <inkml:channel name="X" type="integer" min="-2.14748E9" max="2.14748E9" units="cm"/>
+          <inkml:channel name="Y" type="integer" min="-2.14748E9" max="2.14748E9" units="cm"/>
+          <inkml:channel name="F" type="integer" max="32767" units="dev"/>
+          <inkml:channel name="OA" type="integer" max="360" units="deg"/>
+          <inkml:channel name="OE" type="integer" max="90" units="deg"/>
+        </inkml:traceFormat>
+        <inkml:channelProperties>
+          <inkml:channelProperty channel="X" name="resolution" value="1000" units="1/cm"/>
+          <inkml:channelProperty channel="Y" name="resolution" value="1000" units="1/cm"/>
+          <inkml:channelProperty channel="F" name="resolution" value="0" units="1/dev"/>
+          <inkml:channelProperty channel="OA" name="resolution" value="1000" units="1/deg"/>
+          <inkml:channelProperty channel="OE" name="resolution" value="1000" units="1/deg"/>
+        </inkml:channelProperties>
+      </inkml:inkSource>
+      <inkml:timestamp xml:id="ts0" timeString="2021-05-26T15:01:24.257"/>
+    </inkml:context>
+    <inkml:brush xml:id="br0">
+      <inkml:brushProperty name="width" value="0.05" units="cm"/>
+      <inkml:brushProperty name="height" value="0.05" units="cm"/>
+      <inkml:brushProperty name="color" value="#FF0066"/>
+    </inkml:brush>
+  </inkml:definitions>
+  <inkml:trace contextRef="#ctx0" brushRef="#br0">31 70 3224 0 0,'-30'-23'20692'0'0,"38"26"-20825"0"0,18 0 914 0 0,0-1-1 0 0,0-1 1 0 0,32-4 0 0 0,-42 3-582 0 0,237-14 1069 0 0,124-3-43 0 0,-256 11-929 0 0,127 3 1153 0 0,-210 4-1169 0 0,-16 0-344 0 0,37 6 0 0 0,141 21 288 0 0,-162-26-224 0 0,45-4 0 0 0,-4-6 0 0 0,-11-7 745 0 0,-32 5-442 0 0,-29 10-303 0 0,-5 0 0 0 0,-1 1 0 0 0,1-1 0 0 0,0 0 0 0 0,-1-1 0 0 0,1 1 0 0 0,0 0 0 0 0,-1 0 0 0 0,1-1 0 0 0,0 1 0 0 0,2-2 0 0 0,4-2-39 0 0,-7 4-162 0 0,2-3-1184 0 0,-3-3-3149 0 0</inkml:trace>
+</inkml:ink>
+</file>
+
+<file path=ppt/ink/ink2.xml><?xml version="1.0" encoding="utf-8"?>
+<inkml:ink xmlns:inkml="http://www.w3.org/2003/InkML">
+  <inkml:definitions>
+    <inkml:context xml:id="ctx0">
+      <inkml:inkSource xml:id="inkSrc0">
+        <inkml:traceFormat>
+          <inkml:channel name="X" type="integer" min="-2.14748E9" max="2.14748E9" units="cm"/>
+          <inkml:channel name="Y" type="integer" min="-2.14748E9" max="2.14748E9" units="cm"/>
+          <inkml:channel name="F" type="integer" max="32767" units="dev"/>
+          <inkml:channel name="OA" type="integer" max="360" units="deg"/>
+          <inkml:channel name="OE" type="integer" max="90" units="deg"/>
+        </inkml:traceFormat>
+        <inkml:channelProperties>
+          <inkml:channelProperty channel="X" name="resolution" value="1000" units="1/cm"/>
+          <inkml:channelProperty channel="Y" name="resolution" value="1000" units="1/cm"/>
+          <inkml:channelProperty channel="F" name="resolution" value="0" units="1/dev"/>
+          <inkml:channelProperty channel="OA" name="resolution" value="1000" units="1/deg"/>
+          <inkml:channelProperty channel="OE" name="resolution" value="1000" units="1/deg"/>
+        </inkml:channelProperties>
+      </inkml:inkSource>
+      <inkml:timestamp xml:id="ts0" timeString="2021-05-26T15:00:54.912"/>
+    </inkml:context>
+    <inkml:brush xml:id="br0">
+      <inkml:brushProperty name="width" value="0.05" units="cm"/>
+      <inkml:brushProperty name="height" value="0.05" units="cm"/>
+      <inkml:brushProperty name="color" value="#FF0066"/>
+    </inkml:brush>
+  </inkml:definitions>
+  <inkml:trace contextRef="#ctx0" brushRef="#br0">48 7 2760 0 0,'-3'1'679'0'0,"-7"2"1318"0"0,2-1 4117 0 0,6-2-5848 0 0,0 0 0 0 0,1 1 0 0 0,-1 0 0 0 0,0-1 0 0 0,1 1 0 0 0,-1 0 0 0 0,0 0 0 0 0,1 0 0 0 0,-1 0 0 0 0,1 0 0 0 0,0 0 0 0 0,-4 4 816 0 0,2 1 4141 0 0,5-3-4970 0 0,1 0-1 0 0,-1-1 1 0 0,0 1-1 0 0,1-1 1 0 0,-1 1-1 0 0,1-1 1 0 0,0 0-1 0 0,0 0 1 0 0,0 0-1 0 0,0-1 0 0 0,0 1 1 0 0,0-1-1 0 0,0 1 1 0 0,0-1-1 0 0,1 0 1 0 0,-1 0-1 0 0,7 0 1 0 0,7 1-62 0 0,-1-1 0 0 0,27-1 0 0 0,-20 0 187 0 0,9-2-27 0 0,57-10 0 0 0,-39 4-175 0 0,54-10-101 0 0,35-5 20 0 0,19 16 833 0 0,-134 8-705 0 0,44 8-1 0 0,6 1 133 0 0,57 4 63 0 0,-87-8-297 0 0,11 1 44 0 0,102 10 172 0 0,-119-15-253 0 0,-1-1 0 0 0,45-5-1 0 0,58-1 643 0 0,-94 5-866 0 0,55-6 1 0 0,20-3 776 0 0,-69 5-778 0 0,57 2 1 0 0,23 0 120 0 0,3-1 251 0 0,-95 3-185 0 0,143 0 418 0 0,-181 0-449 0 0,0-1 0 0 0,0 0 0 0 0,-1 1 0 0 0,1-1 0 0 0,0 0 0 0 0,0 0 0 0 0,0-1 0 0 0,2-1 0 0 0,10-6 72 0 0,-14 9-83 0 0,0 0 1 0 0,0-1-1 0 0,1 1 1 0 0,-1 0 0 0 0,0 0-1 0 0,1 0 1 0 0,-1 0-1 0 0,0-1 1 0 0,1 1-1 0 0,-1 0 1 0 0,1 0 0 0 0,-1 0-1 0 0,0 0 1 0 0,1 0-1 0 0,-1 0 1 0 0,0 0 0 0 0,1 0-1 0 0,-1 0 1 0 0,0 0-1 0 0,1 0 1 0 0,-1 0-1 0 0,0 1 1 0 0,1-1 0 0 0,-1 0-1 0 0,0 0 1 0 0,1 0-1 0 0,0 1-4 0 0,-1-1 0 0 0,1 0-1 0 0,-1 0 1 0 0,1 0 0 0 0,-1 0-1 0 0,1 0 1 0 0,-1 0 0 0 0,1 0-1 0 0,-1 0 1 0 0,1 0 0 0 0,-1 0-1 0 0,1 0 1 0 0,-1-1 0 0 0,1 1-1 0 0,-1 0 1 0 0,1 0-1 0 0,-1 0 1 0 0,1-1 0 0 0,-1 1-1 0 0,1 0 1 0 0,-1 0 0 0 0,0-1-1 0 0,1 1 1 0 0,-1 0 0 0 0,0-1-1 0 0,1 1 1 0 0,-1-1 0 0 0,0 1-1 0 0,1 0 1 0 0,-1-2 0 0 0,6-4-3246 0 0,-1 6 1645 0 0</inkml:trace>
+</inkml:ink>
+</file>
+
+<file path=ppt/ink/ink20.xml><?xml version="1.0" encoding="utf-8"?>
+<inkml:ink xmlns:inkml="http://www.w3.org/2003/InkML">
+  <inkml:definitions>
+    <inkml:context xml:id="ctx0">
+      <inkml:inkSource xml:id="inkSrc0">
+        <inkml:traceFormat>
+          <inkml:channel name="X" type="integer" min="-2.14748E9" max="2.14748E9" units="cm"/>
+          <inkml:channel name="Y" type="integer" min="-2.14748E9" max="2.14748E9" units="cm"/>
+          <inkml:channel name="F" type="integer" max="32767" units="dev"/>
+          <inkml:channel name="OA" type="integer" max="360" units="deg"/>
+          <inkml:channel name="OE" type="integer" max="90" units="deg"/>
+        </inkml:traceFormat>
+        <inkml:channelProperties>
+          <inkml:channelProperty channel="X" name="resolution" value="1000" units="1/cm"/>
+          <inkml:channelProperty channel="Y" name="resolution" value="1000" units="1/cm"/>
+          <inkml:channelProperty channel="F" name="resolution" value="0" units="1/dev"/>
+          <inkml:channelProperty channel="OA" name="resolution" value="1000" units="1/deg"/>
+          <inkml:channelProperty channel="OE" name="resolution" value="1000" units="1/deg"/>
+        </inkml:channelProperties>
+      </inkml:inkSource>
+      <inkml:timestamp xml:id="ts0" timeString="2021-05-26T15:01:26.332"/>
+    </inkml:context>
+    <inkml:brush xml:id="br0">
+      <inkml:brushProperty name="width" value="0.05" units="cm"/>
+      <inkml:brushProperty name="height" value="0.05" units="cm"/>
+      <inkml:brushProperty name="color" value="#FF0066"/>
+    </inkml:brush>
+  </inkml:definitions>
+  <inkml:trace contextRef="#ctx0" brushRef="#br0">54 142 14800 0 0,'-4'0'275'0'0,"0"1"0"0"0,0-1 0 0 0,-1 1 0 0 0,1 0 0 0 0,-5 2 0 0 0,-3 0 429 0 0,1-1 4097 0 0,16-6-1719 0 0,17-5-2018 0 0,5 6-755 0 0,0 1 1 0 0,0 2-1 0 0,45 4 1 0 0,-67-3-242 0 0,67 4 147 0 0,328 17 1278 0 0,-317-29-993 0 0,-83 5-462 0 0,-1 1 0 0 0,1-1 0 0 0,-1 1-1 0 0,1-1 1 0 0,-1 1 0 0 0,0 0 0 0 0,1-1 0 0 0,-1 1-1 0 0,0 0 1 0 0,-2-3 0 0 0,-5-2 155 0 0,0-1 0 0 0,0 2-1 0 0,-1-1 1 0 0,0 1 0 0 0,0 1 0 0 0,0-1 0 0 0,-17-4 0 0 0,10 3-299 0 0,-53-24-216 0 0,29 12-15 0 0,-61-19-1 0 0,91 33 137 0 0,25 5-140 0 0,0 0 235 0 0,118 10 494 0 0,-86-5-357 0 0,-22-2 31 0 0,45 13 1 0 0,-39-5-63 0 0,-31-12 5 0 0,1 1-1 0 0,0-1 1 0 0,-1 0 0 0 0,1 0-1 0 0,-1 1 1 0 0,1-1 0 0 0,0 0 0 0 0,-1 1-1 0 0,1-1 1 0 0,-1 1 0 0 0,1-1-1 0 0,-1 1 1 0 0,0-1 0 0 0,1 1-1 0 0,-1-1 1 0 0,1 1 0 0 0,-1-1-1 0 0,0 1 1 0 0,1 0 0 0 0,-1-1-1 0 0,0 1 1 0 0,1 1 0 0 0,-5 5 157 0 0,4-6-144 0 0,-6 8 70 0 0,3-5-36 0 0,0 1 0 0 0,0-1 0 0 0,0 1 0 0 0,-8 6 0 0 0,-44 40 88 0 0,15-9-67 0 0,27-27-34 0 0,-17 14 1 0 0,29-28-45 0 0,-8 8-47 0 0,-1-1 1 0 0,0-1-1 0 0,0 1 1 0 0,-1-1-1 0 0,-22 10 0 0 0,33-16-340 0 0,-4 1-321 0 0</inkml:trace>
+</inkml:ink>
+</file>
+
+<file path=ppt/ink/ink21.xml><?xml version="1.0" encoding="utf-8"?>
+<inkml:ink xmlns:inkml="http://www.w3.org/2003/InkML">
+  <inkml:definitions>
+    <inkml:context xml:id="ctx0">
+      <inkml:inkSource xml:id="inkSrc0">
+        <inkml:traceFormat>
+          <inkml:channel name="X" type="integer" min="-2.14748E9" max="2.14748E9" units="cm"/>
+          <inkml:channel name="Y" type="integer" min="-2.14748E9" max="2.14748E9" units="cm"/>
+          <inkml:channel name="F" type="integer" max="32767" units="dev"/>
+          <inkml:channel name="OA" type="integer" max="360" units="deg"/>
+          <inkml:channel name="OE" type="integer" max="90" units="deg"/>
+        </inkml:traceFormat>
+        <inkml:channelProperties>
+          <inkml:channelProperty channel="X" name="resolution" value="1000" units="1/cm"/>
+          <inkml:channelProperty channel="Y" name="resolution" value="1000" units="1/cm"/>
+          <inkml:channelProperty channel="F" name="resolution" value="0" units="1/dev"/>
+          <inkml:channelProperty channel="OA" name="resolution" value="1000" units="1/deg"/>
+          <inkml:channelProperty channel="OE" name="resolution" value="1000" units="1/deg"/>
+        </inkml:channelProperties>
+      </inkml:inkSource>
+      <inkml:timestamp xml:id="ts0" timeString="2021-05-26T15:01:30.435"/>
+    </inkml:context>
+    <inkml:brush xml:id="br0">
+      <inkml:brushProperty name="width" value="0.05" units="cm"/>
+      <inkml:brushProperty name="height" value="0.05" units="cm"/>
+      <inkml:brushProperty name="color" value="#FF0066"/>
+    </inkml:brush>
+  </inkml:definitions>
+  <inkml:trace contextRef="#ctx0" brushRef="#br0">91 33 2304 0 0,'-18'7'1383'0'0,"13"-4"22"0"0,4-2-1160 0 0,0-1-1 0 0,1 1 0 0 0,-1-1 1 0 0,0 0-1 0 0,1 1 0 0 0,-1-1 1 0 0,0 0-1 0 0,0 1 1 0 0,1-1-1 0 0,-1 0 0 0 0,0 0 1 0 0,0 0-1 0 0,1 0 0 0 0,-1 0 1 0 0,0 0-1 0 0,0 0 0 0 0,0 0 1 0 0,1 0-1 0 0,-1 0 1 0 0,0 0-1 0 0,0 0 0 0 0,1 0 1 0 0,-3-2 1018 0 0,-4 2 3664 0 0,-6 1-2655 0 0,11 0-1975 0 0,0 0-1 0 0,0 1 0 0 0,0-1 0 0 0,0 1 0 0 0,0-1 0 0 0,-3 4 1 0 0,-6 4 3548 0 0,13-7-3779 0 0,-1-1-1 0 0,0 1 1 0 0,1-1-1 0 0,0 0 1 0 0,-1 1 0 0 0,1-1-1 0 0,0 0 1 0 0,0 0 0 0 0,-1 0-1 0 0,1 0 1 0 0,4 0-1 0 0,-6-1-59 0 0,17 7 341 0 0,0-2 0 0 0,1 0 0 0 0,-1-1 0 0 0,28 2 0 0 0,76 0 715 0 0,-75-5-731 0 0,336-4 925 0 0,-131-17-744 0 0,5-5-104 0 0,-201 20-240 0 0,0 2 0 0 0,1 2 0 0 0,77 10 0 0 0,21 3 374 0 0,-53-10-488 0 0,-34 0 58 0 0,30-1 60 0 0,-57-1-289 0 0,-26 0-49 0 0,28-3 0 0 0,8-1 628 0 0,-46 3-451 0 0,-2 0-21 0 0,-1 1 1 0 0,1-1-1 0 0,0 0 1 0 0,-1-1-1 0 0,1 1 1 0 0,-1 0-1 0 0,1 0 1 0 0,-1-1-1 0 0,0 1 0 0 0,1 0 1 0 0,0-3-1 0 0,-1 3-116 0 0,-2 0 62 0 0,1 0-1 0 0,-1 0 1 0 0,1 1 0 0 0,-1-1 0 0 0,1 0 0 0 0,0 0 0 0 0,0 0-1 0 0,-1 0 1 0 0,1 0 0 0 0,0 0 0 0 0,0 0 0 0 0,0 0 0 0 0,0 0 0 0 0,0 0-1 0 0,0-2 1 0 0,0-1-317 0 0,-8-25-3887 0 0,5 19 2649 0 0</inkml:trace>
+</inkml:ink>
+</file>
+
+<file path=ppt/ink/ink22.xml><?xml version="1.0" encoding="utf-8"?>
+<inkml:ink xmlns:inkml="http://www.w3.org/2003/InkML">
+  <inkml:definitions>
+    <inkml:context xml:id="ctx0">
+      <inkml:inkSource xml:id="inkSrc0">
+        <inkml:traceFormat>
+          <inkml:channel name="X" type="integer" min="-2.14748E9" max="2.14748E9" units="cm"/>
+          <inkml:channel name="Y" type="integer" min="-2.14748E9" max="2.14748E9" units="cm"/>
+          <inkml:channel name="F" type="integer" max="32767" units="dev"/>
+          <inkml:channel name="OA" type="integer" max="360" units="deg"/>
+          <inkml:channel name="OE" type="integer" max="90" units="deg"/>
+        </inkml:traceFormat>
+        <inkml:channelProperties>
+          <inkml:channelProperty channel="X" name="resolution" value="1000" units="1/cm"/>
+          <inkml:channelProperty channel="Y" name="resolution" value="1000" units="1/cm"/>
+          <inkml:channelProperty channel="F" name="resolution" value="0" units="1/dev"/>
+          <inkml:channelProperty channel="OA" name="resolution" value="1000" units="1/deg"/>
+          <inkml:channelProperty channel="OE" name="resolution" value="1000" units="1/deg"/>
+        </inkml:channelProperties>
+      </inkml:inkSource>
+      <inkml:timestamp xml:id="ts0" timeString="2021-05-26T15:01:35.481"/>
+    </inkml:context>
+    <inkml:brush xml:id="br0">
+      <inkml:brushProperty name="width" value="0.05" units="cm"/>
+      <inkml:brushProperty name="height" value="0.05" units="cm"/>
+      <inkml:brushProperty name="color" value="#FF0066"/>
+    </inkml:brush>
+  </inkml:definitions>
+  <inkml:trace contextRef="#ctx0" brushRef="#br0">58 14 3248 0 0,'-21'-7'1264'0'0,"17"7"-425"0"0,-1-1-1 0 0,1 1 1 0 0,-1-1-1 0 0,1 0 1 0 0,-10-2 5780 0 0,14 6-4287 0 0,7 9-2497 0 0,-3-6 1169 0 0,-1-1-732 0 0,0-1 0 0 0,-1 0 0 0 0,1 0-1 0 0,0 0 1 0 0,1 0 0 0 0,4 3-1 0 0,-6-5-181 0 0,1 0 32 0 0,0 0 0 0 0,0 0 0 0 0,0 0-1 0 0,1-1 1 0 0,-1 0 0 0 0,1 1 0 0 0,-1-1 0 0 0,1-1-1 0 0,4 2 1 0 0,0 0 91 0 0,5 0 79 0 0,0 0 1 0 0,1 0-1 0 0,22-1 0 0 0,41-3 364 0 0,49 1-740 0 0,96 16 1983 0 0,-156-13-1631 0 0,19 2 97 0 0,-14-1 294 0 0,-3 1 112 0 0,37 3-947 0 0,-12-2 217 0 0,53 10 408 0 0,-70-6-197 0 0,99 5 400 0 0,29-26 18 0 0,-135 7-428 0 0,52-6 265 0 0,-21 4-379 0 0,57 5 184 0 0,-82 4 596 0 0,-42 0-1120 0 0,-27-1 128 0 0,1 0 1 0 0,0-1 0 0 0,0 0 0 0 0,0 0 0 0 0,10-1 0 0 0,94-21 288 0 0,-86 18 1 0 0,27-1-1 0 0,-2 1-5 0 0,-43 2-182 0 0,0 1 1 0 0,0 1-1 0 0,0-1 0 0 0,1 1 1 0 0,-1 1-1 0 0,0-1 0 0 0,15 4 1 0 0,-20-4 363 0 0,1-1-1348 0 0</inkml:trace>
+</inkml:ink>
+</file>
+
+<file path=ppt/ink/ink23.xml><?xml version="1.0" encoding="utf-8"?>
+<inkml:ink xmlns:inkml="http://www.w3.org/2003/InkML">
+  <inkml:definitions>
+    <inkml:context xml:id="ctx0">
+      <inkml:inkSource xml:id="inkSrc0">
+        <inkml:traceFormat>
+          <inkml:channel name="X" type="integer" min="-2.14748E9" max="2.14748E9" units="cm"/>
+          <inkml:channel name="Y" type="integer" min="-2.14748E9" max="2.14748E9" units="cm"/>
+          <inkml:channel name="F" type="integer" max="32767" units="dev"/>
+          <inkml:channel name="OA" type="integer" max="360" units="deg"/>
+          <inkml:channel name="OE" type="integer" max="90" units="deg"/>
+        </inkml:traceFormat>
+        <inkml:channelProperties>
+          <inkml:channelProperty channel="X" name="resolution" value="1000" units="1/cm"/>
+          <inkml:channelProperty channel="Y" name="resolution" value="1000" units="1/cm"/>
+          <inkml:channelProperty channel="F" name="resolution" value="0" units="1/dev"/>
+          <inkml:channelProperty channel="OA" name="resolution" value="1000" units="1/deg"/>
+          <inkml:channelProperty channel="OE" name="resolution" value="1000" units="1/deg"/>
+        </inkml:channelProperties>
+      </inkml:inkSource>
+      <inkml:timestamp xml:id="ts0" timeString="2021-05-26T15:01:52.483"/>
+    </inkml:context>
+    <inkml:brush xml:id="br0">
+      <inkml:brushProperty name="width" value="0.05" units="cm"/>
+      <inkml:brushProperty name="height" value="0.05" units="cm"/>
+      <inkml:brushProperty name="color" value="#FF0066"/>
+    </inkml:brush>
+  </inkml:definitions>
+  <inkml:trace contextRef="#ctx0" brushRef="#br0">32 12 5064 0 0,'0'0'232'0'0,"-17"2"4998"0"0,15-2-5927 0 0,-10-1 8688 0 0,15-2-6840 0 0,27-4 134 0 0,-20 6-943 0 0,5 0 53 0 0,0 0 0 0 0,0 2 0 0 0,0 0 0 0 0,0 0-1 0 0,29 8 1 0 0,-13 0-100 0 0,-22-6-199 0 0,0 0 0 0 0,-1-1 1 0 0,13 1-1 0 0,-12-1-20 0 0,-1-1-1 0 0,1 1 1 0 0,8 3-1 0 0,-9-3 22 0 0,0 1-1 0 0,0-1 1 0 0,12 1-1 0 0,191 2 1470 0 0,127-7-561 0 0,-57 23-483 0 0,-171-10-359 0 0,71 18 163 0 0,-122-18-205 0 0,117 27 169 0 0,37-1 540 0 0,-199-34-783 0 0,0-1 1 0 0,0-1 0 0 0,0 0-1 0 0,0-1 1 0 0,1-1-1 0 0,16-2 1 0 0,-31 3-37 0 0,3 0 3 0 0,1-1 0 0 0,-1 1 0 0 0,0 0-1 0 0,0 0 1 0 0,0 0 0 0 0,6 1 0 0 0,-7 0 287 0 0,0 0-1293 0 0</inkml:trace>
+</inkml:ink>
+</file>
+
+<file path=ppt/ink/ink24.xml><?xml version="1.0" encoding="utf-8"?>
+<inkml:ink xmlns:inkml="http://www.w3.org/2003/InkML">
+  <inkml:definitions>
+    <inkml:context xml:id="ctx0">
+      <inkml:inkSource xml:id="inkSrc0">
+        <inkml:traceFormat>
+          <inkml:channel name="X" type="integer" min="-2.14748E9" max="2.14748E9" units="cm"/>
+          <inkml:channel name="Y" type="integer" min="-2.14748E9" max="2.14748E9" units="cm"/>
+          <inkml:channel name="F" type="integer" max="32767" units="dev"/>
+          <inkml:channel name="OA" type="integer" max="360" units="deg"/>
+          <inkml:channel name="OE" type="integer" max="90" units="deg"/>
+        </inkml:traceFormat>
+        <inkml:channelProperties>
+          <inkml:channelProperty channel="X" name="resolution" value="1000" units="1/cm"/>
+          <inkml:channelProperty channel="Y" name="resolution" value="1000" units="1/cm"/>
+          <inkml:channelProperty channel="F" name="resolution" value="0" units="1/dev"/>
+          <inkml:channelProperty channel="OA" name="resolution" value="1000" units="1/deg"/>
+          <inkml:channelProperty channel="OE" name="resolution" value="1000" units="1/deg"/>
+        </inkml:channelProperties>
+      </inkml:inkSource>
+      <inkml:timestamp xml:id="ts0" timeString="2021-05-26T15:01:55.631"/>
+    </inkml:context>
+    <inkml:brush xml:id="br0">
+      <inkml:brushProperty name="width" value="0.05" units="cm"/>
+      <inkml:brushProperty name="height" value="0.05" units="cm"/>
+      <inkml:brushProperty name="color" value="#FF0066"/>
+    </inkml:brush>
+  </inkml:definitions>
+  <inkml:trace contextRef="#ctx0" brushRef="#br0">85 67 6912 0 0,'-31'8'462'0'0,"-6"1"2086"0"0,20-8 9501 0 0,57 4-10826 0 0,111 32 697 0 0,-106-27-1824 0 0,0-1 0 0 0,0-3 1 0 0,1-2-1 0 0,-1-1 0 0 0,64-6 0 0 0,-60-2 71 0 0,-48 5-156 0 0,-1 0 0 0 0,1 0 0 0 0,-1 0 0 0 0,0 0 0 0 0,1 0 0 0 0,-1 0 0 0 0,1 0 0 0 0,-1 0 0 0 0,0-1 0 0 0,1 1 0 0 0,-1 0 0 0 0,0 0 0 0 0,1 0 0 0 0,-1 0 0 0 0,1-1 0 0 0,-1 1 0 0 0,0 0 0 0 0,0 0 0 0 0,1-1 0 0 0,-1 1 0 0 0,0 0 0 0 0,1 0 0 0 0,-1-1 0 0 0,0 1 0 0 0,0 0 0 0 0,1-1 0 0 0,-1 1 0 0 0,0-1 0 0 0,0 1 0 0 0,0 0 0 0 0,0-1 0 0 0,0 1 0 0 0,1 0 0 0 0,-1-1 0 0 0,0 1 1 0 0,0-1-1 0 0,0 1 0 0 0,0 0 0 0 0,0-1 0 0 0,0 1 0 0 0,0-1 0 0 0,0 1 0 0 0,0 0 0 0 0,-1-1 0 0 0,1 1 0 0 0,0-1 0 0 0,0 1 0 0 0,0 0 0 0 0,0-1 0 0 0,-1 0 0 0 0,0 0 7 0 0,0-1 0 0 0,0 1 0 0 0,0-1 0 0 0,0 1 1 0 0,0-1-1 0 0,-1 1 0 0 0,1 0 0 0 0,-3-2 0 0 0,-10-5 39 0 0,-1 1 0 0 0,-1 0 0 0 0,0 1 0 0 0,-19-5-1 0 0,18 6-37 0 0,0 0-1 0 0,0-2 0 0 0,-24-12 1 0 0,17 8 55 0 0,24 11-69 0 0,0-1 0 0 0,-1 1-1 0 0,1 0 1 0 0,0 0 0 0 0,0 0-1 0 0,0 0 1 0 0,0-1 0 0 0,0 1-1 0 0,-1 0 1 0 0,1 0 0 0 0,0 0 0 0 0,0-1-1 0 0,0 1 1 0 0,0 0 0 0 0,0 0-1 0 0,0 0 1 0 0,0-1 0 0 0,0 1-1 0 0,0 0 1 0 0,0 0 0 0 0,0-1 0 0 0,0 1-1 0 0,0 0 1 0 0,0 0 0 0 0,0-1-1 0 0,0 1 1 0 0,0 0 0 0 0,0 0-1 0 0,0 0 1 0 0,0-1 0 0 0,0 1-1 0 0,0 0 1 0 0,0 0 0 0 0,1 0 0 0 0,-1-1-1 0 0,0 1 1 0 0,0 0 0 0 0,0 0-1 0 0,0 0 1 0 0,0-1 0 0 0,1 1-1 0 0,7-7 121 0 0,-3 4-100 0 0,-1 1 1 0 0,1-1-1 0 0,0 1 1 0 0,0 0 0 0 0,0 0-1 0 0,1 1 1 0 0,-1 0 0 0 0,0 0-1 0 0,1 0 1 0 0,4 0-1 0 0,12 1-30 0 0,25 1 0 0 0,-32 0-1 0 0,-7 0-14 0 0,1-1 0 0 0,-1 2 0 0 0,0-1 0 0 0,0 1 0 0 0,0 1 0 0 0,-1-1 0 0 0,1 1 1 0 0,-1 1-1 0 0,1-1 0 0 0,-1 1 0 0 0,0 1 0 0 0,0-1 0 0 0,12 12 0 0 0,-17-14 40 0 0,0 0 1 0 0,-1 0-1 0 0,1 0 0 0 0,-1 1 0 0 0,1-1 1 0 0,-1 1-1 0 0,0-1 0 0 0,0 1 0 0 0,0-1 1 0 0,0 1-1 0 0,0 0 0 0 0,0 0 0 0 0,-1-1 0 0 0,0 1 1 0 0,1 0-1 0 0,-1 0 0 0 0,0 0 0 0 0,0-1 1 0 0,-1 1-1 0 0,1 0 0 0 0,0 0 0 0 0,-1 0 1 0 0,0-1-1 0 0,0 1 0 0 0,0 0 0 0 0,0-1 0 0 0,0 1 1 0 0,0-1-1 0 0,-1 1 0 0 0,1-1 0 0 0,-1 0 1 0 0,-1 3-1 0 0,-2 2 44 0 0,-1-1 0 0 0,0 0 1 0 0,0 0-1 0 0,0 0 0 0 0,-1-1 1 0 0,1 0-1 0 0,-1 0 0 0 0,0 0 1 0 0,-12 5-1 0 0,-34 14 30 0 0,47-21-284 0 0,0-1-297 0 0,1 0-1 0 0,-1 1 1 0 0,1-1-1 0 0,-6 5 1 0 0</inkml:trace>
+</inkml:ink>
+</file>
+
+<file path=ppt/ink/ink25.xml><?xml version="1.0" encoding="utf-8"?>
+<inkml:ink xmlns:inkml="http://www.w3.org/2003/InkML">
+  <inkml:definitions>
+    <inkml:context xml:id="ctx0">
+      <inkml:inkSource xml:id="inkSrc0">
+        <inkml:traceFormat>
+          <inkml:channel name="X" type="integer" min="-2.14748E9" max="2.14748E9" units="cm"/>
+          <inkml:channel name="Y" type="integer" min="-2.14748E9" max="2.14748E9" units="cm"/>
+          <inkml:channel name="F" type="integer" max="32767" units="dev"/>
+          <inkml:channel name="OA" type="integer" max="360" units="deg"/>
+          <inkml:channel name="OE" type="integer" max="90" units="deg"/>
+        </inkml:traceFormat>
+        <inkml:channelProperties>
+          <inkml:channelProperty channel="X" name="resolution" value="1000" units="1/cm"/>
+          <inkml:channelProperty channel="Y" name="resolution" value="1000" units="1/cm"/>
+          <inkml:channelProperty channel="F" name="resolution" value="0" units="1/dev"/>
+          <inkml:channelProperty channel="OA" name="resolution" value="1000" units="1/deg"/>
+          <inkml:channelProperty channel="OE" name="resolution" value="1000" units="1/deg"/>
+        </inkml:channelProperties>
+      </inkml:inkSource>
+      <inkml:timestamp xml:id="ts0" timeString="2021-05-26T15:01:56.212"/>
+    </inkml:context>
+    <inkml:brush xml:id="br0">
+      <inkml:brushProperty name="width" value="0.05" units="cm"/>
+      <inkml:brushProperty name="height" value="0.05" units="cm"/>
+      <inkml:brushProperty name="color" value="#FF0066"/>
+    </inkml:brush>
+  </inkml:definitions>
+  <inkml:trace contextRef="#ctx0" brushRef="#br0">4 129 3224 0 0,'-3'-18'4497'0'0,"3"16"-4266"0"0,0 0 0 0 0,0 0 0 0 0,0 0-1 0 0,0 0 1 0 0,0 0 0 0 0,0 0 0 0 0,1 0 0 0 0,-1 0 0 0 0,0 1-1 0 0,1-1 1 0 0,0 0 0 0 0,1-3 0 0 0,3-12 655 0 0,-4 13-430 0 0,0-1 0 0 0,0 0 0 0 0,1 0 0 0 0,2-5 0 0 0,-2 7 269 0 0,-1-1-1 0 0,1 0 1 0 0,-1 1 0 0 0,0-1 0 0 0,0 0 0 0 0,0 0-1 0 0,0-6 2376 0 0,2 30-2359 0 0,1 32-376 0 0,5 29-135 0 0,-7-71-174 0 0,0-1 1 0 0,1 1-1 0 0,0 0 0 0 0,1-1 1 0 0,8 17-1 0 0,-11-24-25 0 0,0-1 0 0 0,-1 1-1 0 0,1-1 1 0 0,1 1 0 0 0,-1-1 0 0 0,0 1-1 0 0,0-1 1 0 0,0 0 0 0 0,1 1 0 0 0,-1-1-1 0 0,1 0 1 0 0,-1 0 0 0 0,1 0 0 0 0,-1 0-1 0 0,1 0 1 0 0,0 0 0 0 0,-1-1 0 0 0,1 1-1 0 0,2 0 1 0 0,-2-1 13 0 0,-1 0-1 0 0,1 0 1 0 0,-1-1-1 0 0,1 1 1 0 0,0 0-1 0 0,-1-1 1 0 0,1 1-1 0 0,-1-1 1 0 0,1 1-1 0 0,-1-1 1 0 0,1 0-1 0 0,-1 0 1 0 0,0 1-1 0 0,1-1 1 0 0,-1 0 0 0 0,0 0-1 0 0,0 0 1 0 0,0-1-1 0 0,1 1 1 0 0,-1 0-1 0 0,0 0 1 0 0,1-2-1 0 0,13-19 860 0 0,20-39-1 0 0,-11 18-2253 0 0,4 2-7460 0 0,-21 32 1473 0 0</inkml:trace>
+</inkml:ink>
+</file>
+
+<file path=ppt/ink/ink26.xml><?xml version="1.0" encoding="utf-8"?>
+<inkml:ink xmlns:inkml="http://www.w3.org/2003/InkML">
+  <inkml:definitions>
+    <inkml:context xml:id="ctx0">
+      <inkml:inkSource xml:id="inkSrc0">
+        <inkml:traceFormat>
+          <inkml:channel name="X" type="integer" min="-2.14748E9" max="2.14748E9" units="cm"/>
+          <inkml:channel name="Y" type="integer" min="-2.14748E9" max="2.14748E9" units="cm"/>
+          <inkml:channel name="F" type="integer" max="32767" units="dev"/>
+          <inkml:channel name="OA" type="integer" max="360" units="deg"/>
+          <inkml:channel name="OE" type="integer" max="90" units="deg"/>
+        </inkml:traceFormat>
+        <inkml:channelProperties>
+          <inkml:channelProperty channel="X" name="resolution" value="1000" units="1/cm"/>
+          <inkml:channelProperty channel="Y" name="resolution" value="1000" units="1/cm"/>
+          <inkml:channelProperty channel="F" name="resolution" value="0" units="1/dev"/>
+          <inkml:channelProperty channel="OA" name="resolution" value="1000" units="1/deg"/>
+          <inkml:channelProperty channel="OE" name="resolution" value="1000" units="1/deg"/>
+        </inkml:channelProperties>
+      </inkml:inkSource>
+      <inkml:timestamp xml:id="ts0" timeString="2021-05-26T15:01:56.571"/>
+    </inkml:context>
+    <inkml:brush xml:id="br0">
+      <inkml:brushProperty name="width" value="0.05" units="cm"/>
+      <inkml:brushProperty name="height" value="0.05" units="cm"/>
+      <inkml:brushProperty name="color" value="#FF0066"/>
+    </inkml:brush>
+  </inkml:definitions>
+  <inkml:trace contextRef="#ctx0" brushRef="#br0">7 226 6912 0 0,'-1'1'119'0'0,"1"0"1"0"0,-1 0-1 0 0,0 0 1 0 0,1 0-1 0 0,-1 0 0 0 0,1 0 1 0 0,-1 0-1 0 0,1 0 1 0 0,0 1-1 0 0,-1-1 1 0 0,1 0-1 0 0,0 0 1 0 0,0 0-1 0 0,0 0 0 0 0,0 0 1 0 0,0 2-1 0 0,4 23 5535 0 0,-2-12-2535 0 0,0 10-1740 0 0,-2 0 0 0 0,-4 31 0 0 0,1 14-3136 0 0</inkml:trace>
+  <inkml:trace contextRef="#ctx0" brushRef="#br0" timeOffset="1">64 0 5064 0 0,'0'0'5800'0'0,"-6"8"-2848"0"0,1 2 23 0 0,5-3-2503 0 0,0 4-472 0 0,0 1-152 0 0,5 1-4431 0 0,-2-1-889 0 0</inkml:trace>
+</inkml:ink>
+</file>
+
+<file path=ppt/ink/ink27.xml><?xml version="1.0" encoding="utf-8"?>
+<inkml:ink xmlns:inkml="http://www.w3.org/2003/InkML">
+  <inkml:definitions>
+    <inkml:context xml:id="ctx0">
+      <inkml:inkSource xml:id="inkSrc0">
+        <inkml:traceFormat>
+          <inkml:channel name="X" type="integer" min="-2.14748E9" max="2.14748E9" units="cm"/>
+          <inkml:channel name="Y" type="integer" min="-2.14748E9" max="2.14748E9" units="cm"/>
+          <inkml:channel name="F" type="integer" max="32767" units="dev"/>
+          <inkml:channel name="OA" type="integer" max="360" units="deg"/>
+          <inkml:channel name="OE" type="integer" max="90" units="deg"/>
+        </inkml:traceFormat>
+        <inkml:channelProperties>
+          <inkml:channelProperty channel="X" name="resolution" value="1000" units="1/cm"/>
+          <inkml:channelProperty channel="Y" name="resolution" value="1000" units="1/cm"/>
+          <inkml:channelProperty channel="F" name="resolution" value="0" units="1/dev"/>
+          <inkml:channelProperty channel="OA" name="resolution" value="1000" units="1/deg"/>
+          <inkml:channelProperty channel="OE" name="resolution" value="1000" units="1/deg"/>
+        </inkml:channelProperties>
+      </inkml:inkSource>
+      <inkml:timestamp xml:id="ts0" timeString="2021-05-26T15:01:57.032"/>
+    </inkml:context>
+    <inkml:brush xml:id="br0">
+      <inkml:brushProperty name="width" value="0.05" units="cm"/>
+      <inkml:brushProperty name="height" value="0.05" units="cm"/>
+      <inkml:brushProperty name="color" value="#FF0066"/>
+    </inkml:brush>
+  </inkml:definitions>
+  <inkml:trace contextRef="#ctx0" brushRef="#br0">112 129 4144 0 0,'0'0'319'0'0,"-12"11"1684"0"0,-5 4 2089 0 0,5-5-1796 0 0,0 2 0 0 0,-20 24 0 0 0,29-32-1977 0 0,0 1 1 0 0,0-1 0 0 0,0 1-1 0 0,1 0 1 0 0,0 0-1 0 0,0 0 1 0 0,0 1 0 0 0,0-1-1 0 0,1 0 1 0 0,0 1-1 0 0,0-1 1 0 0,0 11 0 0 0,1-15-261 0 0,0 0 0 0 0,0 1 1 0 0,0-1-1 0 0,0 0 0 0 0,0 1 1 0 0,0-1-1 0 0,1 0 0 0 0,-1 0 1 0 0,0 1-1 0 0,1-1 0 0 0,-1 0 1 0 0,1 0-1 0 0,-1 1 0 0 0,1-1 1 0 0,0 0-1 0 0,-1 0 0 0 0,1 0 0 0 0,0 0 1 0 0,1 1-1 0 0,-1-1-26 0 0,0-1 1 0 0,0 1-1 0 0,0-1 0 0 0,0 0 0 0 0,0 1 0 0 0,-1-1 1 0 0,1 0-1 0 0,0 0 0 0 0,0 0 0 0 0,0 0 0 0 0,0 1 1 0 0,0-1-1 0 0,0-1 0 0 0,0 1 0 0 0,0 0 1 0 0,0 0-1 0 0,0 0 0 0 0,0 0 0 0 0,2-1 0 0 0,1-1 31 0 0,0 0-1 0 0,0 0 1 0 0,0 0-1 0 0,0-1 1 0 0,0 1-1 0 0,-1-1 1 0 0,1 0-1 0 0,-1 0 0 0 0,7-7 1 0 0,2-8 86 0 0,-1 0-1 0 0,0 0 1 0 0,-1-1 0 0 0,11-32 0 0 0,9-18 238 0 0,-22 50 196 0 0,0 0 0 0 0,7-32 0 0 0,-15 50 163 0 0,6 19-406 0 0,-2 2-289 0 0,-1-1 1 0 0,2 37-1 0 0,1 14 127 0 0,-4-61-165 0 0,0 0 1 0 0,0 0 0 0 0,1-1 0 0 0,0 1-1 0 0,8 15 1 0 0,-6-17 0 0 0,0-1 0 0 0,0 1 0 0 0,0-1 0 0 0,1 0 0 0 0,-1 0 0 0 0,2 0 0 0 0,-1-1 0 0 0,0 0 0 0 0,1 0-1 0 0,0-1 1 0 0,0 0 0 0 0,1 0 0 0 0,-1 0 0 0 0,14 4 0 0 0,-16-7-5 0 0,0 1-1 0 0,-1-1 1 0 0,1 0-1 0 0,0 0 1 0 0,0-1-1 0 0,-1 1 0 0 0,1-1 1 0 0,0 0-1 0 0,0-1 1 0 0,0 1-1 0 0,-1-1 1 0 0,1 0-1 0 0,0 0 1 0 0,0 0-1 0 0,-1 0 1 0 0,1-1-1 0 0,-1 0 1 0 0,1 0-1 0 0,-1 0 1 0 0,0-1-1 0 0,0 1 1 0 0,0-1-1 0 0,0 0 1 0 0,-1 0-1 0 0,1-1 1 0 0,4-4-1 0 0,-2 1 61 0 0,-1-1-1 0 0,0 1 1 0 0,7-14-1 0 0,-11 19-48 0 0,0 0-1 0 0,0 0 0 0 0,0 0 0 0 0,-1 0 1 0 0,1 0-1 0 0,-1 0 0 0 0,1 0 0 0 0,-1 0 1 0 0,0 0-1 0 0,0 0 0 0 0,0-1 1 0 0,0 1-1 0 0,0 0 0 0 0,0 0 0 0 0,-1 0 1 0 0,1 0-1 0 0,-1 0 0 0 0,1 0 1 0 0,-1 0-1 0 0,-1-4 0 0 0,1 6-16 0 0,1-1 0 0 0,0 1-1 0 0,-1 0 1 0 0,1-1 0 0 0,-1 1 0 0 0,1 0-1 0 0,0 0 1 0 0,-1-1 0 0 0,1 1 0 0 0,-1 0 0 0 0,1 0-1 0 0,0 0 1 0 0,-1 0 0 0 0,1 0 0 0 0,-1-1-1 0 0,1 1 1 0 0,-1 0 0 0 0,1 0 0 0 0,-1 0-1 0 0,1 0 1 0 0,-1 0 0 0 0,1 0 0 0 0,-1 0-1 0 0,1 1 1 0 0,0-1 0 0 0,-1 0 0 0 0,1 0-1 0 0,-1 0 1 0 0,1 0 0 0 0,-1 1 0 0 0,1-1 0 0 0,0 0-1 0 0,-1 1 1 0 0,-13 8 92 0 0,11-6-140 0 0,0 1 1 0 0,0-1-1 0 0,0 1 0 0 0,1 0 0 0 0,-1-1 1 0 0,1 1-1 0 0,0 1 0 0 0,0-1 1 0 0,0 0-1 0 0,1 0 0 0 0,-1 1 0 0 0,1-1 1 0 0,0 1-1 0 0,-1 8 0 0 0,2-10 1 0 0,0 0 0 0 0,0 1 0 0 0,0-1 0 0 0,0 0 1 0 0,1 0-1 0 0,-1 1 0 0 0,1-1 0 0 0,0 0 0 0 0,0 0 0 0 0,0 0 0 0 0,0 0 0 0 0,1 0 0 0 0,-1 0 0 0 0,1 0 0 0 0,0 0 1 0 0,-1 0-1 0 0,1-1 0 0 0,1 1 0 0 0,-1-1 0 0 0,0 0 0 0 0,4 4 0 0 0,-2-4-205 0 0,-1-1-1 0 0,0 1 1 0 0,1-1 0 0 0,-1 0-1 0 0,1 0 1 0 0,0 0 0 0 0,-1 0-1 0 0,1-1 1 0 0,0 0-1 0 0,-1 1 1 0 0,1-1 0 0 0,0-1-1 0 0,-1 1 1 0 0,7-1 0 0 0,1-1-934 0 0,0-1 0 0 0,0 1 0 0 0,17-8 0 0 0,-8 0-805 0 0</inkml:trace>
+</inkml:ink>
+</file>
+
+<file path=ppt/ink/ink28.xml><?xml version="1.0" encoding="utf-8"?>
+<inkml:ink xmlns:inkml="http://www.w3.org/2003/InkML">
+  <inkml:definitions>
+    <inkml:context xml:id="ctx0">
+      <inkml:inkSource xml:id="inkSrc0">
+        <inkml:traceFormat>
+          <inkml:channel name="X" type="integer" min="-2.14748E9" max="2.14748E9" units="cm"/>
+          <inkml:channel name="Y" type="integer" min="-2.14748E9" max="2.14748E9" units="cm"/>
+          <inkml:channel name="F" type="integer" max="32767" units="dev"/>
+          <inkml:channel name="OA" type="integer" max="360" units="deg"/>
+          <inkml:channel name="OE" type="integer" max="90" units="deg"/>
+        </inkml:traceFormat>
+        <inkml:channelProperties>
+          <inkml:channelProperty channel="X" name="resolution" value="1000" units="1/cm"/>
+          <inkml:channelProperty channel="Y" name="resolution" value="1000" units="1/cm"/>
+          <inkml:channelProperty channel="F" name="resolution" value="0" units="1/dev"/>
+          <inkml:channelProperty channel="OA" name="resolution" value="1000" units="1/deg"/>
+          <inkml:channelProperty channel="OE" name="resolution" value="1000" units="1/deg"/>
+        </inkml:channelProperties>
+      </inkml:inkSource>
+      <inkml:timestamp xml:id="ts0" timeString="2021-05-26T15:01:57.359"/>
+    </inkml:context>
+    <inkml:brush xml:id="br0">
+      <inkml:brushProperty name="width" value="0.05" units="cm"/>
+      <inkml:brushProperty name="height" value="0.05" units="cm"/>
+      <inkml:brushProperty name="color" value="#FF0066"/>
+    </inkml:brush>
+  </inkml:definitions>
+  <inkml:trace contextRef="#ctx0" brushRef="#br0">147 13 8752 0 0,'-14'-5'936'0'0,"10"4"-397"0"0,0 0 0 0 0,0 1 0 0 0,-1 0 0 0 0,1 0 0 0 0,0 0 0 0 0,-1 1 0 0 0,1-1 1 0 0,0 1-1 0 0,0 0 0 0 0,0 0 0 0 0,0 1 0 0 0,-7 2 0 0 0,5-1 383 0 0,0 0-1 0 0,0 1 1 0 0,0-1-1 0 0,0 1 1 0 0,1 0-1 0 0,0 1 1 0 0,-6 6 0 0 0,8-8-752 0 0,1-1 0 0 0,0 1 1 0 0,0 0-1 0 0,1 1 0 0 0,-1-1 1 0 0,0 0-1 0 0,1 0 1 0 0,0 1-1 0 0,0-1 0 0 0,0 0 1 0 0,0 1-1 0 0,1-1 0 0 0,-1 1 1 0 0,1 0-1 0 0,0-1 1 0 0,0 1-1 0 0,0-1 0 0 0,1 5 1 0 0,0-5-91 0 0,-1 0-1 0 0,1 0 1 0 0,0 0 0 0 0,0 0 0 0 0,0 0 0 0 0,0-1 0 0 0,0 1 0 0 0,1 0 0 0 0,-1-1-1 0 0,1 1 1 0 0,0-1 0 0 0,0 1 0 0 0,0-1 0 0 0,0 0 0 0 0,0 0 0 0 0,0 0 0 0 0,0 0 0 0 0,1 0-1 0 0,-1 0 1 0 0,1-1 0 0 0,4 3 0 0 0,-1-2-14 0 0,-1-1 1 0 0,1 1-1 0 0,0-1 0 0 0,-1 0 0 0 0,1-1 0 0 0,0 1 1 0 0,0-1-1 0 0,0 0 0 0 0,0-1 0 0 0,-1 1 1 0 0,1-1-1 0 0,0-1 0 0 0,-1 1 0 0 0,1-1 0 0 0,-1 1 1 0 0,1-2-1 0 0,-1 1 0 0 0,0-1 0 0 0,0 1 1 0 0,9-8-1 0 0,-4 3-61 0 0,-1 0 1 0 0,1 0-1 0 0,-2-2 0 0 0,1 1 1 0 0,-1-1-1 0 0,-1 0 1 0 0,0 0-1 0 0,10-18 0 0 0,-11 16-1550 0 0,0-1-1 0 0,4-15 1 0 0,-7 14-7913 0 0</inkml:trace>
+</inkml:ink>
+</file>
+
+<file path=ppt/ink/ink29.xml><?xml version="1.0" encoding="utf-8"?>
+<inkml:ink xmlns:inkml="http://www.w3.org/2003/InkML">
+  <inkml:definitions>
+    <inkml:context xml:id="ctx0">
+      <inkml:inkSource xml:id="inkSrc0">
+        <inkml:traceFormat>
+          <inkml:channel name="X" type="integer" min="-2.14748E9" max="2.14748E9" units="cm"/>
+          <inkml:channel name="Y" type="integer" min="-2.14748E9" max="2.14748E9" units="cm"/>
+          <inkml:channel name="F" type="integer" max="32767" units="dev"/>
+          <inkml:channel name="OA" type="integer" max="360" units="deg"/>
+          <inkml:channel name="OE" type="integer" max="90" units="deg"/>
+        </inkml:traceFormat>
+        <inkml:channelProperties>
+          <inkml:channelProperty channel="X" name="resolution" value="1000" units="1/cm"/>
+          <inkml:channelProperty channel="Y" name="resolution" value="1000" units="1/cm"/>
+          <inkml:channelProperty channel="F" name="resolution" value="0" units="1/dev"/>
+          <inkml:channelProperty channel="OA" name="resolution" value="1000" units="1/deg"/>
+          <inkml:channelProperty channel="OE" name="resolution" value="1000" units="1/deg"/>
+        </inkml:channelProperties>
+      </inkml:inkSource>
+      <inkml:timestamp xml:id="ts0" timeString="2021-05-26T15:01:58.309"/>
+    </inkml:context>
+    <inkml:brush xml:id="br0">
+      <inkml:brushProperty name="width" value="0.05" units="cm"/>
+      <inkml:brushProperty name="height" value="0.05" units="cm"/>
+      <inkml:brushProperty name="color" value="#FF0066"/>
+    </inkml:brush>
+  </inkml:definitions>
+  <inkml:trace contextRef="#ctx0" brushRef="#br0">8 116 3680 0 0,'-7'8'13146'0'0,"77"5"-9310"0"0,-38-9-3017 0 0,45 0 1 0 0,29-1-59 0 0,-103-2-731 0 0,11-5 113 0 0,-13 4-136 0 0,-1 0-1 0 0,1 0 0 0 0,-1 0 1 0 0,1 0-1 0 0,-1 0 0 0 0,1 0 1 0 0,-1-1-1 0 0,1 1 0 0 0,-1 0 1 0 0,0 0-1 0 0,1-1 0 0 0,-1 1 1 0 0,1 0-1 0 0,-1-1 0 0 0,1 1 1 0 0,-1 0-1 0 0,0-1 1 0 0,1 1-1 0 0,-1-1 0 0 0,0 1 1 0 0,1-1-1 0 0,-1 1 0 0 0,0 0 1 0 0,0-1-1 0 0,1 0 0 0 0,-2 0 2 0 0,1 0 0 0 0,0 0 0 0 0,-1 1 0 0 0,1-1 0 0 0,-1 0 0 0 0,0 0 0 0 0,1 1 0 0 0,-1-1 0 0 0,1 0 0 0 0,-1 1 0 0 0,0-1 0 0 0,0 0-1 0 0,1 1 1 0 0,-1-1 0 0 0,-1 0 0 0 0,-17-11 369 0 0,-32-15-1 0 0,17 9-86 0 0,3 5-51 0 0,23 10-67 0 0,0 0-1 0 0,1-1 1 0 0,-9-5-1 0 0,16 9 13 0 0,6-4-96 0 0,6-1-70 0 0,-1 1-1 0 0,1 0 1 0 0,1 1 0 0 0,-1 0-1 0 0,0 0 1 0 0,1 2-1 0 0,13-1 1 0 0,8-2 103 0 0,-26 3-55 0 0,-1 0 1 0 0,1 1-1 0 0,12 1 1 0 0,-18-1-14 0 0,1 0 1 0 0,-1 0 0 0 0,0 1 0 0 0,0-1 0 0 0,0 1-1 0 0,0-1 1 0 0,0 1 0 0 0,0 0 0 0 0,0 0 0 0 0,0 0 0 0 0,0 0-1 0 0,0 0 1 0 0,-1 0 0 0 0,1 1 0 0 0,0-1 0 0 0,-1 0-1 0 0,2 3 1 0 0,-2-3-33 0 0,-1 0 0 0 0,1 1 0 0 0,-1-1 0 0 0,1 1 0 0 0,-1-1 0 0 0,0 1 0 0 0,1 0 0 0 0,-1-1 0 0 0,0 1 0 0 0,0-1 1 0 0,0 1-1 0 0,-1-1 0 0 0,1 1 0 0 0,0-1 0 0 0,0 1 0 0 0,-1-1 0 0 0,1 1 0 0 0,-2 2 0 0 0,-14 28-80 0 0,13-26 86 0 0,-5 6 107 0 0,0 0-1 0 0,-1-1 1 0 0,0 0 0 0 0,-1-1-1 0 0,0 0 1 0 0,-1 0-1 0 0,0-1 1 0 0,0 0 0 0 0,-22 12-1 0 0,44-24-4778 0 0,14-6 2761 0 0,78-41-6596 0 0,-74 37 7396 0 0,-14 6 589 0 0,1 1 1 0 0,-1 0-1 0 0,1 1 1 0 0,18-3-1 0 0,-33 7 563 0 0,0 1-1 0 0,1 0 1 0 0,-1 0 0 0 0,0 0 0 0 0,0 0-1 0 0,0 0 1 0 0,1 0 0 0 0,-1 0 0 0 0,0 0-1 0 0,0 1 1 0 0,0-1 0 0 0,0 0 0 0 0,1 1-1 0 0,-1-1 1 0 0,0 1 0 0 0,0-1 0 0 0,0 1-1 0 0,0 0 1 0 0,0-1 0 0 0,0 1-1 0 0,1 1 1 0 0,-1-1 149 0 0,0 1-1 0 0,0-1 0 0 0,0 1 1 0 0,0 0-1 0 0,0-1 0 0 0,0 1 0 0 0,0 0 1 0 0,-1 0-1 0 0,1-1 0 0 0,-1 1 1 0 0,1 0-1 0 0,-1 2 0 0 0,1 5 659 0 0,-1 1 0 0 0,0-1-1 0 0,-1 0 1 0 0,-2 13 0 0 0,-16 68 1911 0 0,9-52-2007 0 0,-14 37-1 0 0,2-11-628 0 0,-9 22 1831 0 0,29-83-1979 0 0,0 0 1 0 0,0 0-1 0 0,0 0 0 0 0,0 0 1 0 0,0 0-1 0 0,-3 3 0 0 0,4-6-2 0 0,1 0 0 0 0,0 0 1 0 0,0 0-1 0 0,0 1 0 0 0,0-1 0 0 0,0 0 1 0 0,0 0-1 0 0,0 0 0 0 0,0 0 0 0 0,0 0 0 0 0,-1 1 1 0 0,1-1-1 0 0,0 0 0 0 0,0 0 0 0 0,0 0 1 0 0,0 0-1 0 0,0 0 0 0 0,0 0 0 0 0,-1 0 0 0 0,1 1 1 0 0,0-1-1 0 0,0 0 0 0 0,0 0 0 0 0,0 0 1 0 0,-1 0-1 0 0,1 0 0 0 0,0 0 0 0 0,0 0 0 0 0,0 0 1 0 0,-1 0-1 0 0,1 0 0 0 0,0 0 0 0 0,0 0 1 0 0,0 0-1 0 0,0 0 0 0 0,-1 0 0 0 0,1 0 0 0 0,0 0 1 0 0,0 0-1 0 0,0 0 0 0 0,-1-1 0 0 0,1-1 63 0 0,-2-4 14 0 0,0 1-1 0 0,0-1 0 0 0,1 0 1 0 0,0 1-1 0 0,0-1 0 0 0,0 0 1 0 0,1 0-1 0 0,0 0 0 0 0,0 0 1 0 0,1 0-1 0 0,-1 1 0 0 0,3-8 0 0 0,2-13 413 0 0,13-33 0 0 0,-16 54-483 0 0,7-22 235 0 0,2 0 0 0 0,1 1-1 0 0,0 0 1 0 0,2 1 0 0 0,1 0 0 0 0,1 2-1 0 0,1 0 1 0 0,22-22 0 0 0,-33 38-130 0 0,1 1 1 0 0,1 0 0 0 0,-1 0-1 0 0,1 0 1 0 0,0 1 0 0 0,0 1-1 0 0,14-7 1 0 0,-20 10-86 0 0,1 0 0 0 0,0 0 0 0 0,0 0 0 0 0,0 0 0 0 0,0 0 0 0 0,0 1 0 0 0,0-1 0 0 0,0 1 0 0 0,0 0 0 0 0,0 0 0 0 0,0 0 0 0 0,0 0 0 0 0,0 1 0 0 0,0-1 0 0 0,0 1 0 0 0,0 0 0 0 0,0 0 0 0 0,0 0 0 0 0,0 0 0 0 0,0 0 0 0 0,0 0-1 0 0,-1 1 1 0 0,1 0 0 0 0,-1-1 0 0 0,1 1 0 0 0,3 3 0 0 0,-5-3-17 0 0,0 0-1 0 0,1 0 1 0 0,-1 0-1 0 0,0 0 1 0 0,0 0-1 0 0,-1 0 1 0 0,1 0-1 0 0,0 1 0 0 0,-1-1 1 0 0,1 0-1 0 0,-1 0 1 0 0,0 0-1 0 0,1 1 1 0 0,-1-1-1 0 0,0 0 1 0 0,-1 0-1 0 0,1 1 0 0 0,0-1 1 0 0,0 0-1 0 0,-1 0 1 0 0,0 0-1 0 0,0 3 1 0 0,-2 4 26 0 0,-1 0 0 0 0,0-1 0 0 0,-9 16 0 0 0,8-16-260 0 0,0-1 0 0 0,0 0 0 0 0,-1 0 0 0 0,0-1 0 0 0,0 1 0 0 0,-1-1-1 0 0,-13 9 1 0 0,18-13 74 0 0,-1-1 1 0 0,0 1-1 0 0,1 0 0 0 0,-1-1 0 0 0,0 0 0 0 0,0 0 0 0 0,0 0 0 0 0,0 0 0 0 0,0 0 0 0 0,0 0 0 0 0,0-1 0 0 0,0 1 0 0 0,0-1 0 0 0,0 0 0 0 0,0 0 0 0 0,0 0 0 0 0,0-1 0 0 0,0 1 0 0 0,0-1 1 0 0,0 1-1 0 0,0-1 0 0 0,0 0 0 0 0,0 0 0 0 0,0 0 0 0 0,-4-3 0 0 0</inkml:trace>
+</inkml:ink>
+</file>
+
+<file path=ppt/ink/ink3.xml><?xml version="1.0" encoding="utf-8"?>
+<inkml:ink xmlns:inkml="http://www.w3.org/2003/InkML">
+  <inkml:definitions>
+    <inkml:context xml:id="ctx0">
+      <inkml:inkSource xml:id="inkSrc0">
+        <inkml:traceFormat>
+          <inkml:channel name="X" type="integer" min="-2.14748E9" max="2.14748E9" units="cm"/>
+          <inkml:channel name="Y" type="integer" min="-2.14748E9" max="2.14748E9" units="cm"/>
+          <inkml:channel name="F" type="integer" max="32767" units="dev"/>
+          <inkml:channel name="OA" type="integer" max="360" units="deg"/>
+          <inkml:channel name="OE" type="integer" max="90" units="deg"/>
+        </inkml:traceFormat>
+        <inkml:channelProperties>
+          <inkml:channelProperty channel="X" name="resolution" value="1000" units="1/cm"/>
+          <inkml:channelProperty channel="Y" name="resolution" value="1000" units="1/cm"/>
+          <inkml:channelProperty channel="F" name="resolution" value="0" units="1/dev"/>
+          <inkml:channelProperty channel="OA" name="resolution" value="1000" units="1/deg"/>
+          <inkml:channelProperty channel="OE" name="resolution" value="1000" units="1/deg"/>
+        </inkml:channelProperties>
+      </inkml:inkSource>
+      <inkml:timestamp xml:id="ts0" timeString="2021-05-26T15:00:57.620"/>
+    </inkml:context>
+    <inkml:brush xml:id="br0">
+      <inkml:brushProperty name="width" value="0.05" units="cm"/>
+      <inkml:brushProperty name="height" value="0.05" units="cm"/>
+      <inkml:brushProperty name="color" value="#FF0066"/>
+    </inkml:brush>
+  </inkml:definitions>
+  <inkml:trace contextRef="#ctx0" brushRef="#br0">166 0 2760 0 0,'-13'7'287'0'0,"0"-2"0"0"0,-22 7 0 0 0,-8-4 4794 0 0,38-7-4664 0 0,0-1 0 0 0,1-1 0 0 0,-1 1 0 0 0,0 0 0 0 0,-5-2 1 0 0,8 1-216 0 0,1 1 1 0 0,-1 0 0 0 0,0-1 0 0 0,1 1-1 0 0,-1-1 1 0 0,1 1 0 0 0,-1-1 0 0 0,1 0-1 0 0,-1 0 1 0 0,1 1 0 0 0,0-1 0 0 0,-1 0-1 0 0,1 0 1 0 0,0-1 0 0 0,-5-4 4942 0 0,20 16-3594 0 0,12 3-664 0 0,1-1 0 0 0,0-1 0 0 0,53 12 0 0 0,-57-18-391 0 0,0-1 1 0 0,29 0-1 0 0,10 1-13 0 0,295 22 639 0 0,-338-26-1115 0 0,432-11 1792 0 0,-315-5-1373 0 0,42-2 166 0 0,-23 11-126 0 0,91 0 403 0 0,-163 12-500 0 0,111 24 0 0 0,-37-4-83 0 0,-143-25-286 0 0,0 1 0 0 0,0 1 0 0 0,0 0 0 0 0,17 8 0 0 0,-27-10 0 0 0,0 1 0 0 0,1 0 0 0 0,-1-1 0 0 0,0 0 0 0 0,1 0 0 0 0,-1 0 0 0 0,1-1 0 0 0,0 0 0 0 0,-1 1 0 0 0,1-1 0 0 0,-1-1 0 0 0,1 1 0 0 0,7-3 0 0 0,-11 3 2 0 0,0 0-4 0 0,-1 0 1 0 0,0 0-1 0 0,1 0 0 0 0,-1 0 0 0 0,0 0 1 0 0,1 0-1 0 0,-1 0 0 0 0,0-1 0 0 0,1 1 0 0 0,-1 0 1 0 0,0 0-1 0 0,1 0 0 0 0,-1 0 0 0 0,0-1 1 0 0,0 1-1 0 0,1 0 0 0 0,-1 0 0 0 0,0-1 0 0 0,0 1 1 0 0,1 0-1 0 0,-1-1 0 0 0,0 1 0 0 0,0 0 1 0 0,0-1-1 0 0,0 1 0 0 0,1 0 0 0 0,-1-1 0 0 0,0 1 1 0 0,0 0-1 0 0,0-1 0 0 0,0 1 0 0 0,0 0 1 0 0,0-1-1 0 0,0 1 0 0 0,0 0 0 0 0,0-1 0 0 0,0 1 1 0 0,0 0-1 0 0,0-1 0 0 0,-1 0 0 0 0,1 0-366 0 0</inkml:trace>
+</inkml:ink>
+</file>
+
+<file path=ppt/ink/ink30.xml><?xml version="1.0" encoding="utf-8"?>
+<inkml:ink xmlns:inkml="http://www.w3.org/2003/InkML">
+  <inkml:definitions>
+    <inkml:context xml:id="ctx0">
+      <inkml:inkSource xml:id="inkSrc0">
+        <inkml:traceFormat>
+          <inkml:channel name="X" type="integer" min="-2.14748E9" max="2.14748E9" units="cm"/>
+          <inkml:channel name="Y" type="integer" min="-2.14748E9" max="2.14748E9" units="cm"/>
+          <inkml:channel name="F" type="integer" max="32767" units="dev"/>
+          <inkml:channel name="OA" type="integer" max="360" units="deg"/>
+          <inkml:channel name="OE" type="integer" max="90" units="deg"/>
+        </inkml:traceFormat>
+        <inkml:channelProperties>
+          <inkml:channelProperty channel="X" name="resolution" value="1000" units="1/cm"/>
+          <inkml:channelProperty channel="Y" name="resolution" value="1000" units="1/cm"/>
+          <inkml:channelProperty channel="F" name="resolution" value="0" units="1/dev"/>
+          <inkml:channelProperty channel="OA" name="resolution" value="1000" units="1/deg"/>
+          <inkml:channelProperty channel="OE" name="resolution" value="1000" units="1/deg"/>
+        </inkml:channelProperties>
+      </inkml:inkSource>
+      <inkml:timestamp xml:id="ts0" timeString="2021-05-26T15:01:58.684"/>
+    </inkml:context>
+    <inkml:brush xml:id="br0">
+      <inkml:brushProperty name="width" value="0.05" units="cm"/>
+      <inkml:brushProperty name="height" value="0.05" units="cm"/>
+      <inkml:brushProperty name="color" value="#FF0066"/>
+    </inkml:brush>
+  </inkml:definitions>
+  <inkml:trace contextRef="#ctx0" brushRef="#br0">74 171 18023 0 0,'-1'1'176'0'0,"-1"1"0"0"0,1 0 0 0 0,0-1 0 0 0,-1 1 0 0 0,1 0 0 0 0,0 0 0 0 0,0 0 0 0 0,0 0 0 0 0,0 0 0 0 0,1 0-1 0 0,-2 4 1 0 0,-4 28 33 0 0,4-18 755 0 0,-3 2-282 0 0,0-1 0 0 0,-10 22 1 0 0,9-25-242 0 0,1 0 0 0 0,0 0 0 0 0,1 1 0 0 0,-2 15 0 0 0,6 0-2302 0 0,0-29 810 0 0</inkml:trace>
+  <inkml:trace contextRef="#ctx0" brushRef="#br0" timeOffset="1">122 6 18431 0 0,'0'0'1800'0'0,"-6"-3"-1608"0"0,1 1-192 0 0,0 9-792 0 0,2 0 312 0 0,3 4-7231 0 0</inkml:trace>
+</inkml:ink>
+</file>
+
+<file path=ppt/ink/ink31.xml><?xml version="1.0" encoding="utf-8"?>
+<inkml:ink xmlns:inkml="http://www.w3.org/2003/InkML">
+  <inkml:definitions>
+    <inkml:context xml:id="ctx0">
+      <inkml:inkSource xml:id="inkSrc0">
+        <inkml:traceFormat>
+          <inkml:channel name="X" type="integer" min="-2.14748E9" max="2.14748E9" units="cm"/>
+          <inkml:channel name="Y" type="integer" min="-2.14748E9" max="2.14748E9" units="cm"/>
+          <inkml:channel name="F" type="integer" max="32767" units="dev"/>
+          <inkml:channel name="OA" type="integer" max="360" units="deg"/>
+          <inkml:channel name="OE" type="integer" max="90" units="deg"/>
+        </inkml:traceFormat>
+        <inkml:channelProperties>
+          <inkml:channelProperty channel="X" name="resolution" value="1000" units="1/cm"/>
+          <inkml:channelProperty channel="Y" name="resolution" value="1000" units="1/cm"/>
+          <inkml:channelProperty channel="F" name="resolution" value="0" units="1/dev"/>
+          <inkml:channelProperty channel="OA" name="resolution" value="1000" units="1/deg"/>
+          <inkml:channelProperty channel="OE" name="resolution" value="1000" units="1/deg"/>
+        </inkml:channelProperties>
+      </inkml:inkSource>
+      <inkml:timestamp xml:id="ts0" timeString="2021-05-26T15:01:59.057"/>
+    </inkml:context>
+    <inkml:brush xml:id="br0">
+      <inkml:brushProperty name="width" value="0.05" units="cm"/>
+      <inkml:brushProperty name="height" value="0.05" units="cm"/>
+      <inkml:brushProperty name="color" value="#FF0066"/>
+    </inkml:brush>
+  </inkml:definitions>
+  <inkml:trace contextRef="#ctx0" brushRef="#br0">181 0 11520 0 0,'-17'5'956'0'0,"5"-2"52"0"0,-1 0-1 0 0,1 1 1 0 0,-18 9-1 0 0,23-9-277 0 0,0-1 0 0 0,0 1 0 0 0,0 0 0 0 0,1 1-1 0 0,-1 0 1 0 0,1 0 0 0 0,0 0 0 0 0,1 1 0 0 0,-8 8 0 0 0,10-9-472 0 0,-1 0 0 0 0,1 0 1 0 0,0 0-1 0 0,1 1 1 0 0,-5 10-1 0 0,6-14-230 0 0,1 0 1 0 0,-1-1-1 0 0,1 1 0 0 0,0 0 1 0 0,-1-1-1 0 0,1 1 1 0 0,0 0-1 0 0,0-1 0 0 0,0 1 1 0 0,0 0-1 0 0,0-1 0 0 0,0 1 1 0 0,1 0-1 0 0,-1-1 1 0 0,1 1-1 0 0,-1 0 0 0 0,1-1 1 0 0,0 1-1 0 0,-1-1 0 0 0,1 1 1 0 0,0-1-1 0 0,0 1 0 0 0,0-1 1 0 0,0 1-1 0 0,2 0 1 0 0,-2-1-20 0 0,0 0 0 0 0,0-1 0 0 0,0 1 0 0 0,0-1 0 0 0,1 1 0 0 0,-1-1 0 0 0,0 0 0 0 0,1 0 0 0 0,-1 1 0 0 0,0-1 0 0 0,0 0 0 0 0,1 0 0 0 0,-1 0 0 0 0,0 0 0 0 0,1 0 0 0 0,-1-1 0 0 0,0 1 0 0 0,1 0 0 0 0,-1-1-1 0 0,2 0 1 0 0,1 0 30 0 0,0-1-1 0 0,0 1 0 0 0,-1-1 1 0 0,1 0-1 0 0,5-4 0 0 0,8-8 167 0 0,-1 0 0 0 0,0-1 1 0 0,-2-1-1 0 0,1 0 0 0 0,13-22 0 0 0,-28 38-165 0 0,0-1-1 0 0,1 1 1 0 0,-1-1 0 0 0,0 1 0 0 0,0-1 0 0 0,1 1-1 0 0,-1 0 1 0 0,0-1 0 0 0,1 1 0 0 0,-1 0 0 0 0,0-1-1 0 0,1 1 1 0 0,-1 0 0 0 0,1-1 0 0 0,-1 1 0 0 0,1 0-1 0 0,-1 0 1 0 0,1-1 0 0 0,-1 1 0 0 0,1 0 0 0 0,0 0-23 0 0,-1 0 1 0 0,0 0 0 0 0,0 1 0 0 0,1-1 0 0 0,-1 0 0 0 0,0 0-1 0 0,0 1 1 0 0,1-1 0 0 0,-1 0 0 0 0,0 0 0 0 0,0 1 0 0 0,0-1-1 0 0,0 0 1 0 0,0 1 0 0 0,1-1 0 0 0,-1 0 0 0 0,0 1 0 0 0,0-1-1 0 0,0 0 1 0 0,0 1 0 0 0,0-1 0 0 0,0 0 0 0 0,0 1 0 0 0,0 28 224 0 0,0-23-172 0 0,-3 44 91 0 0,1-38-165 0 0,1 1 1 0 0,1-1-1 0 0,0 1 0 0 0,0-1 1 0 0,2 1-1 0 0,2 12 1 0 0,-4-24-80 0 0,0 0 0 0 0,0 0 0 0 0,1 0 0 0 0,-1 0-1 0 0,0 0 1 0 0,1-1 0 0 0,-1 1 0 0 0,1 0 0 0 0,-1 0 0 0 0,1 0 0 0 0,0 0 0 0 0,-1-1 0 0 0,1 1 0 0 0,0 0 0 0 0,-1 0 0 0 0,2 0 0 0 0,-1-1-298 0 0,-1 0 1 0 0,1 1-1 0 0,0-1 1 0 0,-1 0-1 0 0,1 0 1 0 0,0 0 0 0 0,-1 0-1 0 0,1 0 1 0 0,0 0-1 0 0,-1 0 1 0 0,1 0-1 0 0,0 0 1 0 0,0 0-1 0 0,-1-1 1 0 0,1 1 0 0 0,-1 0-1 0 0,1 0 1 0 0,0-1-1 0 0,-1 1 1 0 0,1 0-1 0 0,0-1 1 0 0,0 0-1 0 0,10-6-7942 0 0</inkml:trace>
+</inkml:ink>
+</file>
+
+<file path=ppt/ink/ink32.xml><?xml version="1.0" encoding="utf-8"?>
+<inkml:ink xmlns:inkml="http://www.w3.org/2003/InkML">
+  <inkml:definitions>
+    <inkml:context xml:id="ctx0">
+      <inkml:inkSource xml:id="inkSrc0">
+        <inkml:traceFormat>
+          <inkml:channel name="X" type="integer" min="-2.14748E9" max="2.14748E9" units="cm"/>
+          <inkml:channel name="Y" type="integer" min="-2.14748E9" max="2.14748E9" units="cm"/>
+          <inkml:channel name="F" type="integer" max="32767" units="dev"/>
+          <inkml:channel name="OA" type="integer" max="360" units="deg"/>
+          <inkml:channel name="OE" type="integer" max="90" units="deg"/>
+        </inkml:traceFormat>
+        <inkml:channelProperties>
+          <inkml:channelProperty channel="X" name="resolution" value="1000" units="1/cm"/>
+          <inkml:channelProperty channel="Y" name="resolution" value="1000" units="1/cm"/>
+          <inkml:channelProperty channel="F" name="resolution" value="0" units="1/dev"/>
+          <inkml:channelProperty channel="OA" name="resolution" value="1000" units="1/deg"/>
+          <inkml:channelProperty channel="OE" name="resolution" value="1000" units="1/deg"/>
+        </inkml:channelProperties>
+      </inkml:inkSource>
+      <inkml:timestamp xml:id="ts0" timeString="2021-05-26T15:01:59.401"/>
+    </inkml:context>
+    <inkml:brush xml:id="br0">
+      <inkml:brushProperty name="width" value="0.05" units="cm"/>
+      <inkml:brushProperty name="height" value="0.05" units="cm"/>
+      <inkml:brushProperty name="color" value="#FF0066"/>
+    </inkml:brush>
+  </inkml:definitions>
+  <inkml:trace contextRef="#ctx0" brushRef="#br0">18 32 18511 0 0,'-17'-3'4062'0'0,"20"2"-2681"0"0,5 0-897 0 0,47-10 2167 0 0,-39 7-2382 0 0,31-4-1 0 0,-38 7-226 0 0,25-1 79 0 0,-31 2-110 0 0,-1 0 1 0 0,1 0 0 0 0,-1 1 0 0 0,1-1-1 0 0,-1 1 1 0 0,1-1 0 0 0,-1 1 0 0 0,1 0-1 0 0,-1 0 1 0 0,3 2 0 0 0,-4-3-5 0 0,-1 1-1 0 0,1-1 1 0 0,-1 1 0 0 0,1 0-1 0 0,-1-1 1 0 0,1 1 0 0 0,-1 0-1 0 0,0-1 1 0 0,1 1 0 0 0,-1 0 0 0 0,0 0-1 0 0,0-1 1 0 0,0 1 0 0 0,1 0-1 0 0,-1 0 1 0 0,0-1 0 0 0,0 1 0 0 0,0 0-1 0 0,0 0 1 0 0,0 0 0 0 0,0-1-1 0 0,-1 1 1 0 0,1 0 0 0 0,0 0-1 0 0,0-1 1 0 0,0 1 0 0 0,-1 1 0 0 0,-9 20 134 0 0,-35 50 83 0 0,36-56-132 0 0,5-9 23 0 0,0 0-1 0 0,1 0 0 0 0,-5 10 1 0 0,8-15-61 0 0,-1-1 0 0 0,1 1 0 0 0,0-1-1 0 0,-1 1 1 0 0,1 0 0 0 0,0-1 0 0 0,0 1 0 0 0,0 0 0 0 0,0-1 0 0 0,0 1 0 0 0,0-1 0 0 0,1 1 0 0 0,-1 0 0 0 0,0-1 0 0 0,1 1 0 0 0,0-1-1 0 0,-1 1 1 0 0,1-1 0 0 0,0 1 0 0 0,-1-1 0 0 0,3 2 0 0 0,-2-2-17 0 0,0 0 0 0 0,1 0 0 0 0,-1 0-1 0 0,1 0 1 0 0,-1-1 0 0 0,1 1 0 0 0,-1 0 0 0 0,1-1 0 0 0,-1 1-1 0 0,1-1 1 0 0,0 0 0 0 0,-1 1 0 0 0,1-1 0 0 0,0 0 0 0 0,-1 0-1 0 0,1 0 1 0 0,-1 0 0 0 0,1 0 0 0 0,0-1 0 0 0,-1 1 0 0 0,4-1-1 0 0,3-1 25 0 0,0-1 0 0 0,-1 1 0 0 0,10-5-1 0 0,-5 1-316 0 0,1-1-1 0 0,-1 0 0 0 0,0-1 0 0 0,19-17 0 0 0,-23 17-764 0 0,0 0 0 0 0,0-1 0 0 0,-1 0 0 0 0,0 0 0 0 0,-1-1 0 0 0,6-10 0 0 0,-2 0-1169 0 0</inkml:trace>
+</inkml:ink>
+</file>
+
+<file path=ppt/ink/ink33.xml><?xml version="1.0" encoding="utf-8"?>
+<inkml:ink xmlns:inkml="http://www.w3.org/2003/InkML">
+  <inkml:definitions>
+    <inkml:context xml:id="ctx0">
+      <inkml:inkSource xml:id="inkSrc0">
+        <inkml:traceFormat>
+          <inkml:channel name="X" type="integer" min="-2.14748E9" max="2.14748E9" units="cm"/>
+          <inkml:channel name="Y" type="integer" min="-2.14748E9" max="2.14748E9" units="cm"/>
+          <inkml:channel name="F" type="integer" max="32767" units="dev"/>
+          <inkml:channel name="OA" type="integer" max="360" units="deg"/>
+          <inkml:channel name="OE" type="integer" max="90" units="deg"/>
+        </inkml:traceFormat>
+        <inkml:channelProperties>
+          <inkml:channelProperty channel="X" name="resolution" value="1000" units="1/cm"/>
+          <inkml:channelProperty channel="Y" name="resolution" value="1000" units="1/cm"/>
+          <inkml:channelProperty channel="F" name="resolution" value="0" units="1/dev"/>
+          <inkml:channelProperty channel="OA" name="resolution" value="1000" units="1/deg"/>
+          <inkml:channelProperty channel="OE" name="resolution" value="1000" units="1/deg"/>
+        </inkml:channelProperties>
+      </inkml:inkSource>
+      <inkml:timestamp xml:id="ts0" timeString="2021-05-26T15:01:59.759"/>
+    </inkml:context>
+    <inkml:brush xml:id="br0">
+      <inkml:brushProperty name="width" value="0.05" units="cm"/>
+      <inkml:brushProperty name="height" value="0.05" units="cm"/>
+      <inkml:brushProperty name="color" value="#FF0066"/>
+    </inkml:brush>
+  </inkml:definitions>
+  <inkml:trace contextRef="#ctx0" brushRef="#br0">1 62 21191 0 0,'0'0'1920'0'0,"1"-1"-1505"0"0,77-38 3066 0 0,-74 36-3397 0 0,-1 1-40 0 0,1 0-1 0 0,0 0 1 0 0,-1 0 0 0 0,1 0-1 0 0,0 0 1 0 0,0 1 0 0 0,0-1-1 0 0,0 1 1 0 0,0 0 0 0 0,1 1-1 0 0,7-2 1 0 0,-11 2-44 0 0,-1 0 0 0 0,1 0 0 0 0,0 0 0 0 0,-1 1 0 0 0,1-1 0 0 0,-1 0 0 0 0,1 0 0 0 0,0 0 0 0 0,-1 0 0 0 0,1 1 0 0 0,-1-1 0 0 0,1 0 0 0 0,-1 0 0 0 0,1 1 0 0 0,-1-1 0 0 0,1 1 0 0 0,-1-1 0 0 0,1 0 0 0 0,-1 1 0 0 0,1-1 0 0 0,-1 1 0 0 0,1-1 0 0 0,-1 1 0 0 0,1 0 0 0 0,-1 1 0 0 0,1-1 0 0 0,-1 1 0 0 0,1-1 0 0 0,-1 1 0 0 0,1 0 0 0 0,-1-1 0 0 0,0 1 0 0 0,0 0 0 0 0,0 1 0 0 0,0 3 0 0 0,-1 0 0 0 0,0 0 0 0 0,0 0 0 0 0,-3 6 0 0 0,-2 6 0 0 0,-15 25 0 0 0,4-9 0 0 0,-3 9 1883 0 0,29-41-1704 0 0,-9-2-180 0 0,1 0 1 0 0,-1 1-1 0 0,1-1 0 0 0,0 0 1 0 0,-1 0-1 0 0,1 0 0 0 0,0 1 1 0 0,-1-1-1 0 0,1 0 0 0 0,0 0 1 0 0,-1 0-1 0 0,1 0 0 0 0,0 0 1 0 0,-1 0-1 0 0,1-1 0 0 0,0 1 1 0 0,-1 0-1 0 0,1 0 0 0 0,-1 0 1 0 0,2-1-1 0 0,10-6-224 0 0,0 0 1 0 0,0 0-1 0 0,0-2 0 0 0,-1 1 0 0 0,9-11 1 0 0,10-7-2590 0 0,12-12-2313 0 0,-21 19 2496 0 0</inkml:trace>
+</inkml:ink>
+</file>
+
+<file path=ppt/ink/ink34.xml><?xml version="1.0" encoding="utf-8"?>
+<inkml:ink xmlns:inkml="http://www.w3.org/2003/InkML">
+  <inkml:definitions>
+    <inkml:context xml:id="ctx0">
+      <inkml:inkSource xml:id="inkSrc0">
+        <inkml:traceFormat>
+          <inkml:channel name="X" type="integer" min="-2.14748E9" max="2.14748E9" units="cm"/>
+          <inkml:channel name="Y" type="integer" min="-2.14748E9" max="2.14748E9" units="cm"/>
+          <inkml:channel name="F" type="integer" max="32767" units="dev"/>
+          <inkml:channel name="OA" type="integer" max="360" units="deg"/>
+          <inkml:channel name="OE" type="integer" max="90" units="deg"/>
+        </inkml:traceFormat>
+        <inkml:channelProperties>
+          <inkml:channelProperty channel="X" name="resolution" value="1000" units="1/cm"/>
+          <inkml:channelProperty channel="Y" name="resolution" value="1000" units="1/cm"/>
+          <inkml:channelProperty channel="F" name="resolution" value="0" units="1/dev"/>
+          <inkml:channelProperty channel="OA" name="resolution" value="1000" units="1/deg"/>
+          <inkml:channelProperty channel="OE" name="resolution" value="1000" units="1/deg"/>
+        </inkml:channelProperties>
+      </inkml:inkSource>
+      <inkml:timestamp xml:id="ts0" timeString="2021-05-26T15:02:00.162"/>
+    </inkml:context>
+    <inkml:brush xml:id="br0">
+      <inkml:brushProperty name="width" value="0.05" units="cm"/>
+      <inkml:brushProperty name="height" value="0.05" units="cm"/>
+      <inkml:brushProperty name="color" value="#FF0066"/>
+    </inkml:brush>
+  </inkml:definitions>
+  <inkml:trace contextRef="#ctx0" brushRef="#br0">123 0 5064 0 0,'-15'2'496'0'0,"11"-1"1017"0"0,0 0 0 0 0,0 0 0 0 0,0 1 1 0 0,0-1-1 0 0,0 1 0 0 0,1 0 0 0 0,-1 0 0 0 0,-5 4 0 0 0,4-2-752 0 0,0 0 0 0 0,1 0-1 0 0,0 1 1 0 0,-1 0-1 0 0,-3 6 1 0 0,2-3-447 0 0,1 1 0 0 0,0 0 0 0 0,1 0 0 0 0,0 0 0 0 0,1 1 0 0 0,0-1 0 0 0,-2 11 0 0 0,4-18-260 0 0,1 0 0 0 0,0 0 1 0 0,0 0-1 0 0,0 0 0 0 0,0 0 0 0 0,0 0 1 0 0,0 0-1 0 0,0 0 0 0 0,1 0 0 0 0,-1-1 0 0 0,1 1 1 0 0,0 0-1 0 0,-1 0 0 0 0,1 0 0 0 0,0 0 1 0 0,0-1-1 0 0,0 1 0 0 0,0 0 0 0 0,1-1 1 0 0,1 3-1 0 0,-2-3-48 0 0,0 0 0 0 0,0 0 0 0 0,0-1-1 0 0,0 1 1 0 0,0 0 0 0 0,0 0 0 0 0,1-1 0 0 0,-1 1 0 0 0,0-1 0 0 0,1 1 0 0 0,-1-1-1 0 0,0 0 1 0 0,1 1 0 0 0,-1-1 0 0 0,0 0 0 0 0,1 0 0 0 0,-1 0 0 0 0,0 0 0 0 0,1 0-1 0 0,-1 0 1 0 0,1 0 0 0 0,-1-1 0 0 0,0 1 0 0 0,1 0 0 0 0,-1-1 0 0 0,0 1 0 0 0,0-1 0 0 0,1 1-1 0 0,-1-1 1 0 0,2-1 0 0 0,7-5 156 0 0,-1-1-1 0 0,0 0 1 0 0,0-1 0 0 0,13-15-1 0 0,14-14 1126 0 0,-36 37-1272 0 0,1 1 0 0 0,-1-1 0 0 0,1 1 0 0 0,-1-1 0 0 0,1 1 1 0 0,0 0-1 0 0,-1-1 0 0 0,1 1 0 0 0,0 0 0 0 0,-1 0 0 0 0,1-1 0 0 0,0 1 1 0 0,-1 0-1 0 0,1 0 0 0 0,0 0 0 0 0,0 0 0 0 0,-1 0 0 0 0,1 0 0 0 0,0 0 1 0 0,-1 0-1 0 0,1 0 0 0 0,0 0 0 0 0,1 0 0 0 0,-1 1 41 0 0,1 0 0 0 0,-1-1 0 0 0,0 1 1 0 0,1 0-1 0 0,-1 0 0 0 0,0 0 0 0 0,0 0 0 0 0,0 0 0 0 0,0 0 0 0 0,2 2 0 0 0,2 5 200 0 0,-1-1-1 0 0,1 0 1 0 0,3 11 0 0 0,-5-13-218 0 0,6 19-1002 0 0,-6-16 242 0 0,0-1-1 0 0,0 0 0 0 0,1 0 1 0 0,8 13-1 0 0,-10-18 167 0 0,-1 0 0 0 0,1 0 1 0 0,-1 0-1 0 0,0 0 0 0 0,0 1 1 0 0,1-1-1 0 0,-2 0 0 0 0,1 1 0 0 0,1 4 1 0 0,-1 3-1719 0 0</inkml:trace>
+</inkml:ink>
+</file>
+
+<file path=ppt/ink/ink35.xml><?xml version="1.0" encoding="utf-8"?>
+<inkml:ink xmlns:inkml="http://www.w3.org/2003/InkML">
+  <inkml:definitions>
+    <inkml:context xml:id="ctx0">
+      <inkml:inkSource xml:id="inkSrc0">
+        <inkml:traceFormat>
+          <inkml:channel name="X" type="integer" min="-2.14748E9" max="2.14748E9" units="cm"/>
+          <inkml:channel name="Y" type="integer" min="-2.14748E9" max="2.14748E9" units="cm"/>
+          <inkml:channel name="F" type="integer" max="32767" units="dev"/>
+          <inkml:channel name="OA" type="integer" max="360" units="deg"/>
+          <inkml:channel name="OE" type="integer" max="90" units="deg"/>
+        </inkml:traceFormat>
+        <inkml:channelProperties>
+          <inkml:channelProperty channel="X" name="resolution" value="1000" units="1/cm"/>
+          <inkml:channelProperty channel="Y" name="resolution" value="1000" units="1/cm"/>
+          <inkml:channelProperty channel="F" name="resolution" value="0" units="1/dev"/>
+          <inkml:channelProperty channel="OA" name="resolution" value="1000" units="1/deg"/>
+          <inkml:channelProperty channel="OE" name="resolution" value="1000" units="1/deg"/>
+        </inkml:channelProperties>
+      </inkml:inkSource>
+      <inkml:timestamp xml:id="ts0" timeString="2021-05-26T15:02:10.187"/>
+    </inkml:context>
+    <inkml:brush xml:id="br0">
+      <inkml:brushProperty name="width" value="0.05" units="cm"/>
+      <inkml:brushProperty name="height" value="0.05" units="cm"/>
+      <inkml:brushProperty name="color" value="#FF0066"/>
+    </inkml:brush>
+  </inkml:definitions>
+  <inkml:trace contextRef="#ctx0" brushRef="#br0">44 38 14424 0 0,'-1'-2'66'0'0,"1"0"0"0"0,-1 0 0 0 0,0 0 0 0 0,0 0 0 0 0,1 0 0 0 0,-1 0 0 0 0,0 1 0 0 0,-1-1 0 0 0,1 0 0 0 0,0 1 0 0 0,0-1 0 0 0,-1 1 0 0 0,1-1 0 0 0,-1 1 0 0 0,1-1 0 0 0,-1 1 0 0 0,0 0 0 0 0,0 0 0 0 0,1 0 0 0 0,-1 0 0 0 0,0 0 0 0 0,0 0 0 0 0,-2 0 0 0 0,0 0 394 0 0,0 0 1947 0 0,3 9-1976 0 0,2 0-141 0 0,0 0 0 0 0,0 0 0 0 0,4 12-1 0 0,1 8 151 0 0,28 136 1313 0 0,-11-63-1060 0 0,-18-76-581 0 0,1-1-1 0 0,16 39 0 0 0,-17-51 8 0 0,1 0 1 0 0,0-1-1 0 0,1 1 0 0 0,0-1 0 0 0,1-1 0 0 0,15 18 0 0 0,-11-16-33 0 0,0 0-1 0 0,0-1 1 0 0,2-1-1 0 0,-1 0 1 0 0,1-1-1 0 0,0 0 1 0 0,1-1 0 0 0,0-1-1 0 0,0 0 1 0 0,1-1-1 0 0,-1-1 1 0 0,32 7-1 0 0,-34-10-53 0 0,-8 0-5 0 0,1-1 0 0 0,0 0 0 0 0,-1 0 0 0 0,1-1 0 0 0,10 1 0 0 0,-15-2 8 0 0,0 1 0 0 0,0 0 0 0 0,-1 0 0 0 0,1 0 0 0 0,0-1 0 0 0,0 1 0 0 0,0 0 0 0 0,0-1 1 0 0,0 1-1 0 0,0-1 0 0 0,-1 1 0 0 0,1-1 0 0 0,0 1 0 0 0,0-1 0 0 0,-1 0 0 0 0,1 1 0 0 0,0-1 0 0 0,-1 0 0 0 0,1 0 0 0 0,-1 0 1 0 0,1 1-1 0 0,-1-1 0 0 0,1 0 0 0 0,-1 0 0 0 0,1 0 0 0 0,-1 0 0 0 0,0 0 0 0 0,0 0 0 0 0,1 0 0 0 0,-1 1 0 0 0,0-1 0 0 0,0 0 0 0 0,0 0 1 0 0,0 0-1 0 0,0 0 0 0 0,0 0 0 0 0,0 0 0 0 0,-1 0 0 0 0,1 0 0 0 0,0-1 0 0 0,-2-4-4 0 0,1 0-1 0 0,-1 0 1 0 0,0 0-1 0 0,0 0 1 0 0,-1 1-1 0 0,1-1 1 0 0,-1 1-1 0 0,0-1 1 0 0,-1 1-1 0 0,-6-8 1 0 0,0 2 14 0 0,-1 0 1 0 0,0 1-1 0 0,-16-11 0 0 0,-12-11 337 0 0,57 27-313 0 0,-4 4-69 0 0,-1 2 0 0 0,26 2 0 0 0,-4 1 0 0 0,-8-3 14 0 0,-16-1 5 0 0,0 0 0 0 0,-1 1 0 0 0,1 0 0 0 0,0 1 0 0 0,19 6 0 0 0,-29-8-9 0 0,0 1-1 0 0,0-1 0 0 0,0 0 1 0 0,0 1-1 0 0,0 0 0 0 0,0-1 1 0 0,0 1-1 0 0,0 0 0 0 0,0 0 1 0 0,0-1-1 0 0,0 1 0 0 0,0 0 1 0 0,0 0-1 0 0,-1 0 1 0 0,1 0-1 0 0,0 0 0 0 0,-1 0 1 0 0,1 0-1 0 0,-1 0 0 0 0,1 0 1 0 0,-1 0-1 0 0,0 1 0 0 0,1-1 1 0 0,-1 0-1 0 0,0 0 0 0 0,0 0 1 0 0,0 0-1 0 0,0 1 1 0 0,0-1-1 0 0,0 0 0 0 0,0 0 1 0 0,0 0-1 0 0,0 1 0 0 0,-1 0 1 0 0,-1 5 39 0 0,0-1 1 0 0,-1 0-1 0 0,0 1 1 0 0,0-1-1 0 0,-5 5 1 0 0,0 4 21 0 0,-6 9 8 0 0,-1 0 1 0 0,-1-1-1 0 0,-1-1 0 0 0,-32 31 1 0 0,36-39-66 0 0,-3-1-51 0 0,14-11-357 0 0,-1-1-1 0 0,1 1 0 0 0,-1 0 0 0 0,1 0 1 0 0,0 0-1 0 0,0 0 0 0 0,0 0 0 0 0,-3 5 1 0 0,11-10-3356 0 0</inkml:trace>
+</inkml:ink>
+</file>
+
+<file path=ppt/ink/ink36.xml><?xml version="1.0" encoding="utf-8"?>
+<inkml:ink xmlns:inkml="http://www.w3.org/2003/InkML">
+  <inkml:definitions>
+    <inkml:context xml:id="ctx0">
+      <inkml:inkSource xml:id="inkSrc0">
+        <inkml:traceFormat>
+          <inkml:channel name="X" type="integer" min="-2.14748E9" max="2.14748E9" units="cm"/>
+          <inkml:channel name="Y" type="integer" min="-2.14748E9" max="2.14748E9" units="cm"/>
+          <inkml:channel name="F" type="integer" max="32767" units="dev"/>
+          <inkml:channel name="OA" type="integer" max="360" units="deg"/>
+          <inkml:channel name="OE" type="integer" max="90" units="deg"/>
+        </inkml:traceFormat>
+        <inkml:channelProperties>
+          <inkml:channelProperty channel="X" name="resolution" value="1000" units="1/cm"/>
+          <inkml:channelProperty channel="Y" name="resolution" value="1000" units="1/cm"/>
+          <inkml:channelProperty channel="F" name="resolution" value="0" units="1/dev"/>
+          <inkml:channelProperty channel="OA" name="resolution" value="1000" units="1/deg"/>
+          <inkml:channelProperty channel="OE" name="resolution" value="1000" units="1/deg"/>
+        </inkml:channelProperties>
+      </inkml:inkSource>
+      <inkml:timestamp xml:id="ts0" timeString="2021-05-26T15:02:10.861"/>
+    </inkml:context>
+    <inkml:brush xml:id="br0">
+      <inkml:brushProperty name="width" value="0.05" units="cm"/>
+      <inkml:brushProperty name="height" value="0.05" units="cm"/>
+      <inkml:brushProperty name="color" value="#FF0066"/>
+    </inkml:brush>
+  </inkml:definitions>
+  <inkml:trace contextRef="#ctx0" brushRef="#br0">69 78 6912 0 0,'0'0'528'0'0,"0"-13"10637"0"0,3 28-10752 0 0,0 1-1 0 0,-2 0 1 0 0,0 0 0 0 0,0 1 0 0 0,-5 29 0 0 0,1 13 52 0 0,2-24-162 0 0,-3-1 0 0 0,0-1 0 0 0,-11 38 0 0 0,8-33 92 0 0,5-24-112 0 0,-1-1 0 0 0,0 1 0 0 0,-7 18 0 0 0,7-26-334 0 0,-2 4 859 0 0,4-10-779 0 0,1-1 0 0 0,-1 1 0 0 0,1 0 1 0 0,-1-1-1 0 0,1 1 0 0 0,0 0 0 0 0,-1-1 0 0 0,1 1 1 0 0,0-1-1 0 0,-1 1 0 0 0,1 0 0 0 0,0-1 0 0 0,-1 1 0 0 0,1-1 1 0 0,0 1-1 0 0,0-1 0 0 0,-1 1 0 0 0,1-1 0 0 0,0 1 1 0 0,0-1-1 0 0,0 1 0 0 0,0-1 0 0 0,0-1 0 0 0,-2-8 35 0 0,0-1-1 0 0,1 1 1 0 0,0-1 0 0 0,1 0-1 0 0,0 1 1 0 0,3-15 0 0 0,-3 21-59 0 0,8-65 296 0 0,24-101 1 0 0,-26 146 35 0 0,17-42 0 0 0,-18 56-211 0 0,0-1-1 0 0,0 1 1 0 0,1 0-1 0 0,1 0 1 0 0,15-17-1 0 0,-18 22-95 0 0,1 1 0 0 0,0-1 0 0 0,1 1 0 0 0,-1 0 0 0 0,1 1-1 0 0,-1 0 1 0 0,10-4 0 0 0,-13 6-28 0 0,0 0 0 0 0,0 1 0 0 0,0-1 0 0 0,0 1 1 0 0,0-1-1 0 0,0 1 0 0 0,0 0 0 0 0,0 0 0 0 0,0 0 0 0 0,0 0 0 0 0,1 1 0 0 0,-1-1 0 0 0,0 0 0 0 0,0 1 0 0 0,0 0 0 0 0,0-1 0 0 0,0 1 1 0 0,-1 0-1 0 0,1 0 0 0 0,0 0 0 0 0,0 0 0 0 0,2 2 0 0 0,0 0 19 0 0,3 1 0 0 0,-1 1 0 0 0,0 0 0 0 0,0 0 0 0 0,-1 1 0 0 0,1-1 0 0 0,-1 1 0 0 0,-1 1 0 0 0,1-1 0 0 0,-1 1 0 0 0,0-1 0 0 0,0 1 0 0 0,-1 0 0 0 0,0 1 0 0 0,-1-1 0 0 0,1 0 0 0 0,-1 1 0 0 0,0-1 0 0 0,-1 1 0 0 0,1 9 0 0 0,-1-5 38 0 0,0 0 0 0 0,-1 0 0 0 0,-1 0 0 0 0,1 0 1 0 0,-2 0-1 0 0,0 0 0 0 0,0-1 0 0 0,-1 1 0 0 0,-1 0 0 0 0,0-1 1 0 0,-9 19-1 0 0,11-26-37 0 0,0-1 0 0 0,-1 1 0 0 0,1-1 0 0 0,-1 0 0 0 0,1 0 1 0 0,-1 0-1 0 0,0-1 0 0 0,0 1 0 0 0,0-1 0 0 0,0 1 0 0 0,-1-1 0 0 0,1 0 1 0 0,-1 0-1 0 0,1-1 0 0 0,-1 1 0 0 0,0-1 0 0 0,1 1 0 0 0,-1-1 1 0 0,-7 1-1 0 0,5-2-74 0 0,1 1-1 0 0,0-1 1 0 0,0-1 0 0 0,0 1 0 0 0,0-1 0 0 0,0 0 0 0 0,0 0 0 0 0,0 0 0 0 0,0 0 0 0 0,0-1 0 0 0,0 0-1 0 0,1 0 1 0 0,-1-1 0 0 0,-7-4 0 0 0,6 3-134 0 0,1 0 1 0 0,0 0-1 0 0,0-1 0 0 0,0 1 0 0 0,1-1 1 0 0,-5-7-1 0 0,-3-11-2275 0 0,11 19 1231 0 0,0 1 0 0 0,1-1 1 0 0,-1 0-1 0 0,1 0 0 0 0,-1-4 0 0 0,1-7-6609 0 0</inkml:trace>
+</inkml:ink>
+</file>
+
+<file path=ppt/ink/ink37.xml><?xml version="1.0" encoding="utf-8"?>
+<inkml:ink xmlns:inkml="http://www.w3.org/2003/InkML">
+  <inkml:definitions>
+    <inkml:context xml:id="ctx0">
+      <inkml:inkSource xml:id="inkSrc0">
+        <inkml:traceFormat>
+          <inkml:channel name="X" type="integer" min="-2.14748E9" max="2.14748E9" units="cm"/>
+          <inkml:channel name="Y" type="integer" min="-2.14748E9" max="2.14748E9" units="cm"/>
+          <inkml:channel name="F" type="integer" max="32767" units="dev"/>
+          <inkml:channel name="OA" type="integer" max="360" units="deg"/>
+          <inkml:channel name="OE" type="integer" max="90" units="deg"/>
+        </inkml:traceFormat>
+        <inkml:channelProperties>
+          <inkml:channelProperty channel="X" name="resolution" value="1000" units="1/cm"/>
+          <inkml:channelProperty channel="Y" name="resolution" value="1000" units="1/cm"/>
+          <inkml:channelProperty channel="F" name="resolution" value="0" units="1/dev"/>
+          <inkml:channelProperty channel="OA" name="resolution" value="1000" units="1/deg"/>
+          <inkml:channelProperty channel="OE" name="resolution" value="1000" units="1/deg"/>
+        </inkml:channelProperties>
+      </inkml:inkSource>
+      <inkml:timestamp xml:id="ts0" timeString="2021-05-26T15:02:11.221"/>
+    </inkml:context>
+    <inkml:brush xml:id="br0">
+      <inkml:brushProperty name="width" value="0.05" units="cm"/>
+      <inkml:brushProperty name="height" value="0.05" units="cm"/>
+      <inkml:brushProperty name="color" value="#FF0066"/>
+    </inkml:brush>
+  </inkml:definitions>
+  <inkml:trace contextRef="#ctx0" brushRef="#br0">2 218 5064 0 0,'0'0'232'0'0,"10"10"3512"0"0,-5 16 6209 0 0,-4 2-5647 0 0,-7 29-4216 0 0,0-13 1080 0 0,4-20-923 0 0,0-10-523 0 0,1 1-1 0 0,1-1 1 0 0,2 24 0 0 0,-1-35-190 0 0,1 2-3223 0 0</inkml:trace>
+  <inkml:trace contextRef="#ctx0" brushRef="#br0" timeOffset="1">101 0 15664 0 0,'-11'5'696'0'0,"9"0"135"0"0,-1 0-663 0 0,-1 2-168 0 0,4 1 0 0 0,0 2-4607 0 0,0 2-953 0 0</inkml:trace>
+</inkml:ink>
+</file>
+
+<file path=ppt/ink/ink38.xml><?xml version="1.0" encoding="utf-8"?>
+<inkml:ink xmlns:inkml="http://www.w3.org/2003/InkML">
+  <inkml:definitions>
+    <inkml:context xml:id="ctx0">
+      <inkml:inkSource xml:id="inkSrc0">
+        <inkml:traceFormat>
+          <inkml:channel name="X" type="integer" min="-2.14748E9" max="2.14748E9" units="cm"/>
+          <inkml:channel name="Y" type="integer" min="-2.14748E9" max="2.14748E9" units="cm"/>
+          <inkml:channel name="F" type="integer" max="32767" units="dev"/>
+          <inkml:channel name="OA" type="integer" max="360" units="deg"/>
+          <inkml:channel name="OE" type="integer" max="90" units="deg"/>
+        </inkml:traceFormat>
+        <inkml:channelProperties>
+          <inkml:channelProperty channel="X" name="resolution" value="1000" units="1/cm"/>
+          <inkml:channelProperty channel="Y" name="resolution" value="1000" units="1/cm"/>
+          <inkml:channelProperty channel="F" name="resolution" value="0" units="1/dev"/>
+          <inkml:channelProperty channel="OA" name="resolution" value="1000" units="1/deg"/>
+          <inkml:channelProperty channel="OE" name="resolution" value="1000" units="1/deg"/>
+        </inkml:channelProperties>
+      </inkml:inkSource>
+      <inkml:timestamp xml:id="ts0" timeString="2021-05-26T15:02:11.606"/>
+    </inkml:context>
+    <inkml:brush xml:id="br0">
+      <inkml:brushProperty name="width" value="0.05" units="cm"/>
+      <inkml:brushProperty name="height" value="0.05" units="cm"/>
+      <inkml:brushProperty name="color" value="#FF0066"/>
+    </inkml:brush>
+  </inkml:definitions>
+  <inkml:trace contextRef="#ctx0" brushRef="#br0">185 0 19351 0 0,'-21'11'427'0'0,"1"1"-1"0"0,1 1 1 0 0,0 1-1 0 0,0 0 1 0 0,2 2-1 0 0,-27 28 1 0 0,40-39-50 0 0,1 1 0 0 0,0 0 0 0 0,0 1-1 0 0,0-1 1 0 0,1 0 0 0 0,0 1 0 0 0,0-1 0 0 0,1 1 0 0 0,0 0 0 0 0,-1 11 0 0 0,2-16-289 0 0,0 0-1 0 0,0 0 1 0 0,1 0-1 0 0,-1 0 1 0 0,0 0-1 0 0,1 0 1 0 0,-1-1 0 0 0,1 1-1 0 0,-1 0 1 0 0,1 0-1 0 0,0-1 1 0 0,0 1-1 0 0,0 0 1 0 0,0-1-1 0 0,0 1 1 0 0,0-1 0 0 0,0 1-1 0 0,3 1 1 0 0,-1-1 7 0 0,-1 0 0 0 0,1 0 0 0 0,-1-1 1 0 0,1 0-1 0 0,0 1 0 0 0,0-1 0 0 0,0 0 1 0 0,0-1-1 0 0,0 1 0 0 0,5 0 0 0 0,2 0-18 0 0,0-1 0 0 0,0 0 0 0 0,0 0 0 0 0,0-1-1 0 0,20-5 1 0 0,-17 2-445 0 0,0-1 0 0 0,0 0 0 0 0,-1-1-1 0 0,0 0 1 0 0,0-1 0 0 0,-1 0 0 0 0,19-16 0 0 0,-13 8-1295 0 0</inkml:trace>
+</inkml:ink>
+</file>
+
+<file path=ppt/ink/ink39.xml><?xml version="1.0" encoding="utf-8"?>
+<inkml:ink xmlns:inkml="http://www.w3.org/2003/InkML">
+  <inkml:definitions>
+    <inkml:context xml:id="ctx0">
+      <inkml:inkSource xml:id="inkSrc0">
+        <inkml:traceFormat>
+          <inkml:channel name="X" type="integer" min="-2.14748E9" max="2.14748E9" units="cm"/>
+          <inkml:channel name="Y" type="integer" min="-2.14748E9" max="2.14748E9" units="cm"/>
+          <inkml:channel name="F" type="integer" max="32767" units="dev"/>
+          <inkml:channel name="OA" type="integer" max="360" units="deg"/>
+          <inkml:channel name="OE" type="integer" max="90" units="deg"/>
+        </inkml:traceFormat>
+        <inkml:channelProperties>
+          <inkml:channelProperty channel="X" name="resolution" value="1000" units="1/cm"/>
+          <inkml:channelProperty channel="Y" name="resolution" value="1000" units="1/cm"/>
+          <inkml:channelProperty channel="F" name="resolution" value="0" units="1/dev"/>
+          <inkml:channelProperty channel="OA" name="resolution" value="1000" units="1/deg"/>
+          <inkml:channelProperty channel="OE" name="resolution" value="1000" units="1/deg"/>
+        </inkml:channelProperties>
+      </inkml:inkSource>
+      <inkml:timestamp xml:id="ts0" timeString="2021-05-26T15:02:11.967"/>
+    </inkml:context>
+    <inkml:brush xml:id="br0">
+      <inkml:brushProperty name="width" value="0.05" units="cm"/>
+      <inkml:brushProperty name="height" value="0.05" units="cm"/>
+      <inkml:brushProperty name="color" value="#FF0066"/>
+    </inkml:brush>
+  </inkml:definitions>
+  <inkml:trace contextRef="#ctx0" brushRef="#br0">152 47 20471 0 0,'-11'-38'2248'0'0,"15"30"1519"0"0,2 23-3369 0 0,0 0 0 0 0,0 0 0 0 0,-2 1 0 0 0,5 29 0 0 0,4 71 275 0 0,-10-79-456 0 0,4 106-29 0 0,6-20-1964 0 0,-13-110-6677 0 0</inkml:trace>
+  <inkml:trace contextRef="#ctx0" brushRef="#br0" timeOffset="1">0 282 23039 0 0,'0'0'1120'0'0,"8"0"-480"0"0,3 0 0 0 0,3 0-512 0 0,6-2-128 0 0,0-1 0 0 0,3-1 0 0 0,2-2 0 0 0,-2 1 0 0 0,-1-2 0 0 0,4 0 0 0 0,-4 1 0 0 0,0 1 0 0 0,-2-2 0 0 0,2 2-10215 0 0</inkml:trace>
+</inkml:ink>
+</file>
+
+<file path=ppt/ink/ink4.xml><?xml version="1.0" encoding="utf-8"?>
+<inkml:ink xmlns:inkml="http://www.w3.org/2003/InkML">
+  <inkml:definitions>
+    <inkml:context xml:id="ctx0">
+      <inkml:inkSource xml:id="inkSrc0">
+        <inkml:traceFormat>
+          <inkml:channel name="X" type="integer" min="-2.14748E9" max="2.14748E9" units="cm"/>
+          <inkml:channel name="Y" type="integer" min="-2.14748E9" max="2.14748E9" units="cm"/>
+          <inkml:channel name="F" type="integer" max="32767" units="dev"/>
+          <inkml:channel name="OA" type="integer" max="360" units="deg"/>
+          <inkml:channel name="OE" type="integer" max="90" units="deg"/>
+        </inkml:traceFormat>
+        <inkml:channelProperties>
+          <inkml:channelProperty channel="X" name="resolution" value="1000" units="1/cm"/>
+          <inkml:channelProperty channel="Y" name="resolution" value="1000" units="1/cm"/>
+          <inkml:channelProperty channel="F" name="resolution" value="0" units="1/dev"/>
+          <inkml:channelProperty channel="OA" name="resolution" value="1000" units="1/deg"/>
+          <inkml:channelProperty channel="OE" name="resolution" value="1000" units="1/deg"/>
+        </inkml:channelProperties>
+      </inkml:inkSource>
+      <inkml:timestamp xml:id="ts0" timeString="2021-05-26T15:00:58.295"/>
+    </inkml:context>
+    <inkml:brush xml:id="br0">
+      <inkml:brushProperty name="width" value="0.05" units="cm"/>
+      <inkml:brushProperty name="height" value="0.05" units="cm"/>
+      <inkml:brushProperty name="color" value="#FF0066"/>
+    </inkml:brush>
+  </inkml:definitions>
+  <inkml:trace contextRef="#ctx0" brushRef="#br0">1 42 15664 0 0,'0'0'1571'0'0,"14"0"-1423"0"0,157-15 3968 0 0,-69 4-4250 0 0,-26 0-3041 0 0,-48 6-3479 0 0</inkml:trace>
+</inkml:ink>
+</file>
+
+<file path=ppt/ink/ink40.xml><?xml version="1.0" encoding="utf-8"?>
+<inkml:ink xmlns:inkml="http://www.w3.org/2003/InkML">
+  <inkml:definitions>
+    <inkml:context xml:id="ctx0">
+      <inkml:inkSource xml:id="inkSrc0">
+        <inkml:traceFormat>
+          <inkml:channel name="X" type="integer" min="-2.14748E9" max="2.14748E9" units="cm"/>
+          <inkml:channel name="Y" type="integer" min="-2.14748E9" max="2.14748E9" units="cm"/>
+          <inkml:channel name="F" type="integer" max="32767" units="dev"/>
+          <inkml:channel name="OA" type="integer" max="360" units="deg"/>
+          <inkml:channel name="OE" type="integer" max="90" units="deg"/>
+        </inkml:traceFormat>
+        <inkml:channelProperties>
+          <inkml:channelProperty channel="X" name="resolution" value="1000" units="1/cm"/>
+          <inkml:channelProperty channel="Y" name="resolution" value="1000" units="1/cm"/>
+          <inkml:channelProperty channel="F" name="resolution" value="0" units="1/dev"/>
+          <inkml:channelProperty channel="OA" name="resolution" value="1000" units="1/deg"/>
+          <inkml:channelProperty channel="OE" name="resolution" value="1000" units="1/deg"/>
+        </inkml:channelProperties>
+      </inkml:inkSource>
+      <inkml:timestamp xml:id="ts0" timeString="2021-05-26T15:02:12.436"/>
+    </inkml:context>
+    <inkml:brush xml:id="br0">
+      <inkml:brushProperty name="width" value="0.05" units="cm"/>
+      <inkml:brushProperty name="height" value="0.05" units="cm"/>
+      <inkml:brushProperty name="color" value="#FF0066"/>
+    </inkml:brush>
+  </inkml:definitions>
+  <inkml:trace contextRef="#ctx0" brushRef="#br0">82 26 3680 0 0,'0'-1'167'0'0,"0"-2"-7"0"0,-11-18 10504 0 0,11 21-10405 0 0,0 0-1 0 0,0 0 1 0 0,-1 0 0 0 0,1 0 0 0 0,0 0 0 0 0,-1 0 0 0 0,1-1-1 0 0,0 1 1 0 0,-1 0 0 0 0,1 0 0 0 0,-1 0 0 0 0,1 0 0 0 0,-1 0-1 0 0,-7 6 3610 0 0,-1 7-4896 0 0,1 0 1130 0 0,1 1-1 0 0,1-1 0 0 0,1 2 1 0 0,0-1-1 0 0,0 0 1 0 0,1 1-1 0 0,1 0 1 0 0,-2 24-1 0 0,5-30-26 0 0,0 0 0 0 0,0 0 0 0 0,1 0 0 0 0,2 11-1 0 0,-2-16-47 0 0,-1 0 0 0 0,2 0 0 0 0,-1 0 0 0 0,0 0 0 0 0,1-1-1 0 0,0 1 1 0 0,-1 0 0 0 0,2-1 0 0 0,-1 0 0 0 0,0 1-1 0 0,5 4 1 0 0,-5-7-10 0 0,-1 0-1 0 0,1 0 1 0 0,0 0-1 0 0,0 0 1 0 0,-1-1 0 0 0,1 1-1 0 0,0 0 1 0 0,0-1-1 0 0,0 1 1 0 0,0-1-1 0 0,0 0 1 0 0,0 0-1 0 0,0 0 1 0 0,0 0-1 0 0,0 0 1 0 0,0 0 0 0 0,0 0-1 0 0,0-1 1 0 0,0 1-1 0 0,0-1 1 0 0,0 1-1 0 0,-1-1 1 0 0,1 0-1 0 0,3-1 1 0 0,0 0 28 0 0,-1-1 1 0 0,1 1 0 0 0,-1-1-1 0 0,1 0 1 0 0,-1 0-1 0 0,0-1 1 0 0,0 1 0 0 0,4-6-1 0 0,17-25 459 0 0,-1-1 0 0 0,34-70 0 0 0,-58 105-484 0 0,0 0-1 0 0,0 0 1 0 0,0 0-1 0 0,0 0 0 0 0,0 0 1 0 0,0 0-1 0 0,0 0 1 0 0,0 1-1 0 0,0-1 1 0 0,0 0-1 0 0,0 0 1 0 0,0 0-1 0 0,0 0 0 0 0,1 0 1 0 0,-1 0-1 0 0,0 0 1 0 0,0 0-1 0 0,0 0 1 0 0,0 0-1 0 0,0 0 0 0 0,0 0 1 0 0,0 0-1 0 0,0 0 1 0 0,0 0-1 0 0,0 0 1 0 0,0 0-1 0 0,0 0 1 0 0,1 0-1 0 0,-1 0 0 0 0,0 0 1 0 0,0 0-1 0 0,0 0 1 0 0,0 0-1 0 0,0 0 1 0 0,0 0-1 0 0,0 0 0 0 0,0 0 1 0 0,0 0-1 0 0,0 0 1 0 0,0 0-1 0 0,0 0 1 0 0,0 0-1 0 0,0-1 1 0 0,1 1-1 0 0,-1 0 0 0 0,0 0 1 0 0,0 0-1 0 0,0 0 1 0 0,0 0-1 0 0,0 0 1 0 0,0 0-1 0 0,0 0 0 0 0,0 0 1 0 0,0 0-1 0 0,0 0 1 0 0,0 0-1 0 0,0 0 1 0 0,0 0-1 0 0,0-1 1 0 0,0 1-1 0 0,0 0 0 0 0,0 0 1 0 0,0 0-1 0 0,0 0 1 0 0,0 0-1 0 0,1 10 357 0 0,-2 13-188 0 0,-2-2-97 0 0,1-1 0 0 0,1 1 1 0 0,3 25-1 0 0,-1-2-79 0 0,-1-42-27 0 0,0-1-1 0 0,0 0 1 0 0,0 1-1 0 0,0-1 1 0 0,1 0-1 0 0,-1 1 1 0 0,0-1-1 0 0,1 0 1 0 0,-1 1-1 0 0,1-1 1 0 0,-1 0-1 0 0,1 0 1 0 0,0 0-1 0 0,0 0 1 0 0,1 2-1 0 0</inkml:trace>
+</inkml:ink>
+</file>
+
+<file path=ppt/ink/ink41.xml><?xml version="1.0" encoding="utf-8"?>
+<inkml:ink xmlns:inkml="http://www.w3.org/2003/InkML">
+  <inkml:definitions>
+    <inkml:context xml:id="ctx0">
+      <inkml:inkSource xml:id="inkSrc0">
+        <inkml:traceFormat>
+          <inkml:channel name="X" type="integer" min="-2.14748E9" max="2.14748E9" units="cm"/>
+          <inkml:channel name="Y" type="integer" min="-2.14748E9" max="2.14748E9" units="cm"/>
+          <inkml:channel name="F" type="integer" max="32767" units="dev"/>
+          <inkml:channel name="OA" type="integer" max="360" units="deg"/>
+          <inkml:channel name="OE" type="integer" max="90" units="deg"/>
+        </inkml:traceFormat>
+        <inkml:channelProperties>
+          <inkml:channelProperty channel="X" name="resolution" value="1000" units="1/cm"/>
+          <inkml:channelProperty channel="Y" name="resolution" value="1000" units="1/cm"/>
+          <inkml:channelProperty channel="F" name="resolution" value="0" units="1/dev"/>
+          <inkml:channelProperty channel="OA" name="resolution" value="1000" units="1/deg"/>
+          <inkml:channelProperty channel="OE" name="resolution" value="1000" units="1/deg"/>
+        </inkml:channelProperties>
+      </inkml:inkSource>
+      <inkml:timestamp xml:id="ts0" timeString="2021-05-26T15:02:12.887"/>
+    </inkml:context>
+    <inkml:brush xml:id="br0">
+      <inkml:brushProperty name="width" value="0.05" units="cm"/>
+      <inkml:brushProperty name="height" value="0.05" units="cm"/>
+      <inkml:brushProperty name="color" value="#FF0066"/>
+    </inkml:brush>
+  </inkml:definitions>
+  <inkml:trace contextRef="#ctx0" brushRef="#br0">0 0 6448 0 0,'0'0'585'0'0,"5"8"-108"0"0,11 29 8452 0 0,-7 4-5678 0 0,1 42-3073 0 0,-7-54 1112 0 0,-6 26 847 0 0,6-66-1137 0 0,-3 8-785 0 0,2-4-6 0 0,-1 1 1 0 0,1 0-1 0 0,0 0 1 0 0,0 0 0 0 0,0 0-1 0 0,1 0 1 0 0,0 0-1 0 0,0 1 1 0 0,0-1 0 0 0,7-7-1 0 0,-5 9-153 0 0,0 0 0 0 0,0 0 0 0 0,1 0 0 0 0,-1 1 0 0 0,1-1 0 0 0,-1 1 0 0 0,1 1 0 0 0,0-1 0 0 0,7-1 0 0 0,5-1 60 0 0,35-6 0 0 0,-32 8-197 0 0,1-1 0 0 0,27-9-1 0 0,-41 10 90 0 0,0 0-1 0 0,0-1 0 0 0,0 0 0 0 0,0 0 1 0 0,0-1-1 0 0,-1 0 0 0 0,1 0 0 0 0,8-9 0 0 0,-15 13 1 0 0,0 0 0 0 0,0 0-1 0 0,0-1 1 0 0,0 1 0 0 0,0 0-1 0 0,0-1 1 0 0,0 1 0 0 0,0-1-1 0 0,0 1 1 0 0,-1-1-1 0 0,1 0 1 0 0,0 1 0 0 0,-1-1-1 0 0,0 0 1 0 0,1 1 0 0 0,-1-1-1 0 0,0 0 1 0 0,0-2-1 0 0,0 3 2 0 0,0 1-1 0 0,-1-1 0 0 0,1 0 1 0 0,0 0-1 0 0,-1 0 0 0 0,1 1 1 0 0,-1-1-1 0 0,1 0 0 0 0,-1 1 0 0 0,1-1 1 0 0,-1 0-1 0 0,1 1 0 0 0,-1-1 1 0 0,0 1-1 0 0,1-1 0 0 0,-1 1 1 0 0,0-1-1 0 0,0 1 0 0 0,1-1 0 0 0,-1 1 1 0 0,0 0-1 0 0,0-1 0 0 0,0 1 1 0 0,1 0-1 0 0,-1 0 0 0 0,0 0 0 0 0,0-1 1 0 0,0 1-1 0 0,0 0 0 0 0,0 0 1 0 0,1 0-1 0 0,-1 0 0 0 0,0 1 1 0 0,0-1-1 0 0,0 0 0 0 0,-1 1 0 0 0,-2-1 43 0 0,0 1 0 0 0,0 1 0 0 0,1-1 0 0 0,-1 1 0 0 0,0-1 0 0 0,0 1 0 0 0,1 0 0 0 0,-1 1 0 0 0,1-1 0 0 0,0 0 0 0 0,0 1 0 0 0,-6 6 0 0 0,3-4 77 0 0,1 1 0 0 0,0 0 0 0 0,1 1 0 0 0,-1-1 0 0 0,-5 13 0 0 0,6-11-34 0 0,1 0 0 0 0,0 0 0 0 0,0 0 0 0 0,1 1 0 0 0,0-1 0 0 0,-1 9 0 0 0,3-14-87 0 0,0 1 0 0 0,0-1 0 0 0,0 0 0 0 0,0 0 0 0 0,1 0 1 0 0,0 0-1 0 0,-1 0 0 0 0,1 0 0 0 0,0 0 0 0 0,0 0 0 0 0,0 0 0 0 0,1 0 0 0 0,-1 0 0 0 0,1-1 1 0 0,0 1-1 0 0,0 0 0 0 0,-1-1 0 0 0,2 0 0 0 0,3 5 0 0 0,1-1-308 0 0,1 0 0 0 0,0 0 0 0 0,0-1 0 0 0,0 0-1 0 0,1 0 1 0 0,10 4 0 0 0,-1-2-1423 0 0</inkml:trace>
+</inkml:ink>
+</file>
+
+<file path=ppt/ink/ink42.xml><?xml version="1.0" encoding="utf-8"?>
+<inkml:ink xmlns:inkml="http://www.w3.org/2003/InkML">
+  <inkml:definitions>
+    <inkml:context xml:id="ctx0">
+      <inkml:inkSource xml:id="inkSrc0">
+        <inkml:traceFormat>
+          <inkml:channel name="X" type="integer" min="-2.14748E9" max="2.14748E9" units="cm"/>
+          <inkml:channel name="Y" type="integer" min="-2.14748E9" max="2.14748E9" units="cm"/>
+          <inkml:channel name="F" type="integer" max="32767" units="dev"/>
+          <inkml:channel name="OA" type="integer" max="360" units="deg"/>
+          <inkml:channel name="OE" type="integer" max="90" units="deg"/>
+        </inkml:traceFormat>
+        <inkml:channelProperties>
+          <inkml:channelProperty channel="X" name="resolution" value="1000" units="1/cm"/>
+          <inkml:channelProperty channel="Y" name="resolution" value="1000" units="1/cm"/>
+          <inkml:channelProperty channel="F" name="resolution" value="0" units="1/dev"/>
+          <inkml:channelProperty channel="OA" name="resolution" value="1000" units="1/deg"/>
+          <inkml:channelProperty channel="OE" name="resolution" value="1000" units="1/deg"/>
+        </inkml:channelProperties>
+      </inkml:inkSource>
+      <inkml:timestamp xml:id="ts0" timeString="2021-05-26T15:02:13.588"/>
+    </inkml:context>
+    <inkml:brush xml:id="br0">
+      <inkml:brushProperty name="width" value="0.05" units="cm"/>
+      <inkml:brushProperty name="height" value="0.05" units="cm"/>
+      <inkml:brushProperty name="color" value="#FF0066"/>
+    </inkml:brush>
+  </inkml:definitions>
+  <inkml:trace contextRef="#ctx0" brushRef="#br0">74 0 14800 0 0,'0'0'1342'0'0,"-9"3"-429"0"0,3 8 145 0 0,0 0 0 0 0,1 0 0 0 0,1 1 0 0 0,-5 15 0 0 0,-7 51 196 0 0,9-38-1104 0 0,3-22-169 0 0,1 0 1 0 0,0 1-1 0 0,2-1 0 0 0,0 36 0 0 0,7-34-1777 0 0</inkml:trace>
+</inkml:ink>
+</file>
+
+<file path=ppt/ink/ink43.xml><?xml version="1.0" encoding="utf-8"?>
+<inkml:ink xmlns:inkml="http://www.w3.org/2003/InkML">
+  <inkml:definitions>
+    <inkml:context xml:id="ctx0">
+      <inkml:inkSource xml:id="inkSrc0">
+        <inkml:traceFormat>
+          <inkml:channel name="X" type="integer" min="-2.14748E9" max="2.14748E9" units="cm"/>
+          <inkml:channel name="Y" type="integer" min="-2.14748E9" max="2.14748E9" units="cm"/>
+          <inkml:channel name="F" type="integer" max="32767" units="dev"/>
+          <inkml:channel name="OA" type="integer" max="360" units="deg"/>
+          <inkml:channel name="OE" type="integer" max="90" units="deg"/>
+        </inkml:traceFormat>
+        <inkml:channelProperties>
+          <inkml:channelProperty channel="X" name="resolution" value="1000" units="1/cm"/>
+          <inkml:channelProperty channel="Y" name="resolution" value="1000" units="1/cm"/>
+          <inkml:channelProperty channel="F" name="resolution" value="0" units="1/dev"/>
+          <inkml:channelProperty channel="OA" name="resolution" value="1000" units="1/deg"/>
+          <inkml:channelProperty channel="OE" name="resolution" value="1000" units="1/deg"/>
+        </inkml:channelProperties>
+      </inkml:inkSource>
+      <inkml:timestamp xml:id="ts0" timeString="2021-05-26T15:02:13.933"/>
+    </inkml:context>
+    <inkml:brush xml:id="br0">
+      <inkml:brushProperty name="width" value="0.05" units="cm"/>
+      <inkml:brushProperty name="height" value="0.05" units="cm"/>
+      <inkml:brushProperty name="color" value="#FF0066"/>
+    </inkml:brush>
+  </inkml:definitions>
+  <inkml:trace contextRef="#ctx0" brushRef="#br0">15 8 12440 0 0,'0'0'1328'0'0,"-3"-7"4007"0"0,-5 12-5631 0 0,5 0-344 0 0,3 5-64 0 0</inkml:trace>
+</inkml:ink>
+</file>
+
+<file path=ppt/ink/ink44.xml><?xml version="1.0" encoding="utf-8"?>
+<inkml:ink xmlns:inkml="http://www.w3.org/2003/InkML">
+  <inkml:definitions>
+    <inkml:context xml:id="ctx0">
+      <inkml:inkSource xml:id="inkSrc0">
+        <inkml:traceFormat>
+          <inkml:channel name="X" type="integer" min="-2.14748E9" max="2.14748E9" units="cm"/>
+          <inkml:channel name="Y" type="integer" min="-2.14748E9" max="2.14748E9" units="cm"/>
+          <inkml:channel name="F" type="integer" max="32767" units="dev"/>
+          <inkml:channel name="OA" type="integer" max="360" units="deg"/>
+          <inkml:channel name="OE" type="integer" max="90" units="deg"/>
+        </inkml:traceFormat>
+        <inkml:channelProperties>
+          <inkml:channelProperty channel="X" name="resolution" value="1000" units="1/cm"/>
+          <inkml:channelProperty channel="Y" name="resolution" value="1000" units="1/cm"/>
+          <inkml:channelProperty channel="F" name="resolution" value="0" units="1/dev"/>
+          <inkml:channelProperty channel="OA" name="resolution" value="1000" units="1/deg"/>
+          <inkml:channelProperty channel="OE" name="resolution" value="1000" units="1/deg"/>
+        </inkml:channelProperties>
+      </inkml:inkSource>
+      <inkml:timestamp xml:id="ts0" timeString="2021-05-26T15:02:14.323"/>
+    </inkml:context>
+    <inkml:brush xml:id="br0">
+      <inkml:brushProperty name="width" value="0.05" units="cm"/>
+      <inkml:brushProperty name="height" value="0.05" units="cm"/>
+      <inkml:brushProperty name="color" value="#FF0066"/>
+    </inkml:brush>
+  </inkml:definitions>
+  <inkml:trace contextRef="#ctx0" brushRef="#br0">137 273 14976 0 0,'-14'13'539'0'0,"-9"8"647"0"0,-24 26 0 0 0,41-39-793 0 0,-1 1 0 0 0,1-1 0 0 0,1 1 0 0 0,-1 0 0 0 0,2 0 0 0 0,-1 1 0 0 0,-4 13 0 0 0,8-17-229 0 0,0 0 0 0 0,0 0-1 0 0,0 0 1 0 0,1 0 0 0 0,0 0 0 0 0,0 0-1 0 0,0 1 1 0 0,1-1 0 0 0,0 0-1 0 0,2 6 1 0 0,-2-10-103 0 0,-1 1 1 0 0,1-1-1 0 0,0 1 0 0 0,1-1 1 0 0,-1 1-1 0 0,0-1 0 0 0,1 1 1 0 0,-1-1-1 0 0,1 0 0 0 0,0 0 1 0 0,2 2-1 0 0,-3-3-28 0 0,1 0 1 0 0,-1 0 0 0 0,1 0-1 0 0,-1 0 1 0 0,1 0-1 0 0,-1-1 1 0 0,1 1 0 0 0,0 0-1 0 0,-1-1 1 0 0,1 0-1 0 0,0 1 1 0 0,0-1-1 0 0,-1 0 1 0 0,1 0 0 0 0,0 0-1 0 0,0 0 1 0 0,-1 0-1 0 0,4 0 1 0 0,-2-1 1 0 0,0 0 1 0 0,1 0-1 0 0,-1-1 0 0 0,0 1 0 0 0,0-1 1 0 0,0 1-1 0 0,-1-1 0 0 0,1 0 1 0 0,0 0-1 0 0,-1 0 0 0 0,1 0 0 0 0,-1 0 1 0 0,4-4-1 0 0,3-6 131 0 0,14-21 1 0 0,-16 22-97 0 0,4-8 13 0 0,0-1 0 0 0,-1 0 1 0 0,-1-1-1 0 0,9-31 0 0 0,15-90 371 0 0,-8-41 2419 0 0,-24 172-2358 0 0,-1 14 100 0 0,-2 18-259 0 0,1 56-62 0 0,2-37-169 0 0,0-16-18 0 0,8 42 1 0 0,-3-26-59 0 0,0 2-45 0 0,1 0-1 0 0,22 71 1 0 0,-27-107-122 0 0,1 0 0 0 0,0 1 1 0 0,0-2-1 0 0,7 12 1 0 0,-9-16-103 0 0,0 1 0 0 0,0-1 0 0 0,0 0 0 0 0,0 0 0 0 0,0 0 0 0 0,0 0 0 0 0,0 0 0 0 0,1 0 1 0 0,-1 0-1 0 0,0 0 0 0 0,1 0 0 0 0,-1 0 0 0 0,0-1 0 0 0,1 1 0 0 0,-1-1 0 0 0,1 1 1 0 0,-1-1-1 0 0,1 1 0 0 0,-1-1 0 0 0,1 0 0 0 0,0 0 0 0 0,-1 0 0 0 0,1 0 0 0 0,-1 0 0 0 0,4 0 1 0 0</inkml:trace>
+</inkml:ink>
+</file>
+
+<file path=ppt/ink/ink45.xml><?xml version="1.0" encoding="utf-8"?>
+<inkml:ink xmlns:inkml="http://www.w3.org/2003/InkML">
+  <inkml:definitions>
+    <inkml:context xml:id="ctx0">
+      <inkml:inkSource xml:id="inkSrc0">
+        <inkml:traceFormat>
+          <inkml:channel name="X" type="integer" min="-2.14748E9" max="2.14748E9" units="cm"/>
+          <inkml:channel name="Y" type="integer" min="-2.14748E9" max="2.14748E9" units="cm"/>
+          <inkml:channel name="F" type="integer" max="32767" units="dev"/>
+          <inkml:channel name="OA" type="integer" max="360" units="deg"/>
+          <inkml:channel name="OE" type="integer" max="90" units="deg"/>
+        </inkml:traceFormat>
+        <inkml:channelProperties>
+          <inkml:channelProperty channel="X" name="resolution" value="1000" units="1/cm"/>
+          <inkml:channelProperty channel="Y" name="resolution" value="1000" units="1/cm"/>
+          <inkml:channelProperty channel="F" name="resolution" value="0" units="1/dev"/>
+          <inkml:channelProperty channel="OA" name="resolution" value="1000" units="1/deg"/>
+          <inkml:channelProperty channel="OE" name="resolution" value="1000" units="1/deg"/>
+        </inkml:channelProperties>
+      </inkml:inkSource>
+      <inkml:timestamp xml:id="ts0" timeString="2021-05-26T15:02:15.350"/>
+    </inkml:context>
+    <inkml:brush xml:id="br0">
+      <inkml:brushProperty name="width" value="0.05" units="cm"/>
+      <inkml:brushProperty name="height" value="0.05" units="cm"/>
+      <inkml:brushProperty name="color" value="#FF0066"/>
+    </inkml:brush>
+  </inkml:definitions>
+  <inkml:trace contextRef="#ctx0" brushRef="#br0">1 12 2304 0 0,'9'-12'18199'0'0,"-8"13"-17979"0"0,1 0-1 0 0,-1 0 0 0 0,0 0 0 0 0,1 0 0 0 0,-1 0 0 0 0,0 0 0 0 0,0 1 1 0 0,0-1-1 0 0,0 0 0 0 0,0 1 0 0 0,0-1 0 0 0,0 1 0 0 0,-1-1 1 0 0,1 1-1 0 0,0-1 0 0 0,-1 1 0 0 0,1-1 0 0 0,-1 1 0 0 0,1 2 1 0 0,4 35 1082 0 0,-5-32-1004 0 0,5 39 754 0 0,1 50 196 0 0,-6 169-765 0 0,0-263-489 0 0,1-1-95 0 0,-1 1 0 0 0,0-1 0 0 0,0 0 0 0 0,0 0 0 0 0,0 0-1 0 0,0 0 1 0 0,0 0 0 0 0,-1 1 0 0 0,1-1 0 0 0,0 0 0 0 0,0 0 0 0 0,-1 0-1 0 0,1 0 1 0 0,-1 0 0 0 0,1 0 0 0 0,-1 0 0 0 0,1 0 0 0 0,-1 0-1 0 0,0 0 1 0 0,1 0 0 0 0,-1 0 0 0 0,-1 1 0 0 0,-4 1-1158 0 0</inkml:trace>
+</inkml:ink>
+</file>
+
+<file path=ppt/ink/ink46.xml><?xml version="1.0" encoding="utf-8"?>
+<inkml:ink xmlns:inkml="http://www.w3.org/2003/InkML">
+  <inkml:definitions>
+    <inkml:context xml:id="ctx0">
+      <inkml:inkSource xml:id="inkSrc0">
+        <inkml:traceFormat>
+          <inkml:channel name="X" type="integer" min="-2.14748E9" max="2.14748E9" units="cm"/>
+          <inkml:channel name="Y" type="integer" min="-2.14748E9" max="2.14748E9" units="cm"/>
+          <inkml:channel name="F" type="integer" max="32767" units="dev"/>
+          <inkml:channel name="OA" type="integer" max="360" units="deg"/>
+          <inkml:channel name="OE" type="integer" max="90" units="deg"/>
+        </inkml:traceFormat>
+        <inkml:channelProperties>
+          <inkml:channelProperty channel="X" name="resolution" value="1000" units="1/cm"/>
+          <inkml:channelProperty channel="Y" name="resolution" value="1000" units="1/cm"/>
+          <inkml:channelProperty channel="F" name="resolution" value="0" units="1/dev"/>
+          <inkml:channelProperty channel="OA" name="resolution" value="1000" units="1/deg"/>
+          <inkml:channelProperty channel="OE" name="resolution" value="1000" units="1/deg"/>
+        </inkml:channelProperties>
+      </inkml:inkSource>
+      <inkml:timestamp xml:id="ts0" timeString="2021-05-26T15:02:15.727"/>
+    </inkml:context>
+    <inkml:brush xml:id="br0">
+      <inkml:brushProperty name="width" value="0.05" units="cm"/>
+      <inkml:brushProperty name="height" value="0.05" units="cm"/>
+      <inkml:brushProperty name="color" value="#FF0066"/>
+    </inkml:brush>
+  </inkml:definitions>
+  <inkml:trace contextRef="#ctx0" brushRef="#br0">1 88 8288 0 0,'0'0'638'0'0,"8"2"165"0"0,-1-2 1065 0 0,-1 1 1 0 0,0-2-1 0 0,1 1 0 0 0,-1-1 1 0 0,0 0-1 0 0,1 0 0 0 0,9-4 1 0 0,-1 1-794 0 0,105-33 1459 0 0,-68 19-2519 0 0,-9 3-2632 0 0,-19 7-6650 0 0</inkml:trace>
+</inkml:ink>
+</file>
+
+<file path=ppt/ink/ink47.xml><?xml version="1.0" encoding="utf-8"?>
+<inkml:ink xmlns:inkml="http://www.w3.org/2003/InkML">
+  <inkml:definitions>
+    <inkml:context xml:id="ctx0">
+      <inkml:inkSource xml:id="inkSrc0">
+        <inkml:traceFormat>
+          <inkml:channel name="X" type="integer" min="-2.14748E9" max="2.14748E9" units="cm"/>
+          <inkml:channel name="Y" type="integer" min="-2.14748E9" max="2.14748E9" units="cm"/>
+          <inkml:channel name="F" type="integer" max="32767" units="dev"/>
+          <inkml:channel name="OA" type="integer" max="360" units="deg"/>
+          <inkml:channel name="OE" type="integer" max="90" units="deg"/>
+        </inkml:traceFormat>
+        <inkml:channelProperties>
+          <inkml:channelProperty channel="X" name="resolution" value="1000" units="1/cm"/>
+          <inkml:channelProperty channel="Y" name="resolution" value="1000" units="1/cm"/>
+          <inkml:channelProperty channel="F" name="resolution" value="0" units="1/dev"/>
+          <inkml:channelProperty channel="OA" name="resolution" value="1000" units="1/deg"/>
+          <inkml:channelProperty channel="OE" name="resolution" value="1000" units="1/deg"/>
+        </inkml:channelProperties>
+      </inkml:inkSource>
+      <inkml:timestamp xml:id="ts0" timeString="2021-05-26T15:02:16.086"/>
+    </inkml:context>
+    <inkml:brush xml:id="br0">
+      <inkml:brushProperty name="width" value="0.05" units="cm"/>
+      <inkml:brushProperty name="height" value="0.05" units="cm"/>
+      <inkml:brushProperty name="color" value="#FF0066"/>
+    </inkml:brush>
+  </inkml:definitions>
+  <inkml:trace contextRef="#ctx0" brushRef="#br0">1 768 3224 0 0,'4'2'39'0'0,"-1"-1"-9"0"0,-1 0 0 0 0,1 0 1 0 0,0 0-1 0 0,0 1 0 0 0,-1-1 1 0 0,1 1-1 0 0,18 7 17312 0 0,-21-19-16453 0 0,0 9-328 0 0,-3-130 4545 0 0,-5-21-3541 0 0,0 1-800 0 0,5 67-461 0 0,0 53-189 0 0,2 1 1 0 0,1 0 0 0 0,2 0 0 0 0,6-38 0 0 0,-6 62-114 0 0,-1-1 1 0 0,1 0-1 0 0,1 1 0 0 0,-1-1 1 0 0,6-8-1 0 0,-7 13-2 0 0,0 1 0 0 0,-1 0 0 0 0,1-1 0 0 0,0 1 0 0 0,0 0 0 0 0,1-1 0 0 0,-1 1 0 0 0,0 0 0 0 0,0 0 0 0 0,0 0 0 0 0,1 0 0 0 0,-1 0 0 0 0,1 0 0 0 0,-1 1 0 0 0,1-1 0 0 0,-1 0 0 0 0,1 1-1 0 0,-1-1 1 0 0,1 1 0 0 0,0-1 0 0 0,-1 1 0 0 0,1 0 0 0 0,-1 0 0 0 0,1-1 0 0 0,0 1 0 0 0,-1 1 0 0 0,1-1 0 0 0,2 0 0 0 0,5 3-21 0 0,1 0 0 0 0,-1 0 0 0 0,0 1 0 0 0,0 0 0 0 0,0 1 0 0 0,0 0 0 0 0,0 0 0 0 0,-1 1-1 0 0,0 0 1 0 0,-1 1 0 0 0,13 12 0 0 0,-9-7-367 0 0,-1 1-1 0 0,0 0 1 0 0,-1 0 0 0 0,0 1-1 0 0,-2 0 1 0 0,11 24-1 0 0,-15-31-309 0 0,-1 0-1 0 0,0 1 1 0 0,0 0 0 0 0,1 10-1 0 0,-1 6-1277 0 0</inkml:trace>
+</inkml:ink>
+</file>
+
+<file path=ppt/ink/ink48.xml><?xml version="1.0" encoding="utf-8"?>
+<inkml:ink xmlns:inkml="http://www.w3.org/2003/InkML">
+  <inkml:definitions>
+    <inkml:context xml:id="ctx0">
+      <inkml:inkSource xml:id="inkSrc0">
+        <inkml:traceFormat>
+          <inkml:channel name="X" type="integer" min="-2.14748E9" max="2.14748E9" units="cm"/>
+          <inkml:channel name="Y" type="integer" min="-2.14748E9" max="2.14748E9" units="cm"/>
+          <inkml:channel name="F" type="integer" max="32767" units="dev"/>
+          <inkml:channel name="OA" type="integer" max="360" units="deg"/>
+          <inkml:channel name="OE" type="integer" max="90" units="deg"/>
+        </inkml:traceFormat>
+        <inkml:channelProperties>
+          <inkml:channelProperty channel="X" name="resolution" value="1000" units="1/cm"/>
+          <inkml:channelProperty channel="Y" name="resolution" value="1000" units="1/cm"/>
+          <inkml:channelProperty channel="F" name="resolution" value="0" units="1/dev"/>
+          <inkml:channelProperty channel="OA" name="resolution" value="1000" units="1/deg"/>
+          <inkml:channelProperty channel="OE" name="resolution" value="1000" units="1/deg"/>
+        </inkml:channelProperties>
+      </inkml:inkSource>
+      <inkml:timestamp xml:id="ts0" timeString="2021-05-26T15:02:16.476"/>
+    </inkml:context>
+    <inkml:brush xml:id="br0">
+      <inkml:brushProperty name="width" value="0.05" units="cm"/>
+      <inkml:brushProperty name="height" value="0.05" units="cm"/>
+      <inkml:brushProperty name="color" value="#FF0066"/>
+    </inkml:brush>
+  </inkml:definitions>
+  <inkml:trace contextRef="#ctx0" brushRef="#br0">4 20 21191 0 0,'-3'3'1920'0'0,"3"-3"-1909"0"0,0 0-1 0 0,-1 0 1 0 0,1 1-1 0 0,0-1 1 0 0,0 0 0 0 0,0 0-1 0 0,0 1 1 0 0,0-1-1 0 0,0 0 1 0 0,0 0-1 0 0,0 1 1 0 0,0-1-1 0 0,0 0 1 0 0,0 0-1 0 0,0 1 1 0 0,0-1 0 0 0,0 0-1 0 0,1 0 1 0 0,-1 1-1 0 0,0-1 1 0 0,0 0-1 0 0,0 0 1 0 0,0 0-1 0 0,0 1 1 0 0,0-1 0 0 0,1 0-1 0 0,-1 0 1 0 0,0 0-1 0 0,0 1 1 0 0,0-1-1 0 0,0 0 1 0 0,1 0-1 0 0,-1 0 1 0 0,0 0-1 0 0,0 0 1 0 0,0 1 0 0 0,1-1-1 0 0,-1 0 1 0 0,0 0-1 0 0,0 0 1 0 0,1 0-1 0 0,-1 0 1 0 0,0 0-1 0 0,1 0 1 0 0,12 6 346 0 0,0-3-91 0 0,0 0-1 0 0,0-1 1 0 0,1-1-1 0 0,-1 0 1 0 0,1 0-1 0 0,15-3 1 0 0,82-14-367 0 0,-98 14 130 0 0,9-2-519 0 0,32-6-794 0 0,-18 3-5153 0 0,-10 0-1106 0 0</inkml:trace>
+</inkml:ink>
+</file>
+
+<file path=ppt/ink/ink49.xml><?xml version="1.0" encoding="utf-8"?>
+<inkml:ink xmlns:inkml="http://www.w3.org/2003/InkML">
+  <inkml:definitions>
+    <inkml:context xml:id="ctx0">
+      <inkml:inkSource xml:id="inkSrc0">
+        <inkml:traceFormat>
+          <inkml:channel name="X" type="integer" min="-2.14748E9" max="2.14748E9" units="cm"/>
+          <inkml:channel name="Y" type="integer" min="-2.14748E9" max="2.14748E9" units="cm"/>
+          <inkml:channel name="F" type="integer" max="32767" units="dev"/>
+          <inkml:channel name="OA" type="integer" max="360" units="deg"/>
+          <inkml:channel name="OE" type="integer" max="90" units="deg"/>
+        </inkml:traceFormat>
+        <inkml:channelProperties>
+          <inkml:channelProperty channel="X" name="resolution" value="1000" units="1/cm"/>
+          <inkml:channelProperty channel="Y" name="resolution" value="1000" units="1/cm"/>
+          <inkml:channelProperty channel="F" name="resolution" value="0" units="1/dev"/>
+          <inkml:channelProperty channel="OA" name="resolution" value="1000" units="1/deg"/>
+          <inkml:channelProperty channel="OE" name="resolution" value="1000" units="1/deg"/>
+        </inkml:channelProperties>
+      </inkml:inkSource>
+      <inkml:timestamp xml:id="ts0" timeString="2021-05-26T15:02:16.836"/>
+    </inkml:context>
+    <inkml:brush xml:id="br0">
+      <inkml:brushProperty name="width" value="0.05" units="cm"/>
+      <inkml:brushProperty name="height" value="0.05" units="cm"/>
+      <inkml:brushProperty name="color" value="#FF0066"/>
+    </inkml:brush>
+  </inkml:definitions>
+  <inkml:trace contextRef="#ctx0" brushRef="#br0">162 2 17159 0 0,'-6'3'122'0'0,"2"-2"92"0"0,0 1 0 0 0,0 0 0 0 0,1 1 0 0 0,-1-1 0 0 0,0 0 0 0 0,1 1 0 0 0,-5 4 0 0 0,-30 27 235 0 0,26-25 819 0 0,-20 21-1 0 0,28-24-1061 0 0,-1 0 0 0 0,1 0 0 0 0,0 0 1 0 0,1 0-1 0 0,0 1 0 0 0,0-1 0 0 0,0 1 1 0 0,1 0-1 0 0,0 0 0 0 0,0 0 0 0 0,0 0 1 0 0,1 0-1 0 0,0 1 0 0 0,1-1 0 0 0,0 8 1 0 0,0-14-181 0 0,0 0 0 0 0,0 0 1 0 0,0 1-1 0 0,0-1 0 0 0,0 0 1 0 0,0 0-1 0 0,1 0 0 0 0,-1 0 1 0 0,0 0-1 0 0,1 0 0 0 0,-1 0 0 0 0,1 0 1 0 0,-1 0-1 0 0,1 0 0 0 0,0 0 1 0 0,-1 0-1 0 0,1 0 0 0 0,0-1 1 0 0,0 1-1 0 0,-1 0 0 0 0,1 0 1 0 0,0-1-1 0 0,0 1 0 0 0,0-1 1 0 0,0 1-1 0 0,0 0 0 0 0,0-1 1 0 0,0 0-1 0 0,0 1 0 0 0,0-1 1 0 0,0 0-1 0 0,0 1 0 0 0,3-1 1 0 0,-2 0 4 0 0,0 0-1 0 0,0-1 1 0 0,0 1 0 0 0,0 0 0 0 0,0-1-1 0 0,0 0 1 0 0,0 1 0 0 0,0-1 0 0 0,-1 0 0 0 0,1 0-1 0 0,0 0 1 0 0,0 0 0 0 0,0-1 0 0 0,-1 1-1 0 0,1 0 1 0 0,-1-1 0 0 0,3-2 0 0 0,17-22 189 0 0,-1-1 1 0 0,-1-1-1 0 0,20-42 0 0 0,-34 61-235 0 0,-2 2 333 0 0,0 1 0 0 0,0 0 1 0 0,1 0-1 0 0,0 0 0 0 0,0 0 0 0 0,0 0 0 0 0,1 1 0 0 0,0-1 1 0 0,6-4-1 0 0,0 23-61 0 0,-6-6-250 0 0,-1-1 0 0 0,-1 1-1 0 0,1 1 1 0 0,-1-1 0 0 0,0 0 0 0 0,3 12 0 0 0,4 12 9 0 0,-8-27 24 0 0,0 2-170 0 0,1 0-1 0 0,-1-1 1 0 0,1 1 0 0 0,6 7 0 0 0,-7-11 1 0 0,-1-1 0 0 0,0 1 0 0 0,1-1 0 0 0,-1 0 0 0 0,1 0 0 0 0,-1 1 0 0 0,1-1 0 0 0,0 0 0 0 0,-1-1 0 0 0,1 1 0 0 0,0 0 0 0 0,0 0 0 0 0,0-1 0 0 0,-1 1 0 0 0,1-1 0 0 0,0 1 0 0 0,0-1 0 0 0,0 0 0 0 0,3 0 0 0 0,-3 0-36 0 0,22-1-3006 0 0,-8-3-3248 0 0,1-3-1426 0 0</inkml:trace>
+  <inkml:trace contextRef="#ctx0" brushRef="#br0" timeOffset="1">551 20 4144 0 0,'-6'4'428'0'0,"-3"1"1933"0"0,1 0-1 0 0,0 1 1 0 0,0 0 0 0 0,0 0 0 0 0,1 1 0 0 0,0-1-1 0 0,-12 17 1 0 0,-5 11-514 0 0,21-26-1487 0 0,-1-1 1 0 0,2 1 0 0 0,-1 0 0 0 0,1 0 0 0 0,0 0 0 0 0,1 0 0 0 0,0 0 0 0 0,0 0 0 0 0,1 11 0 0 0,0-14-317 0 0,0 0 0 0 0,0-1-1 0 0,1 1 1 0 0,0 0 0 0 0,0 0 0 0 0,0-1 0 0 0,1 1 0 0 0,-1-1 0 0 0,1 1 0 0 0,4 6-1 0 0,-5-8-26 0 0,1-1-1 0 0,0 0 0 0 0,-1 0 0 0 0,1 0 0 0 0,0 0 0 0 0,0 0 0 0 0,0-1 0 0 0,0 1 1 0 0,1 0-1 0 0,-1-1 0 0 0,0 1 0 0 0,1-1 0 0 0,-1 0 0 0 0,1 0 0 0 0,-1 0 1 0 0,1 0-1 0 0,-1-1 0 0 0,1 1 0 0 0,5 0 0 0 0,2-1-460 0 0,1-1-1 0 0,-1 0 1 0 0,0 0 0 0 0,0-1-1 0 0,1-1 1 0 0,-1 0-1 0 0,11-5 1 0 0,6-1-1939 0 0,-9 4-6422 0 0</inkml:trace>
+</inkml:ink>
+</file>
+
+<file path=ppt/ink/ink5.xml><?xml version="1.0" encoding="utf-8"?>
+<inkml:ink xmlns:inkml="http://www.w3.org/2003/InkML">
+  <inkml:definitions>
+    <inkml:context xml:id="ctx0">
+      <inkml:inkSource xml:id="inkSrc0">
+        <inkml:traceFormat>
+          <inkml:channel name="X" type="integer" min="-2.14748E9" max="2.14748E9" units="cm"/>
+          <inkml:channel name="Y" type="integer" min="-2.14748E9" max="2.14748E9" units="cm"/>
+          <inkml:channel name="F" type="integer" max="32767" units="dev"/>
+          <inkml:channel name="OA" type="integer" max="360" units="deg"/>
+          <inkml:channel name="OE" type="integer" max="90" units="deg"/>
+        </inkml:traceFormat>
+        <inkml:channelProperties>
+          <inkml:channelProperty channel="X" name="resolution" value="1000" units="1/cm"/>
+          <inkml:channelProperty channel="Y" name="resolution" value="1000" units="1/cm"/>
+          <inkml:channelProperty channel="F" name="resolution" value="0" units="1/dev"/>
+          <inkml:channelProperty channel="OA" name="resolution" value="1000" units="1/deg"/>
+          <inkml:channelProperty channel="OE" name="resolution" value="1000" units="1/deg"/>
+        </inkml:channelProperties>
+      </inkml:inkSource>
+      <inkml:timestamp xml:id="ts0" timeString="2021-05-26T15:00:58.811"/>
+    </inkml:context>
+    <inkml:brush xml:id="br0">
+      <inkml:brushProperty name="width" value="0.05" units="cm"/>
+      <inkml:brushProperty name="height" value="0.05" units="cm"/>
+      <inkml:brushProperty name="color" value="#FF0066"/>
+    </inkml:brush>
+  </inkml:definitions>
+  <inkml:trace contextRef="#ctx0" brushRef="#br0">0 345 5064 0 0,'0'0'6049'0'0,"15"-5"-2029"0"0,-7-3-3054 0 0,1-1 1 0 0,-1 0-1 0 0,-1 0 0 0 0,13-21 1 0 0,-10 15-391 0 0,-5 5-107 0 0,0 0 1 0 0,0 0 0 0 0,6-21-1 0 0,4-10 487 0 0,-6 18-179 0 0,10-39-1 0 0,-2 6-267 0 0,-16 47-464 0 0,0 1 14 0 0,3 14-46 0 0,-2 4-36 0 0,0 0 0 0 0,2 16 0 0 0,-1 3-28 0 0,-1-22 48 0 0,15 71-42 0 0,-14-69 42 0 0,0 0-1 0 0,1 0 0 0 0,0 0 0 0 0,0 0 0 0 0,1-1 0 0 0,7 10 0 0 0,-11-16 20 0 0,0-1 1 0 0,0 0-1 0 0,-1 0 0 0 0,1 0 0 0 0,1 0 0 0 0,-1 1 0 0 0,0-2 0 0 0,0 1 0 0 0,0 0 1 0 0,0 0-1 0 0,1 0 0 0 0,-1 0 0 0 0,0-1 0 0 0,1 1 0 0 0,-1-1 0 0 0,1 1 1 0 0,-1-1-1 0 0,1 1 0 0 0,-1-1 0 0 0,1 0 0 0 0,-1 0 0 0 0,1 0 0 0 0,-1 0 1 0 0,1 0-1 0 0,-1 0 0 0 0,1 0 0 0 0,-1 0 0 0 0,3-1 0 0 0,-2 0 26 0 0,1-1 0 0 0,0 1 0 0 0,-1 0 0 0 0,0-1 0 0 0,1 0 0 0 0,-1 1 0 0 0,0-1 0 0 0,0 0 0 0 0,0 0 0 0 0,0 0 0 0 0,0-1 0 0 0,0 1 0 0 0,2-5 0 0 0,8-16 166 0 0,-1-1 0 0 0,-1 1-1 0 0,-2-2 1 0 0,8-30 0 0 0,-15 49-497 0 0,1 1-1 0 0,0 0 1 0 0,0 1 0 0 0,0-1-1 0 0,1 0 1 0 0,0 1 0 0 0,-1-1-1 0 0,5-4 1 0 0,-5 7-275 0 0,0 0 1 0 0,1 0-1 0 0,-1 0 1 0 0,0 0-1 0 0,1 0 0 0 0,-1 0 1 0 0,1 1-1 0 0,0-1 1 0 0,4-1-1 0 0,7-1-6610 0 0</inkml:trace>
+</inkml:ink>
+</file>
+
+<file path=ppt/ink/ink50.xml><?xml version="1.0" encoding="utf-8"?>
+<inkml:ink xmlns:inkml="http://www.w3.org/2003/InkML">
+  <inkml:definitions>
+    <inkml:context xml:id="ctx0">
+      <inkml:inkSource xml:id="inkSrc0">
+        <inkml:traceFormat>
+          <inkml:channel name="X" type="integer" min="-2.14748E9" max="2.14748E9" units="cm"/>
+          <inkml:channel name="Y" type="integer" min="-2.14748E9" max="2.14748E9" units="cm"/>
+          <inkml:channel name="F" type="integer" max="32767" units="dev"/>
+          <inkml:channel name="OA" type="integer" max="360" units="deg"/>
+          <inkml:channel name="OE" type="integer" max="90" units="deg"/>
+        </inkml:traceFormat>
+        <inkml:channelProperties>
+          <inkml:channelProperty channel="X" name="resolution" value="1000" units="1/cm"/>
+          <inkml:channelProperty channel="Y" name="resolution" value="1000" units="1/cm"/>
+          <inkml:channelProperty channel="F" name="resolution" value="0" units="1/dev"/>
+          <inkml:channelProperty channel="OA" name="resolution" value="1000" units="1/deg"/>
+          <inkml:channelProperty channel="OE" name="resolution" value="1000" units="1/deg"/>
+        </inkml:channelProperties>
+      </inkml:inkSource>
+      <inkml:timestamp xml:id="ts0" timeString="2021-05-26T15:02:17.197"/>
+    </inkml:context>
+    <inkml:brush xml:id="br0">
+      <inkml:brushProperty name="width" value="0.05" units="cm"/>
+      <inkml:brushProperty name="height" value="0.05" units="cm"/>
+      <inkml:brushProperty name="color" value="#FF0066"/>
+    </inkml:brush>
+  </inkml:definitions>
+  <inkml:trace contextRef="#ctx0" brushRef="#br0">40 225 10592 0 0,'0'0'818'0'0,"12"-5"3833"0"0,-5-4-2342 0 0,1 0 1 0 0,7-14-1 0 0,-7 10-1793 0 0,-1 0 0 0 0,-1-1 1 0 0,0 0-1 0 0,-1 0 0 0 0,0 0 0 0 0,3-18 0 0 0,-8 28-437 0 0,1 1 0 0 0,-1-1 0 0 0,0 1 0 0 0,0-1 0 0 0,0 1-1 0 0,-1-1 1 0 0,1 0 0 0 0,-1 1 0 0 0,0-1 0 0 0,0 1 0 0 0,0 0 0 0 0,-3-6 0 0 0,4 8-40 0 0,-1 0 0 0 0,1 0 0 0 0,-1 0 0 0 0,1 0 0 0 0,-1 0 0 0 0,0 1 0 0 0,0-1 0 0 0,1 0 0 0 0,-1 1 0 0 0,0-1 0 0 0,0 0 0 0 0,0 1 0 0 0,0-1 0 0 0,0 1 0 0 0,0-1 0 0 0,0 1 0 0 0,0 0 0 0 0,-1-1 0 0 0,0 1 6 0 0,1 0 0 0 0,-1 0 1 0 0,1 0-1 0 0,-1 0 0 0 0,1 1 1 0 0,-1-1-1 0 0,1 0 0 0 0,-1 1 1 0 0,1-1-1 0 0,-1 1 0 0 0,1 0 1 0 0,0-1-1 0 0,-1 1 0 0 0,1 0 0 0 0,0 0 1 0 0,-2 1-1 0 0,-3 4 86 0 0,-1 0 1 0 0,2 0-1 0 0,-1 0 0 0 0,1 1 1 0 0,0-1-1 0 0,0 1 0 0 0,1 1 1 0 0,-1-1-1 0 0,2 0 0 0 0,-1 1 0 0 0,1 0 1 0 0,-3 10-1 0 0,3-3 83 0 0,0-1 0 0 0,0 1 0 0 0,1-1-1 0 0,1 1 1 0 0,0 0 0 0 0,2 17 0 0 0,0-28-243 0 0,-1 1 1 0 0,1 0-1 0 0,0-1 1 0 0,0 1-1 0 0,1-1 0 0 0,-1 1 1 0 0,1-1-1 0 0,0 1 1 0 0,0-1-1 0 0,1 0 0 0 0,-1 0 1 0 0,1 0-1 0 0,0 0 1 0 0,0-1-1 0 0,0 1 1 0 0,0-1-1 0 0,6 5 0 0 0,-4-5-27 0 0,-1 0-1 0 0,1 0 0 0 0,0-1 1 0 0,0 1-1 0 0,0-1 0 0 0,0 0 1 0 0,0-1-1 0 0,0 1 0 0 0,0-1 1 0 0,1 0-1 0 0,-1 0 0 0 0,1-1 1 0 0,-1 1-1 0 0,0-1 0 0 0,6-1 1 0 0,26-4-2392 0 0,-20 2 1045 0 0</inkml:trace>
+</inkml:ink>
+</file>
+
+<file path=ppt/ink/ink51.xml><?xml version="1.0" encoding="utf-8"?>
+<inkml:ink xmlns:inkml="http://www.w3.org/2003/InkML">
+  <inkml:definitions>
+    <inkml:context xml:id="ctx0">
+      <inkml:inkSource xml:id="inkSrc0">
+        <inkml:traceFormat>
+          <inkml:channel name="X" type="integer" min="-2.14748E9" max="2.14748E9" units="cm"/>
+          <inkml:channel name="Y" type="integer" min="-2.14748E9" max="2.14748E9" units="cm"/>
+          <inkml:channel name="F" type="integer" max="32767" units="dev"/>
+          <inkml:channel name="OA" type="integer" max="360" units="deg"/>
+          <inkml:channel name="OE" type="integer" max="90" units="deg"/>
+        </inkml:traceFormat>
+        <inkml:channelProperties>
+          <inkml:channelProperty channel="X" name="resolution" value="1000" units="1/cm"/>
+          <inkml:channelProperty channel="Y" name="resolution" value="1000" units="1/cm"/>
+          <inkml:channelProperty channel="F" name="resolution" value="0" units="1/dev"/>
+          <inkml:channelProperty channel="OA" name="resolution" value="1000" units="1/deg"/>
+          <inkml:channelProperty channel="OE" name="resolution" value="1000" units="1/deg"/>
+        </inkml:channelProperties>
+      </inkml:inkSource>
+      <inkml:timestamp xml:id="ts0" timeString="2021-05-26T15:02:23.707"/>
+    </inkml:context>
+    <inkml:brush xml:id="br0">
+      <inkml:brushProperty name="width" value="0.05" units="cm"/>
+      <inkml:brushProperty name="height" value="0.05" units="cm"/>
+      <inkml:brushProperty name="color" value="#FF0066"/>
+    </inkml:brush>
+  </inkml:definitions>
+  <inkml:trace contextRef="#ctx0" brushRef="#br0">16 218 2304 0 0,'-15'0'21903'0'0,"188"-12"-18371"0"0,196-3-2384 0 0,-307 14-876 0 0,8 1-53 0 0,-54 1-213 0 0,24-3 1 0 0,-2 0-20 0 0,99-4 572 0 0,-111 5-513 0 0,79-14 30 0 0,-22 3-5 0 0,86-13 293 0 0,6-1-259 0 0,-123 21-43 0 0,192-12 132 0 0,-182 17-130 0 0,-8-1-22 0 0,-19-1-20 0 0,116-5 59 0 0,-2 0 30 0 0,-11 1 74 0 0,-103 4-170 0 0,112-10 94 0 0,75 0 102 0 0,-2 1-216 0 0,26 0 222 0 0,-78 5 187 0 0,27 4-608 0 0,-37 1 208 0 0,-17 2 39 0 0,-50 0-22 0 0,236 5-21 0 0,-202-1 37 0 0,100 2 54 0 0,-56 2-94 0 0,-27 0 17 0 0,99 6 60 0 0,-27-1 22 0 0,133 1-72 0 0,259 21 235 0 0,-449-23-259 0 0,-26 7 0 0 0,-79-11 0 0 0,-27-4-94 0 0,-14-2-20 0 0,1-1-1 0 0,0-1 1 0 0,16 1-1 0 0,-40-10-2845 0 0,4 0 1440 0 0</inkml:trace>
+</inkml:ink>
+</file>
+
+<file path=ppt/ink/ink52.xml><?xml version="1.0" encoding="utf-8"?>
+<inkml:ink xmlns:inkml="http://www.w3.org/2003/InkML">
+  <inkml:definitions>
+    <inkml:context xml:id="ctx0">
+      <inkml:inkSource xml:id="inkSrc0">
+        <inkml:traceFormat>
+          <inkml:channel name="X" type="integer" min="-2.14748E9" max="2.14748E9" units="cm"/>
+          <inkml:channel name="Y" type="integer" min="-2.14748E9" max="2.14748E9" units="cm"/>
+          <inkml:channel name="F" type="integer" max="32767" units="dev"/>
+          <inkml:channel name="OA" type="integer" max="360" units="deg"/>
+          <inkml:channel name="OE" type="integer" max="90" units="deg"/>
+        </inkml:traceFormat>
+        <inkml:channelProperties>
+          <inkml:channelProperty channel="X" name="resolution" value="1000" units="1/cm"/>
+          <inkml:channelProperty channel="Y" name="resolution" value="1000" units="1/cm"/>
+          <inkml:channelProperty channel="F" name="resolution" value="0" units="1/dev"/>
+          <inkml:channelProperty channel="OA" name="resolution" value="1000" units="1/deg"/>
+          <inkml:channelProperty channel="OE" name="resolution" value="1000" units="1/deg"/>
+        </inkml:channelProperties>
+      </inkml:inkSource>
+      <inkml:timestamp xml:id="ts0" timeString="2021-05-26T15:02:36.088"/>
+    </inkml:context>
+    <inkml:brush xml:id="br0">
+      <inkml:brushProperty name="width" value="0.05" units="cm"/>
+      <inkml:brushProperty name="height" value="0.05" units="cm"/>
+      <inkml:brushProperty name="color" value="#FF0066"/>
+    </inkml:brush>
+  </inkml:definitions>
+  <inkml:trace contextRef="#ctx0" brushRef="#br0">171 90 1840 0 0,'-17'-8'176'0'0,"-16"-8"1025"0"0,24 12-535 0 0,0 0 0 0 0,0-1 0 0 0,1 0 0 0 0,-14-10-1 0 0,-5-6 3133 0 0,25 20-3020 0 0,0-1 0 0 0,0 1 1 0 0,-1-1-1 0 0,1 1 0 0 0,-1 0 0 0 0,1 0 0 0 0,-1 0 1 0 0,0 0-1 0 0,-4 0 2065 0 0,3 2-147 0 0,4-1-2646 0 0,0 0 0 0 0,0 1 0 0 0,-1-1 0 0 0,1 0 0 0 0,0 0 0 0 0,0 1 0 0 0,-1-1-1 0 0,1 0 1 0 0,0 1 0 0 0,0-1 0 0 0,0 0 0 0 0,-1 1 0 0 0,1-1 0 0 0,0 0 0 0 0,0 1 0 0 0,0-1-1 0 0,0 1 1 0 0,0-1 0 0 0,0 0 0 0 0,0 1 0 0 0,0-1 0 0 0,0 1 0 0 0,0-1 0 0 0,0 0 0 0 0,0 1-1 0 0,0-1 1 0 0,0 0 0 0 0,0 1 0 0 0,0-1 0 0 0,1 1 0 0 0,9 11 532 0 0,-7-10-507 0 0,1 1 1 0 0,-1-1-1 0 0,1 0 0 0 0,0 0 1 0 0,0 0-1 0 0,4 1 0 0 0,37 6 283 0 0,-1-2 1 0 0,1-3-1 0 0,56 0 0 0 0,-24-1-167 0 0,-37-3-12 0 0,56-6-1 0 0,-21 0 33 0 0,364-4 874 0 0,-213 4-516 0 0,-1-1-152 0 0,-121 5-267 0 0,74 2 133 0 0,-43 10 12 0 0,3 0 742 0 0,-85 0-1262 0 0,-52-10 531 0 0,2 2-410 0 0,-6-1 10 0 0,-26 4-3198 0 0,24-3 1096 0 0</inkml:trace>
+</inkml:ink>
+</file>
+
+<file path=ppt/ink/ink53.xml><?xml version="1.0" encoding="utf-8"?>
+<inkml:ink xmlns:inkml="http://www.w3.org/2003/InkML">
+  <inkml:definitions>
+    <inkml:context xml:id="ctx0">
+      <inkml:inkSource xml:id="inkSrc0">
+        <inkml:traceFormat>
+          <inkml:channel name="X" type="integer" min="-2.14748E9" max="2.14748E9" units="cm"/>
+          <inkml:channel name="Y" type="integer" min="-2.14748E9" max="2.14748E9" units="cm"/>
+          <inkml:channel name="F" type="integer" max="32767" units="dev"/>
+          <inkml:channel name="OA" type="integer" max="360" units="deg"/>
+          <inkml:channel name="OE" type="integer" max="90" units="deg"/>
+        </inkml:traceFormat>
+        <inkml:channelProperties>
+          <inkml:channelProperty channel="X" name="resolution" value="1000" units="1/cm"/>
+          <inkml:channelProperty channel="Y" name="resolution" value="1000" units="1/cm"/>
+          <inkml:channelProperty channel="F" name="resolution" value="0" units="1/dev"/>
+          <inkml:channelProperty channel="OA" name="resolution" value="1000" units="1/deg"/>
+          <inkml:channelProperty channel="OE" name="resolution" value="1000" units="1/deg"/>
+        </inkml:channelProperties>
+      </inkml:inkSource>
+      <inkml:timestamp xml:id="ts0" timeString="2021-05-26T15:02:37.076"/>
+    </inkml:context>
+    <inkml:brush xml:id="br0">
+      <inkml:brushProperty name="width" value="0.05" units="cm"/>
+      <inkml:brushProperty name="height" value="0.05" units="cm"/>
+      <inkml:brushProperty name="color" value="#FF0066"/>
+    </inkml:brush>
+  </inkml:definitions>
+  <inkml:trace contextRef="#ctx0" brushRef="#br0">110 1 3224 0 0,'-2'1'132'0'0,"0"0"1"0"0,0 1-1 0 0,-1-1 1 0 0,1 0-1 0 0,0 0 1 0 0,0 0-1 0 0,-1-1 1 0 0,1 1-1 0 0,0 0 1 0 0,-5 0-1 0 0,4-1 504 0 0,1 1-1 0 0,-1-1 1 0 0,0 1-1 0 0,0 0 0 0 0,0 0 1 0 0,-4 3-1 0 0,4-2-315 0 0,0-1 0 0 0,0 1 1 0 0,0-1-1 0 0,0 1 0 0 0,-1-1 0 0 0,1 0 1 0 0,0 0-1 0 0,-1-1 0 0 0,1 1 0 0 0,0-1 0 0 0,-5 1 642 0 0,7-1-305 0 0,0 1 0 0 0,0 0 0 0 0,0-1 0 0 0,0 1 0 0 0,0 0 0 0 0,0 0 1 0 0,0-1-1 0 0,0 1 0 0 0,0 0 0 0 0,0 0 0 0 0,-1 3 1308 0 0,2-2-1801 0 0,0 0 0 0 0,1 0-1 0 0,-1 0 1 0 0,1 0 0 0 0,-1 0 0 0 0,1-1 0 0 0,1 4 0 0 0,0-3-104 0 0,-1 0 0 0 0,1-1 1 0 0,0 1-1 0 0,-1-1 1 0 0,1 0-1 0 0,0 1 1 0 0,0-1-1 0 0,0 0 1 0 0,0 0-1 0 0,0 0 1 0 0,0-1-1 0 0,4 2 0 0 0,32 6 392 0 0,-27-6-272 0 0,5 1-40 0 0,106 19 507 0 0,64 3-177 0 0,-150-21-376 0 0,62 3 116 0 0,-91-7-195 0 0,178 4 347 0 0,-61-6-99 0 0,-12-2 98 0 0,190-12 442 0 0,-151 5-404 0 0,272 15 1 0 0,-342 6-169 0 0,0 4 0 0 0,-2 3 1 0 0,103 36-1 0 0,-158-45-188 0 0,2 0 290 0 0,44 21 0 0 0,-69-28-130 0 0</inkml:trace>
+</inkml:ink>
+</file>
+
+<file path=ppt/ink/ink6.xml><?xml version="1.0" encoding="utf-8"?>
+<inkml:ink xmlns:inkml="http://www.w3.org/2003/InkML">
+  <inkml:definitions>
+    <inkml:context xml:id="ctx0">
+      <inkml:inkSource xml:id="inkSrc0">
+        <inkml:traceFormat>
+          <inkml:channel name="X" type="integer" min="-2.14748E9" max="2.14748E9" units="cm"/>
+          <inkml:channel name="Y" type="integer" min="-2.14748E9" max="2.14748E9" units="cm"/>
+          <inkml:channel name="F" type="integer" max="32767" units="dev"/>
+          <inkml:channel name="OA" type="integer" max="360" units="deg"/>
+          <inkml:channel name="OE" type="integer" max="90" units="deg"/>
+        </inkml:traceFormat>
+        <inkml:channelProperties>
+          <inkml:channelProperty channel="X" name="resolution" value="1000" units="1/cm"/>
+          <inkml:channelProperty channel="Y" name="resolution" value="1000" units="1/cm"/>
+          <inkml:channelProperty channel="F" name="resolution" value="0" units="1/dev"/>
+          <inkml:channelProperty channel="OA" name="resolution" value="1000" units="1/deg"/>
+          <inkml:channelProperty channel="OE" name="resolution" value="1000" units="1/deg"/>
+        </inkml:channelProperties>
+      </inkml:inkSource>
+      <inkml:timestamp xml:id="ts0" timeString="2021-05-26T15:00:59.216"/>
+    </inkml:context>
+    <inkml:brush xml:id="br0">
+      <inkml:brushProperty name="width" value="0.05" units="cm"/>
+      <inkml:brushProperty name="height" value="0.05" units="cm"/>
+      <inkml:brushProperty name="color" value="#FF0066"/>
+    </inkml:brush>
+  </inkml:definitions>
+  <inkml:trace contextRef="#ctx0" brushRef="#br0">140 6 12528 0 0,'0'0'572'0'0,"-2"1"-11"0"0,-17 11 1222 0 0,-36 29 0 0 0,49-35-1257 0 0,-1 0 0 0 0,1 1 0 0 0,1-1 0 0 0,-1 1 0 0 0,1 0 0 0 0,0 1 0 0 0,0 0 0 0 0,-4 11 0 0 0,7-16-354 0 0,1 0 1 0 0,0 0 0 0 0,0 0 0 0 0,0 0-1 0 0,0 0 1 0 0,0 0 0 0 0,0 0 0 0 0,1 0-1 0 0,0 0 1 0 0,-1 0 0 0 0,1 0-1 0 0,0 1 1 0 0,1-1 0 0 0,-1 0 0 0 0,1 0-1 0 0,-1 0 1 0 0,2 4 0 0 0,-1-5-82 0 0,0 0 0 0 0,-1 0 0 0 0,1 0 0 0 0,0 0 1 0 0,0-1-1 0 0,0 1 0 0 0,0 0 0 0 0,0-1 0 0 0,0 1 0 0 0,2 1 0 0 0,-2-2-56 0 0,0-1 0 0 0,0 1 0 0 0,0-1 0 0 0,0 1 0 0 0,0-1 0 0 0,0 1 0 0 0,-1-1 0 0 0,1 0 0 0 0,0 1 0 0 0,0-1 0 0 0,0 0 0 0 0,0 0 0 0 0,0 0 0 0 0,0 0 0 0 0,1 0 0 0 0,-1 0 0 0 0,0 0 0 0 0,0 0 0 0 0,0 0 0 0 0,0 0 0 0 0,0-1 1 0 0,0 1-1 0 0,1-1 0 0 0,3-1 62 0 0,0-1 1 0 0,0 0-1 0 0,-1 0 1 0 0,1 0-1 0 0,-1-1 1 0 0,0 1 0 0 0,0-1-1 0 0,0 0 1 0 0,-1 0-1 0 0,1 0 1 0 0,4-8 0 0 0,1-2-117 0 0,-1-1 0 0 0,10-23 0 0 0,12-44-2665 0 0,-23 64 932 0 0</inkml:trace>
+</inkml:ink>
+</file>
+
+<file path=ppt/ink/ink7.xml><?xml version="1.0" encoding="utf-8"?>
+<inkml:ink xmlns:inkml="http://www.w3.org/2003/InkML">
+  <inkml:definitions>
+    <inkml:context xml:id="ctx0">
+      <inkml:inkSource xml:id="inkSrc0">
+        <inkml:traceFormat>
+          <inkml:channel name="X" type="integer" min="-2.14748E9" max="2.14748E9" units="cm"/>
+          <inkml:channel name="Y" type="integer" min="-2.14748E9" max="2.14748E9" units="cm"/>
+          <inkml:channel name="F" type="integer" max="32767" units="dev"/>
+          <inkml:channel name="OA" type="integer" max="360" units="deg"/>
+          <inkml:channel name="OE" type="integer" max="90" units="deg"/>
+        </inkml:traceFormat>
+        <inkml:channelProperties>
+          <inkml:channelProperty channel="X" name="resolution" value="1000" units="1/cm"/>
+          <inkml:channelProperty channel="Y" name="resolution" value="1000" units="1/cm"/>
+          <inkml:channelProperty channel="F" name="resolution" value="0" units="1/dev"/>
+          <inkml:channelProperty channel="OA" name="resolution" value="1000" units="1/deg"/>
+          <inkml:channelProperty channel="OE" name="resolution" value="1000" units="1/deg"/>
+        </inkml:channelProperties>
+      </inkml:inkSource>
+      <inkml:timestamp xml:id="ts0" timeString="2021-05-26T15:00:59.577"/>
+    </inkml:context>
+    <inkml:brush xml:id="br0">
+      <inkml:brushProperty name="width" value="0.05" units="cm"/>
+      <inkml:brushProperty name="height" value="0.05" units="cm"/>
+      <inkml:brushProperty name="color" value="#FF0066"/>
+    </inkml:brush>
+  </inkml:definitions>
+  <inkml:trace contextRef="#ctx0" brushRef="#br0">191 0 2760 0 0,'-5'2'21'0'0,"1"1"0"0"0,-1-1 0 0 0,1 1 1 0 0,-1 0-1 0 0,1 0 0 0 0,0 0 0 0 0,0 1 0 0 0,0-1 0 0 0,1 1 1 0 0,-1 0-1 0 0,1 0 0 0 0,-4 5 0 0 0,5-5-24 0 0,-5 6 1511 0 0,0 1 1 0 0,1-1-1 0 0,-7 19 1 0 0,-3 3 3502 0 0,-15 33 684 0 0,-7 34-3428 0 0,34-88-2044 0 0,2-1 0 0 0,-1 1-1 0 0,1-1 1 0 0,-1 20 0 0 0,3-26-190 0 0,0 1 0 0 0,0-1 0 0 0,0 1 0 0 0,1-1 0 0 0,0 1 0 0 0,0-1 0 0 0,0 0 0 0 0,0 1 0 0 0,1-1 0 0 0,-1 0 0 0 0,1 0 0 0 0,0 0 0 0 0,5 6 0 0 0,-6-9-42 0 0,0 0 0 0 0,0 1-1 0 0,0-1 1 0 0,0 0-1 0 0,0-1 1 0 0,0 1 0 0 0,0 0-1 0 0,1 0 1 0 0,-1 0 0 0 0,0-1-1 0 0,1 1 1 0 0,-1-1 0 0 0,0 1-1 0 0,1-1 1 0 0,-1 1 0 0 0,1-1-1 0 0,1 0 1 0 0,0 1-23 0 0,0-1 0 0 0,0-1-1 0 0,0 1 1 0 0,0 0 0 0 0,0-1 0 0 0,0 1 0 0 0,6-3 0 0 0,21-12-2013 0 0,-8-1-3487 0 0,-5-2-1201 0 0</inkml:trace>
+</inkml:ink>
+</file>
+
+<file path=ppt/ink/ink8.xml><?xml version="1.0" encoding="utf-8"?>
+<inkml:ink xmlns:inkml="http://www.w3.org/2003/InkML">
+  <inkml:definitions>
+    <inkml:context xml:id="ctx0">
+      <inkml:inkSource xml:id="inkSrc0">
+        <inkml:traceFormat>
+          <inkml:channel name="X" type="integer" min="-2.14748E9" max="2.14748E9" units="cm"/>
+          <inkml:channel name="Y" type="integer" min="-2.14748E9" max="2.14748E9" units="cm"/>
+          <inkml:channel name="F" type="integer" max="32767" units="dev"/>
+          <inkml:channel name="OA" type="integer" max="360" units="deg"/>
+          <inkml:channel name="OE" type="integer" max="90" units="deg"/>
+        </inkml:traceFormat>
+        <inkml:channelProperties>
+          <inkml:channelProperty channel="X" name="resolution" value="1000" units="1/cm"/>
+          <inkml:channelProperty channel="Y" name="resolution" value="1000" units="1/cm"/>
+          <inkml:channelProperty channel="F" name="resolution" value="0" units="1/dev"/>
+          <inkml:channelProperty channel="OA" name="resolution" value="1000" units="1/deg"/>
+          <inkml:channelProperty channel="OE" name="resolution" value="1000" units="1/deg"/>
+        </inkml:channelProperties>
+      </inkml:inkSource>
+      <inkml:timestamp xml:id="ts0" timeString="2021-05-26T15:00:59.933"/>
+    </inkml:context>
+    <inkml:brush xml:id="br0">
+      <inkml:brushProperty name="width" value="0.05" units="cm"/>
+      <inkml:brushProperty name="height" value="0.05" units="cm"/>
+      <inkml:brushProperty name="color" value="#FF0066"/>
+    </inkml:brush>
+  </inkml:definitions>
+  <inkml:trace contextRef="#ctx0" brushRef="#br0">108 1 17567 0 0,'0'0'1588'0'0,"-1"8"-1272"0"0,-9 34 208 0 0,7-29-188 0 0,0 1 1 0 0,-6 12 0 0 0,-8 21-15 0 0,3 1 1 0 0,1 0 0 0 0,3 1-1 0 0,-8 84 1 0 0,14-94 69 0 0,-1 36-82 0 0,5-65-472 0 0,0 0 1 0 0,1-1-1 0 0,1 1 0 0 0,0 0 1 0 0,4 15-1 0 0,-5-24-49 0 0,-1 1 0 0 0,1 0 1 0 0,-1 0-1 0 0,1-1 0 0 0,0 1 0 0 0,0 0 0 0 0,0-1 1 0 0,0 1-1 0 0,0-1 0 0 0,0 1 0 0 0,0-1 0 0 0,0 1 1 0 0,1-1-1 0 0,-1 0 0 0 0,0 0 0 0 0,1 1 0 0 0,-1-1 1 0 0,1 0-1 0 0,1 1 0 0 0,8 0-6491 0 0</inkml:trace>
+</inkml:ink>
+</file>
+
+<file path=ppt/ink/ink9.xml><?xml version="1.0" encoding="utf-8"?>
+<inkml:ink xmlns:inkml="http://www.w3.org/2003/InkML">
+  <inkml:definitions>
+    <inkml:context xml:id="ctx0">
+      <inkml:inkSource xml:id="inkSrc0">
+        <inkml:traceFormat>
+          <inkml:channel name="X" type="integer" min="-2.14748E9" max="2.14748E9" units="cm"/>
+          <inkml:channel name="Y" type="integer" min="-2.14748E9" max="2.14748E9" units="cm"/>
+          <inkml:channel name="F" type="integer" max="32767" units="dev"/>
+          <inkml:channel name="OA" type="integer" max="360" units="deg"/>
+          <inkml:channel name="OE" type="integer" max="90" units="deg"/>
+        </inkml:traceFormat>
+        <inkml:channelProperties>
+          <inkml:channelProperty channel="X" name="resolution" value="1000" units="1/cm"/>
+          <inkml:channelProperty channel="Y" name="resolution" value="1000" units="1/cm"/>
+          <inkml:channelProperty channel="F" name="resolution" value="0" units="1/dev"/>
+          <inkml:channelProperty channel="OA" name="resolution" value="1000" units="1/deg"/>
+          <inkml:channelProperty channel="OE" name="resolution" value="1000" units="1/deg"/>
+        </inkml:channelProperties>
+      </inkml:inkSource>
+      <inkml:timestamp xml:id="ts0" timeString="2021-05-26T15:01:00.352"/>
+    </inkml:context>
+    <inkml:brush xml:id="br0">
+      <inkml:brushProperty name="width" value="0.05" units="cm"/>
+      <inkml:brushProperty name="height" value="0.05" units="cm"/>
+      <inkml:brushProperty name="color" value="#FF0066"/>
+    </inkml:brush>
+  </inkml:definitions>
+  <inkml:trace contextRef="#ctx0" brushRef="#br0">135 1 3224 0 0,'-6'2'283'0'0,"-18"10"-102"0"0,18-7 1450 0 0,1-1 0 0 0,-1 1 0 0 0,-8 10 0 0 0,-12 19 6112 0 0,11-11-5396 0 0,6-9-3088 0 0,6-8 1022 0 0,0 0 0 0 0,0 1 1 0 0,0-1-1 0 0,1 1 0 0 0,0 0 1 0 0,0 0-1 0 0,-1 9 0 0 0,2-12-164 0 0,0 0 0 0 0,1 1-1 0 0,0-1 1 0 0,0 0 0 0 0,0 1 0 0 0,0-1 0 0 0,1 0-1 0 0,0 1 1 0 0,-1-1 0 0 0,2 0 0 0 0,-1 0-1 0 0,0 0 1 0 0,3 5 0 0 0,-4-8-100 0 0,1-1 0 0 0,-1 1 0 0 0,1 0 0 0 0,-1-1 1 0 0,1 1-1 0 0,-1 0 0 0 0,1-1 0 0 0,-1 1 0 0 0,1 0 0 0 0,0-1 0 0 0,-1 1 1 0 0,1-1-1 0 0,0 1 0 0 0,0-1 0 0 0,-1 0 0 0 0,1 1 0 0 0,0-1 0 0 0,0 0 1 0 0,0 1-1 0 0,-1-1 0 0 0,1 0 0 0 0,0 0 0 0 0,0 0 0 0 0,0 0 0 0 0,0 1 0 0 0,-1-1 1 0 0,1-1-1 0 0,0 1 0 0 0,0 0 0 0 0,0 0 0 0 0,0 0 0 0 0,0 0 0 0 0,-1-1 1 0 0,1 1-1 0 0,0 0 0 0 0,0-1 0 0 0,0 1 0 0 0,-1 0 0 0 0,1-1 0 0 0,0 1 0 0 0,-1-1 1 0 0,1 1-1 0 0,0-1 0 0 0,-1 0 0 0 0,2 0 0 0 0,3-4 121 0 0,0-1 0 0 0,-1 1 0 0 0,1-1 0 0 0,4-7-1 0 0,-7 9-7 0 0,3-4 70 0 0,-1 0 1 0 0,0-1-1 0 0,5-15 1 0 0,-6 15 79 0 0,0 0-1 0 0,8-14 1 0 0,-10 22 105 0 0,5 21-315 0 0,-4-15-61 0 0,-1-1-1 0 0,1 0 0 0 0,-1 1 1 0 0,0 0-1 0 0,0 7 0 0 0,0-6-175 0 0,-1 0-1 0 0,1 0 1 0 0,0 0 0 0 0,0 0-1 0 0,0-1 1 0 0,5 11 0 0 0,-5-14 84 0 0,-1 1 1 0 0,1-1 0 0 0,1 0-1 0 0,-1 0 1 0 0,0 0 0 0 0,0 0 0 0 0,1 0-1 0 0,-1 0 1 0 0,1 0 0 0 0,0-1-1 0 0,-1 1 1 0 0,1-1 0 0 0,0 1 0 0 0,0-1-1 0 0,0 1 1 0 0,0-1 0 0 0,0 0-1 0 0,1 0 1 0 0,2 1 0 0 0,-3-1-171 0 0,0-1 0 0 0,1 0 1 0 0,-1 0-1 0 0,0 1 0 0 0,0-1 1 0 0,1 0-1 0 0,-1-1 0 0 0,0 1 0 0 0,0 0 1 0 0,3-1-1 0 0,9-4-1694 0 0</inkml:trace>
+  <inkml:trace contextRef="#ctx0" brushRef="#br0" timeOffset="1">450 26 4144 0 0,'0'0'319'0'0,"-9"-4"-203"0"0,5 3 2813 0 0,-11 4 3697 0 0,11-2-5698 0 0,0 0 0 0 0,0 0 0 0 0,-1 0 0 0 0,1 0 1 0 0,0 1-1 0 0,0-1 0 0 0,0 1 0 0 0,-6 4 0 0 0,7-4-655 0 0,2-1-61 0 0,-1 0-1 0 0,1 0 1 0 0,-1 0-1 0 0,1 1 1 0 0,-1-1-1 0 0,1 0 0 0 0,0 1 1 0 0,0-1-1 0 0,-2 2 1 0 0,3-2-158 0 0,0 0-1 0 0,0 0 1 0 0,0 0 0 0 0,0-1 0 0 0,0 1 0 0 0,0 0 0 0 0,0 0-1 0 0,0-1 1 0 0,0 1 0 0 0,0 0 0 0 0,0 0 0 0 0,1-1 0 0 0,-1 1 0 0 0,0 0-1 0 0,1 0 1 0 0,-1-1 0 0 0,0 1 0 0 0,1 0 0 0 0,-1-1 0 0 0,1 1-1 0 0,-1-1 1 0 0,1 1 0 0 0,-1 0 0 0 0,1-1 0 0 0,-1 1 0 0 0,2 0 0 0 0,5 5 68 0 0,0-1 1 0 0,0 1 0 0 0,1-1 0 0 0,0-1 0 0 0,13 6 0 0 0,-13-6 3 0 0,0 0 0 0 0,0 1 1 0 0,-1-1-1 0 0,1 1 0 0 0,10 10 0 0 0,-4-2 74 0 0,-9-9-169 0 0,-1 0-1 0 0,0 0 1 0 0,1 0-1 0 0,-1 1 1 0 0,-1 0-1 0 0,1 0 1 0 0,-1 0-1 0 0,0 0 1 0 0,4 8-1 0 0,-7-13-72 0 0,0 0 0 0 0,0 1-1 0 0,0-1 1 0 0,0 0-1 0 0,0 0 1 0 0,0 0-1 0 0,0 0 1 0 0,0 0-1 0 0,0 0 1 0 0,0 1 0 0 0,0-1-1 0 0,0 0 1 0 0,0 0-1 0 0,0 0 1 0 0,0 0-1 0 0,0 0 1 0 0,1 0-1 0 0,-1 0 1 0 0,0 1-1 0 0,0-1 1 0 0,0 0 0 0 0,0 0-1 0 0,0 0 1 0 0,0 0-1 0 0,0 0 1 0 0,0 0-1 0 0,1 0 1 0 0,-1 0-1 0 0,0 0 1 0 0,0 0 0 0 0,0 0-1 0 0,0 0 1 0 0,0 0-1 0 0,0 0 1 0 0,1 0-1 0 0,-1 0 1 0 0,0 0-1 0 0,0 0 1 0 0,0 0-1 0 0,0 0 1 0 0,0 0 0 0 0,0 0-1 0 0,1 0 1 0 0,-1 0-1 0 0,0 0 1 0 0,0 0-1 0 0,0 0 1 0 0,0 0-1 0 0,0 0 1 0 0,0 0 0 0 0,1 0-1 0 0,-1 0 1 0 0,0 0-1 0 0,0 0 1 0 0,4-5-2757 0 0</inkml:trace>
+</inkml:ink>
 </file>
 
 <file path=ppt/notesMasters/notesMaster1.xml><?xml version="1.0" encoding="utf-8"?>
@@ -838,7 +2544,7 @@
           <a:p>
             <a:fld id="{3A2BF66F-FEB0-48C1-A8B9-A73F54BB1A08}" type="datetimeFigureOut">
               <a:rPr lang="en-US" smtClean="0"/>
-              <a:t>5/25/2021</a:t>
+              <a:t>5/26/2021</a:t>
             </a:fld>
             <a:endParaRPr lang="en-US" dirty="0"/>
           </a:p>
@@ -1046,7 +2752,7 @@
           <a:p>
             <a:fld id="{3A2BF66F-FEB0-48C1-A8B9-A73F54BB1A08}" type="datetimeFigureOut">
               <a:rPr lang="en-US" smtClean="0"/>
-              <a:t>5/25/2021</a:t>
+              <a:t>5/26/2021</a:t>
             </a:fld>
             <a:endParaRPr lang="en-US" dirty="0"/>
           </a:p>
@@ -1264,7 +2970,7 @@
           <a:p>
             <a:fld id="{3A2BF66F-FEB0-48C1-A8B9-A73F54BB1A08}" type="datetimeFigureOut">
               <a:rPr lang="en-US" smtClean="0"/>
-              <a:t>5/25/2021</a:t>
+              <a:t>5/26/2021</a:t>
             </a:fld>
             <a:endParaRPr lang="en-US" dirty="0"/>
           </a:p>
@@ -1472,7 +3178,7 @@
           <a:p>
             <a:fld id="{3A2BF66F-FEB0-48C1-A8B9-A73F54BB1A08}" type="datetimeFigureOut">
               <a:rPr lang="en-US" smtClean="0"/>
-              <a:t>5/25/2021</a:t>
+              <a:t>5/26/2021</a:t>
             </a:fld>
             <a:endParaRPr lang="en-US" dirty="0"/>
           </a:p>
@@ -1757,7 +3463,7 @@
           <a:p>
             <a:fld id="{3A2BF66F-FEB0-48C1-A8B9-A73F54BB1A08}" type="datetimeFigureOut">
               <a:rPr lang="en-US" smtClean="0"/>
-              <a:t>5/25/2021</a:t>
+              <a:t>5/26/2021</a:t>
             </a:fld>
             <a:endParaRPr lang="en-US" dirty="0"/>
           </a:p>
@@ -2032,7 +3738,7 @@
           <a:p>
             <a:fld id="{3A2BF66F-FEB0-48C1-A8B9-A73F54BB1A08}" type="datetimeFigureOut">
               <a:rPr lang="en-US" smtClean="0"/>
-              <a:t>5/25/2021</a:t>
+              <a:t>5/26/2021</a:t>
             </a:fld>
             <a:endParaRPr lang="en-US" dirty="0"/>
           </a:p>
@@ -2454,7 +4160,7 @@
           <a:p>
             <a:fld id="{3A2BF66F-FEB0-48C1-A8B9-A73F54BB1A08}" type="datetimeFigureOut">
               <a:rPr lang="en-US" smtClean="0"/>
-              <a:t>5/25/2021</a:t>
+              <a:t>5/26/2021</a:t>
             </a:fld>
             <a:endParaRPr lang="en-US" dirty="0"/>
           </a:p>
@@ -2605,7 +4311,7 @@
           <a:p>
             <a:fld id="{3A2BF66F-FEB0-48C1-A8B9-A73F54BB1A08}" type="datetimeFigureOut">
               <a:rPr lang="en-US" smtClean="0"/>
-              <a:t>5/25/2021</a:t>
+              <a:t>5/26/2021</a:t>
             </a:fld>
             <a:endParaRPr lang="en-US" dirty="0"/>
           </a:p>
@@ -2728,7 +4434,7 @@
           <a:p>
             <a:fld id="{3A2BF66F-FEB0-48C1-A8B9-A73F54BB1A08}" type="datetimeFigureOut">
               <a:rPr lang="en-US" smtClean="0"/>
-              <a:t>5/25/2021</a:t>
+              <a:t>5/26/2021</a:t>
             </a:fld>
             <a:endParaRPr lang="en-US" dirty="0"/>
           </a:p>
@@ -3048,7 +4754,7 @@
           <a:p>
             <a:fld id="{3A2BF66F-FEB0-48C1-A8B9-A73F54BB1A08}" type="datetimeFigureOut">
               <a:rPr lang="en-US" smtClean="0"/>
-              <a:t>5/25/2021</a:t>
+              <a:t>5/26/2021</a:t>
             </a:fld>
             <a:endParaRPr lang="en-US" dirty="0"/>
           </a:p>
@@ -3346,7 +5052,7 @@
           <a:p>
             <a:fld id="{3A2BF66F-FEB0-48C1-A8B9-A73F54BB1A08}" type="datetimeFigureOut">
               <a:rPr lang="en-US" smtClean="0"/>
-              <a:t>5/25/2021</a:t>
+              <a:t>5/26/2021</a:t>
             </a:fld>
             <a:endParaRPr lang="en-US" dirty="0"/>
           </a:p>
@@ -3597,7 +5303,7 @@
           <a:p>
             <a:fld id="{3A2BF66F-FEB0-48C1-A8B9-A73F54BB1A08}" type="datetimeFigureOut">
               <a:rPr lang="en-US" smtClean="0"/>
-              <a:t>5/25/2021</a:t>
+              <a:t>5/26/2021</a:t>
             </a:fld>
             <a:endParaRPr lang="en-US" dirty="0"/>
           </a:p>
@@ -4333,6 +6039,2751 @@
           </a:p>
         </p:txBody>
       </p:sp>
+      <mc:AlternateContent xmlns:mc="http://schemas.openxmlformats.org/markup-compatibility/2006">
+        <mc:Choice xmlns:p14="http://schemas.microsoft.com/office/powerpoint/2010/main" Requires="p14">
+          <p:contentPart p14:bwMode="auto" r:id="rId2">
+            <p14:nvContentPartPr>
+              <p14:cNvPr id="4" name="Ink 3">
+                <a:extLst>
+                  <a:ext uri="{FF2B5EF4-FFF2-40B4-BE49-F238E27FC236}">
+                    <a16:creationId xmlns:a16="http://schemas.microsoft.com/office/drawing/2014/main" id="{33801742-AED6-4B6D-AA4E-7D8B69690C25}"/>
+                  </a:ext>
+                </a:extLst>
+              </p14:cNvPr>
+              <p14:cNvContentPartPr/>
+              <p14:nvPr/>
+            </p14:nvContentPartPr>
+            <p14:xfrm>
+              <a:off x="913609" y="1688659"/>
+              <a:ext cx="3755880" cy="92880"/>
+            </p14:xfrm>
+          </p:contentPart>
+        </mc:Choice>
+        <mc:Fallback>
+          <p:pic>
+            <p:nvPicPr>
+              <p:cNvPr id="4" name="Ink 3">
+                <a:extLst>
+                  <a:ext uri="{FF2B5EF4-FFF2-40B4-BE49-F238E27FC236}">
+                    <a16:creationId xmlns:a16="http://schemas.microsoft.com/office/drawing/2014/main" id="{33801742-AED6-4B6D-AA4E-7D8B69690C25}"/>
+                  </a:ext>
+                </a:extLst>
+              </p:cNvPr>
+              <p:cNvPicPr/>
+              <p:nvPr/>
+            </p:nvPicPr>
+            <p:blipFill>
+              <a:blip r:embed="rId3"/>
+              <a:stretch>
+                <a:fillRect/>
+              </a:stretch>
+            </p:blipFill>
+            <p:spPr>
+              <a:xfrm>
+                <a:off x="904609" y="1680019"/>
+                <a:ext cx="3773520" cy="110520"/>
+              </a:xfrm>
+              <a:prstGeom prst="rect">
+                <a:avLst/>
+              </a:prstGeom>
+            </p:spPr>
+          </p:pic>
+        </mc:Fallback>
+      </mc:AlternateContent>
+      <mc:AlternateContent xmlns:mc="http://schemas.openxmlformats.org/markup-compatibility/2006">
+        <mc:Choice xmlns:p14="http://schemas.microsoft.com/office/powerpoint/2010/main" Requires="p14">
+          <p:contentPart p14:bwMode="auto" r:id="rId4">
+            <p14:nvContentPartPr>
+              <p14:cNvPr id="5" name="Ink 4">
+                <a:extLst>
+                  <a:ext uri="{FF2B5EF4-FFF2-40B4-BE49-F238E27FC236}">
+                    <a16:creationId xmlns:a16="http://schemas.microsoft.com/office/drawing/2014/main" id="{AAEA0181-9F58-464E-A77B-F9043E9B868E}"/>
+                  </a:ext>
+                </a:extLst>
+              </p14:cNvPr>
+              <p14:cNvContentPartPr/>
+              <p14:nvPr/>
+            </p14:nvContentPartPr>
+            <p14:xfrm>
+              <a:off x="837649" y="4040539"/>
+              <a:ext cx="923760" cy="25560"/>
+            </p14:xfrm>
+          </p:contentPart>
+        </mc:Choice>
+        <mc:Fallback>
+          <p:pic>
+            <p:nvPicPr>
+              <p:cNvPr id="5" name="Ink 4">
+                <a:extLst>
+                  <a:ext uri="{FF2B5EF4-FFF2-40B4-BE49-F238E27FC236}">
+                    <a16:creationId xmlns:a16="http://schemas.microsoft.com/office/drawing/2014/main" id="{AAEA0181-9F58-464E-A77B-F9043E9B868E}"/>
+                  </a:ext>
+                </a:extLst>
+              </p:cNvPr>
+              <p:cNvPicPr/>
+              <p:nvPr/>
+            </p:nvPicPr>
+            <p:blipFill>
+              <a:blip r:embed="rId5"/>
+              <a:stretch>
+                <a:fillRect/>
+              </a:stretch>
+            </p:blipFill>
+            <p:spPr>
+              <a:xfrm>
+                <a:off x="828649" y="4031539"/>
+                <a:ext cx="941400" cy="43200"/>
+              </a:xfrm>
+              <a:prstGeom prst="rect">
+                <a:avLst/>
+              </a:prstGeom>
+            </p:spPr>
+          </p:pic>
+        </mc:Fallback>
+      </mc:AlternateContent>
+      <p:grpSp>
+        <p:nvGrpSpPr>
+          <p:cNvPr id="20" name="Group 19">
+            <a:extLst>
+              <a:ext uri="{FF2B5EF4-FFF2-40B4-BE49-F238E27FC236}">
+                <a16:creationId xmlns:a16="http://schemas.microsoft.com/office/drawing/2014/main" id="{611AF4EE-7A48-4E37-8F0A-B6FD0A320B05}"/>
+              </a:ext>
+            </a:extLst>
+          </p:cNvPr>
+          <p:cNvGrpSpPr/>
+          <p:nvPr/>
+        </p:nvGrpSpPr>
+        <p:grpSpPr>
+          <a:xfrm>
+            <a:off x="834409" y="2649499"/>
+            <a:ext cx="3176640" cy="406080"/>
+            <a:chOff x="834409" y="2649499"/>
+            <a:chExt cx="3176640" cy="406080"/>
+          </a:xfrm>
+        </p:grpSpPr>
+        <mc:AlternateContent xmlns:mc="http://schemas.openxmlformats.org/markup-compatibility/2006">
+          <mc:Choice xmlns:p14="http://schemas.microsoft.com/office/powerpoint/2010/main" Requires="p14">
+            <p:contentPart p14:bwMode="auto" r:id="rId6">
+              <p14:nvContentPartPr>
+                <p14:cNvPr id="6" name="Ink 5">
+                  <a:extLst>
+                    <a:ext uri="{FF2B5EF4-FFF2-40B4-BE49-F238E27FC236}">
+                      <a16:creationId xmlns:a16="http://schemas.microsoft.com/office/drawing/2014/main" id="{B9D9D756-DC57-4DF7-9937-55BA2E7BAC94}"/>
+                    </a:ext>
+                  </a:extLst>
+                </p14:cNvPr>
+                <p14:cNvContentPartPr/>
+                <p14:nvPr/>
+              </p14:nvContentPartPr>
+              <p14:xfrm>
+                <a:off x="834409" y="2995819"/>
+                <a:ext cx="891720" cy="59760"/>
+              </p14:xfrm>
+            </p:contentPart>
+          </mc:Choice>
+          <mc:Fallback>
+            <p:pic>
+              <p:nvPicPr>
+                <p:cNvPr id="6" name="Ink 5">
+                  <a:extLst>
+                    <a:ext uri="{FF2B5EF4-FFF2-40B4-BE49-F238E27FC236}">
+                      <a16:creationId xmlns:a16="http://schemas.microsoft.com/office/drawing/2014/main" id="{B9D9D756-DC57-4DF7-9937-55BA2E7BAC94}"/>
+                    </a:ext>
+                  </a:extLst>
+                </p:cNvPr>
+                <p:cNvPicPr/>
+                <p:nvPr/>
+              </p:nvPicPr>
+              <p:blipFill>
+                <a:blip r:embed="rId7"/>
+                <a:stretch>
+                  <a:fillRect/>
+                </a:stretch>
+              </p:blipFill>
+              <p:spPr>
+                <a:xfrm>
+                  <a:off x="825409" y="2986819"/>
+                  <a:ext cx="909360" cy="77400"/>
+                </a:xfrm>
+                <a:prstGeom prst="rect">
+                  <a:avLst/>
+                </a:prstGeom>
+              </p:spPr>
+            </p:pic>
+          </mc:Fallback>
+        </mc:AlternateContent>
+        <mc:AlternateContent xmlns:mc="http://schemas.openxmlformats.org/markup-compatibility/2006">
+          <mc:Choice xmlns:p14="http://schemas.microsoft.com/office/powerpoint/2010/main" Requires="p14">
+            <p:contentPart p14:bwMode="auto" r:id="rId8">
+              <p14:nvContentPartPr>
+                <p14:cNvPr id="7" name="Ink 6">
+                  <a:extLst>
+                    <a:ext uri="{FF2B5EF4-FFF2-40B4-BE49-F238E27FC236}">
+                      <a16:creationId xmlns:a16="http://schemas.microsoft.com/office/drawing/2014/main" id="{60EB3726-3FA0-4171-917D-331836020496}"/>
+                    </a:ext>
+                  </a:extLst>
+                </p14:cNvPr>
+                <p14:cNvContentPartPr/>
+                <p14:nvPr/>
+              </p14:nvContentPartPr>
+              <p14:xfrm>
+                <a:off x="1845289" y="2819419"/>
+                <a:ext cx="141120" cy="15480"/>
+              </p14:xfrm>
+            </p:contentPart>
+          </mc:Choice>
+          <mc:Fallback>
+            <p:pic>
+              <p:nvPicPr>
+                <p:cNvPr id="7" name="Ink 6">
+                  <a:extLst>
+                    <a:ext uri="{FF2B5EF4-FFF2-40B4-BE49-F238E27FC236}">
+                      <a16:creationId xmlns:a16="http://schemas.microsoft.com/office/drawing/2014/main" id="{60EB3726-3FA0-4171-917D-331836020496}"/>
+                    </a:ext>
+                  </a:extLst>
+                </p:cNvPr>
+                <p:cNvPicPr/>
+                <p:nvPr/>
+              </p:nvPicPr>
+              <p:blipFill>
+                <a:blip r:embed="rId9"/>
+                <a:stretch>
+                  <a:fillRect/>
+                </a:stretch>
+              </p:blipFill>
+              <p:spPr>
+                <a:xfrm>
+                  <a:off x="1836649" y="2810419"/>
+                  <a:ext cx="158760" cy="33120"/>
+                </a:xfrm>
+                <a:prstGeom prst="rect">
+                  <a:avLst/>
+                </a:prstGeom>
+              </p:spPr>
+            </p:pic>
+          </mc:Fallback>
+        </mc:AlternateContent>
+        <mc:AlternateContent xmlns:mc="http://schemas.openxmlformats.org/markup-compatibility/2006">
+          <mc:Choice xmlns:p14="http://schemas.microsoft.com/office/powerpoint/2010/main" Requires="p14">
+            <p:contentPart p14:bwMode="auto" r:id="rId10">
+              <p14:nvContentPartPr>
+                <p14:cNvPr id="8" name="Ink 7">
+                  <a:extLst>
+                    <a:ext uri="{FF2B5EF4-FFF2-40B4-BE49-F238E27FC236}">
+                      <a16:creationId xmlns:a16="http://schemas.microsoft.com/office/drawing/2014/main" id="{0513B770-3299-4E71-9D8F-6A24F70E76BD}"/>
+                    </a:ext>
+                  </a:extLst>
+                </p14:cNvPr>
+                <p14:cNvContentPartPr/>
+                <p14:nvPr/>
+              </p14:nvContentPartPr>
+              <p14:xfrm>
+                <a:off x="2155609" y="2785939"/>
+                <a:ext cx="155520" cy="124560"/>
+              </p14:xfrm>
+            </p:contentPart>
+          </mc:Choice>
+          <mc:Fallback>
+            <p:pic>
+              <p:nvPicPr>
+                <p:cNvPr id="8" name="Ink 7">
+                  <a:extLst>
+                    <a:ext uri="{FF2B5EF4-FFF2-40B4-BE49-F238E27FC236}">
+                      <a16:creationId xmlns:a16="http://schemas.microsoft.com/office/drawing/2014/main" id="{0513B770-3299-4E71-9D8F-6A24F70E76BD}"/>
+                    </a:ext>
+                  </a:extLst>
+                </p:cNvPr>
+                <p:cNvPicPr/>
+                <p:nvPr/>
+              </p:nvPicPr>
+              <p:blipFill>
+                <a:blip r:embed="rId11"/>
+                <a:stretch>
+                  <a:fillRect/>
+                </a:stretch>
+              </p:blipFill>
+              <p:spPr>
+                <a:xfrm>
+                  <a:off x="2146609" y="2776939"/>
+                  <a:ext cx="173160" cy="142200"/>
+                </a:xfrm>
+                <a:prstGeom prst="rect">
+                  <a:avLst/>
+                </a:prstGeom>
+              </p:spPr>
+            </p:pic>
+          </mc:Fallback>
+        </mc:AlternateContent>
+        <mc:AlternateContent xmlns:mc="http://schemas.openxmlformats.org/markup-compatibility/2006">
+          <mc:Choice xmlns:p14="http://schemas.microsoft.com/office/powerpoint/2010/main" Requires="p14">
+            <p:contentPart p14:bwMode="auto" r:id="rId12">
+              <p14:nvContentPartPr>
+                <p14:cNvPr id="9" name="Ink 8">
+                  <a:extLst>
+                    <a:ext uri="{FF2B5EF4-FFF2-40B4-BE49-F238E27FC236}">
+                      <a16:creationId xmlns:a16="http://schemas.microsoft.com/office/drawing/2014/main" id="{042E507C-3F76-4A10-8675-FFCE9DBB9902}"/>
+                    </a:ext>
+                  </a:extLst>
+                </p14:cNvPr>
+                <p14:cNvContentPartPr/>
+                <p14:nvPr/>
+              </p14:nvContentPartPr>
+              <p14:xfrm>
+                <a:off x="2329489" y="2795659"/>
+                <a:ext cx="60480" cy="79200"/>
+              </p14:xfrm>
+            </p:contentPart>
+          </mc:Choice>
+          <mc:Fallback>
+            <p:pic>
+              <p:nvPicPr>
+                <p:cNvPr id="9" name="Ink 8">
+                  <a:extLst>
+                    <a:ext uri="{FF2B5EF4-FFF2-40B4-BE49-F238E27FC236}">
+                      <a16:creationId xmlns:a16="http://schemas.microsoft.com/office/drawing/2014/main" id="{042E507C-3F76-4A10-8675-FFCE9DBB9902}"/>
+                    </a:ext>
+                  </a:extLst>
+                </p:cNvPr>
+                <p:cNvPicPr/>
+                <p:nvPr/>
+              </p:nvPicPr>
+              <p:blipFill>
+                <a:blip r:embed="rId13"/>
+                <a:stretch>
+                  <a:fillRect/>
+                </a:stretch>
+              </p:blipFill>
+              <p:spPr>
+                <a:xfrm>
+                  <a:off x="2320489" y="2787019"/>
+                  <a:ext cx="78120" cy="96840"/>
+                </a:xfrm>
+                <a:prstGeom prst="rect">
+                  <a:avLst/>
+                </a:prstGeom>
+              </p:spPr>
+            </p:pic>
+          </mc:Fallback>
+        </mc:AlternateContent>
+        <mc:AlternateContent xmlns:mc="http://schemas.openxmlformats.org/markup-compatibility/2006">
+          <mc:Choice xmlns:p14="http://schemas.microsoft.com/office/powerpoint/2010/main" Requires="p14">
+            <p:contentPart p14:bwMode="auto" r:id="rId14">
+              <p14:nvContentPartPr>
+                <p14:cNvPr id="10" name="Ink 9">
+                  <a:extLst>
+                    <a:ext uri="{FF2B5EF4-FFF2-40B4-BE49-F238E27FC236}">
+                      <a16:creationId xmlns:a16="http://schemas.microsoft.com/office/drawing/2014/main" id="{97233386-2A97-4A3B-AA41-F630B130147B}"/>
+                    </a:ext>
+                  </a:extLst>
+                </p14:cNvPr>
+                <p14:cNvContentPartPr/>
+                <p14:nvPr/>
+              </p14:nvContentPartPr>
+              <p14:xfrm>
+                <a:off x="2627209" y="2737339"/>
+                <a:ext cx="68760" cy="165240"/>
+              </p14:xfrm>
+            </p:contentPart>
+          </mc:Choice>
+          <mc:Fallback>
+            <p:pic>
+              <p:nvPicPr>
+                <p:cNvPr id="10" name="Ink 9">
+                  <a:extLst>
+                    <a:ext uri="{FF2B5EF4-FFF2-40B4-BE49-F238E27FC236}">
+                      <a16:creationId xmlns:a16="http://schemas.microsoft.com/office/drawing/2014/main" id="{97233386-2A97-4A3B-AA41-F630B130147B}"/>
+                    </a:ext>
+                  </a:extLst>
+                </p:cNvPr>
+                <p:cNvPicPr/>
+                <p:nvPr/>
+              </p:nvPicPr>
+              <p:blipFill>
+                <a:blip r:embed="rId15"/>
+                <a:stretch>
+                  <a:fillRect/>
+                </a:stretch>
+              </p:blipFill>
+              <p:spPr>
+                <a:xfrm>
+                  <a:off x="2618569" y="2728339"/>
+                  <a:ext cx="86400" cy="182880"/>
+                </a:xfrm>
+                <a:prstGeom prst="rect">
+                  <a:avLst/>
+                </a:prstGeom>
+              </p:spPr>
+            </p:pic>
+          </mc:Fallback>
+        </mc:AlternateContent>
+        <mc:AlternateContent xmlns:mc="http://schemas.openxmlformats.org/markup-compatibility/2006">
+          <mc:Choice xmlns:p14="http://schemas.microsoft.com/office/powerpoint/2010/main" Requires="p14">
+            <p:contentPart p14:bwMode="auto" r:id="rId16">
+              <p14:nvContentPartPr>
+                <p14:cNvPr id="11" name="Ink 10">
+                  <a:extLst>
+                    <a:ext uri="{FF2B5EF4-FFF2-40B4-BE49-F238E27FC236}">
+                      <a16:creationId xmlns:a16="http://schemas.microsoft.com/office/drawing/2014/main" id="{B193D879-E084-4EB2-BEE4-5EFE4F110894}"/>
+                    </a:ext>
+                  </a:extLst>
+                </p14:cNvPr>
+                <p14:cNvContentPartPr/>
+                <p14:nvPr/>
+              </p14:nvContentPartPr>
+              <p14:xfrm>
+                <a:off x="2773729" y="2649499"/>
+                <a:ext cx="38880" cy="233640"/>
+              </p14:xfrm>
+            </p:contentPart>
+          </mc:Choice>
+          <mc:Fallback>
+            <p:pic>
+              <p:nvPicPr>
+                <p:cNvPr id="11" name="Ink 10">
+                  <a:extLst>
+                    <a:ext uri="{FF2B5EF4-FFF2-40B4-BE49-F238E27FC236}">
+                      <a16:creationId xmlns:a16="http://schemas.microsoft.com/office/drawing/2014/main" id="{B193D879-E084-4EB2-BEE4-5EFE4F110894}"/>
+                    </a:ext>
+                  </a:extLst>
+                </p:cNvPr>
+                <p:cNvPicPr/>
+                <p:nvPr/>
+              </p:nvPicPr>
+              <p:blipFill>
+                <a:blip r:embed="rId17"/>
+                <a:stretch>
+                  <a:fillRect/>
+                </a:stretch>
+              </p:blipFill>
+              <p:spPr>
+                <a:xfrm>
+                  <a:off x="2765089" y="2640859"/>
+                  <a:ext cx="56520" cy="251280"/>
+                </a:xfrm>
+                <a:prstGeom prst="rect">
+                  <a:avLst/>
+                </a:prstGeom>
+              </p:spPr>
+            </p:pic>
+          </mc:Fallback>
+        </mc:AlternateContent>
+        <mc:AlternateContent xmlns:mc="http://schemas.openxmlformats.org/markup-compatibility/2006">
+          <mc:Choice xmlns:p14="http://schemas.microsoft.com/office/powerpoint/2010/main" Requires="p14">
+            <p:contentPart p14:bwMode="auto" r:id="rId18">
+              <p14:nvContentPartPr>
+                <p14:cNvPr id="12" name="Ink 11">
+                  <a:extLst>
+                    <a:ext uri="{FF2B5EF4-FFF2-40B4-BE49-F238E27FC236}">
+                      <a16:creationId xmlns:a16="http://schemas.microsoft.com/office/drawing/2014/main" id="{BD3DD8B2-3D9D-4BED-8DE9-9A18293618F1}"/>
+                    </a:ext>
+                  </a:extLst>
+                </p14:cNvPr>
+                <p14:cNvContentPartPr/>
+                <p14:nvPr/>
+              </p14:nvContentPartPr>
+              <p14:xfrm>
+                <a:off x="2816929" y="2788459"/>
+                <a:ext cx="197640" cy="92880"/>
+              </p14:xfrm>
+            </p:contentPart>
+          </mc:Choice>
+          <mc:Fallback>
+            <p:pic>
+              <p:nvPicPr>
+                <p:cNvPr id="12" name="Ink 11">
+                  <a:extLst>
+                    <a:ext uri="{FF2B5EF4-FFF2-40B4-BE49-F238E27FC236}">
+                      <a16:creationId xmlns:a16="http://schemas.microsoft.com/office/drawing/2014/main" id="{BD3DD8B2-3D9D-4BED-8DE9-9A18293618F1}"/>
+                    </a:ext>
+                  </a:extLst>
+                </p:cNvPr>
+                <p:cNvPicPr/>
+                <p:nvPr/>
+              </p:nvPicPr>
+              <p:blipFill>
+                <a:blip r:embed="rId19"/>
+                <a:stretch>
+                  <a:fillRect/>
+                </a:stretch>
+              </p:blipFill>
+              <p:spPr>
+                <a:xfrm>
+                  <a:off x="2808289" y="2779819"/>
+                  <a:ext cx="215280" cy="110520"/>
+                </a:xfrm>
+                <a:prstGeom prst="rect">
+                  <a:avLst/>
+                </a:prstGeom>
+              </p:spPr>
+            </p:pic>
+          </mc:Fallback>
+        </mc:AlternateContent>
+        <mc:AlternateContent xmlns:mc="http://schemas.openxmlformats.org/markup-compatibility/2006">
+          <mc:Choice xmlns:p14="http://schemas.microsoft.com/office/powerpoint/2010/main" Requires="p14">
+            <p:contentPart p14:bwMode="auto" r:id="rId20">
+              <p14:nvContentPartPr>
+                <p14:cNvPr id="13" name="Ink 12">
+                  <a:extLst>
+                    <a:ext uri="{FF2B5EF4-FFF2-40B4-BE49-F238E27FC236}">
+                      <a16:creationId xmlns:a16="http://schemas.microsoft.com/office/drawing/2014/main" id="{4AC921C8-AAB3-4A59-8ED1-41588A758A40}"/>
+                    </a:ext>
+                  </a:extLst>
+                </p14:cNvPr>
+                <p14:cNvContentPartPr/>
+                <p14:nvPr/>
+              </p14:nvContentPartPr>
+              <p14:xfrm>
+                <a:off x="2999089" y="2801059"/>
+                <a:ext cx="92160" cy="101520"/>
+              </p14:xfrm>
+            </p:contentPart>
+          </mc:Choice>
+          <mc:Fallback>
+            <p:pic>
+              <p:nvPicPr>
+                <p:cNvPr id="13" name="Ink 12">
+                  <a:extLst>
+                    <a:ext uri="{FF2B5EF4-FFF2-40B4-BE49-F238E27FC236}">
+                      <a16:creationId xmlns:a16="http://schemas.microsoft.com/office/drawing/2014/main" id="{4AC921C8-AAB3-4A59-8ED1-41588A758A40}"/>
+                    </a:ext>
+                  </a:extLst>
+                </p:cNvPr>
+                <p:cNvPicPr/>
+                <p:nvPr/>
+              </p:nvPicPr>
+              <p:blipFill>
+                <a:blip r:embed="rId21"/>
+                <a:stretch>
+                  <a:fillRect/>
+                </a:stretch>
+              </p:blipFill>
+              <p:spPr>
+                <a:xfrm>
+                  <a:off x="2990089" y="2792059"/>
+                  <a:ext cx="109800" cy="119160"/>
+                </a:xfrm>
+                <a:prstGeom prst="rect">
+                  <a:avLst/>
+                </a:prstGeom>
+              </p:spPr>
+            </p:pic>
+          </mc:Fallback>
+        </mc:AlternateContent>
+        <mc:AlternateContent xmlns:mc="http://schemas.openxmlformats.org/markup-compatibility/2006">
+          <mc:Choice xmlns:p14="http://schemas.microsoft.com/office/powerpoint/2010/main" Requires="p14">
+            <p:contentPart p14:bwMode="auto" r:id="rId22">
+              <p14:nvContentPartPr>
+                <p14:cNvPr id="14" name="Ink 13">
+                  <a:extLst>
+                    <a:ext uri="{FF2B5EF4-FFF2-40B4-BE49-F238E27FC236}">
+                      <a16:creationId xmlns:a16="http://schemas.microsoft.com/office/drawing/2014/main" id="{666508A3-6B60-49EA-829D-2F3F396E3B5A}"/>
+                    </a:ext>
+                  </a:extLst>
+                </p14:cNvPr>
+                <p14:cNvContentPartPr/>
+                <p14:nvPr/>
+              </p14:nvContentPartPr>
+              <p14:xfrm>
+                <a:off x="3264769" y="2713579"/>
+                <a:ext cx="123120" cy="232200"/>
+              </p14:xfrm>
+            </p:contentPart>
+          </mc:Choice>
+          <mc:Fallback>
+            <p:pic>
+              <p:nvPicPr>
+                <p:cNvPr id="14" name="Ink 13">
+                  <a:extLst>
+                    <a:ext uri="{FF2B5EF4-FFF2-40B4-BE49-F238E27FC236}">
+                      <a16:creationId xmlns:a16="http://schemas.microsoft.com/office/drawing/2014/main" id="{666508A3-6B60-49EA-829D-2F3F396E3B5A}"/>
+                    </a:ext>
+                  </a:extLst>
+                </p:cNvPr>
+                <p:cNvPicPr/>
+                <p:nvPr/>
+              </p:nvPicPr>
+              <p:blipFill>
+                <a:blip r:embed="rId23"/>
+                <a:stretch>
+                  <a:fillRect/>
+                </a:stretch>
+              </p:blipFill>
+              <p:spPr>
+                <a:xfrm>
+                  <a:off x="3255769" y="2704579"/>
+                  <a:ext cx="140760" cy="249840"/>
+                </a:xfrm>
+                <a:prstGeom prst="rect">
+                  <a:avLst/>
+                </a:prstGeom>
+              </p:spPr>
+            </p:pic>
+          </mc:Fallback>
+        </mc:AlternateContent>
+        <mc:AlternateContent xmlns:mc="http://schemas.openxmlformats.org/markup-compatibility/2006">
+          <mc:Choice xmlns:p14="http://schemas.microsoft.com/office/powerpoint/2010/main" Requires="p14">
+            <p:contentPart p14:bwMode="auto" r:id="rId24">
+              <p14:nvContentPartPr>
+                <p14:cNvPr id="15" name="Ink 14">
+                  <a:extLst>
+                    <a:ext uri="{FF2B5EF4-FFF2-40B4-BE49-F238E27FC236}">
+                      <a16:creationId xmlns:a16="http://schemas.microsoft.com/office/drawing/2014/main" id="{77D9D8BD-60B2-49A3-A595-70ED12D78477}"/>
+                    </a:ext>
+                  </a:extLst>
+                </p14:cNvPr>
+                <p14:cNvContentPartPr/>
+                <p14:nvPr/>
+              </p14:nvContentPartPr>
+              <p14:xfrm>
+                <a:off x="3271609" y="2806459"/>
+                <a:ext cx="106920" cy="21600"/>
+              </p14:xfrm>
+            </p:contentPart>
+          </mc:Choice>
+          <mc:Fallback>
+            <p:pic>
+              <p:nvPicPr>
+                <p:cNvPr id="15" name="Ink 14">
+                  <a:extLst>
+                    <a:ext uri="{FF2B5EF4-FFF2-40B4-BE49-F238E27FC236}">
+                      <a16:creationId xmlns:a16="http://schemas.microsoft.com/office/drawing/2014/main" id="{77D9D8BD-60B2-49A3-A595-70ED12D78477}"/>
+                    </a:ext>
+                  </a:extLst>
+                </p:cNvPr>
+                <p:cNvPicPr/>
+                <p:nvPr/>
+              </p:nvPicPr>
+              <p:blipFill>
+                <a:blip r:embed="rId25"/>
+                <a:stretch>
+                  <a:fillRect/>
+                </a:stretch>
+              </p:blipFill>
+              <p:spPr>
+                <a:xfrm>
+                  <a:off x="3262969" y="2797819"/>
+                  <a:ext cx="124560" cy="39240"/>
+                </a:xfrm>
+                <a:prstGeom prst="rect">
+                  <a:avLst/>
+                </a:prstGeom>
+              </p:spPr>
+            </p:pic>
+          </mc:Fallback>
+        </mc:AlternateContent>
+        <mc:AlternateContent xmlns:mc="http://schemas.openxmlformats.org/markup-compatibility/2006">
+          <mc:Choice xmlns:p14="http://schemas.microsoft.com/office/powerpoint/2010/main" Requires="p14">
+            <p:contentPart p14:bwMode="auto" r:id="rId26">
+              <p14:nvContentPartPr>
+                <p14:cNvPr id="16" name="Ink 15">
+                  <a:extLst>
+                    <a:ext uri="{FF2B5EF4-FFF2-40B4-BE49-F238E27FC236}">
+                      <a16:creationId xmlns:a16="http://schemas.microsoft.com/office/drawing/2014/main" id="{63976281-38EF-4568-9862-F1495676A55A}"/>
+                    </a:ext>
+                  </a:extLst>
+                </p14:cNvPr>
+                <p14:cNvContentPartPr/>
+                <p14:nvPr/>
+              </p14:nvContentPartPr>
+              <p14:xfrm>
+                <a:off x="3418489" y="2744539"/>
+                <a:ext cx="162720" cy="158040"/>
+              </p14:xfrm>
+            </p:contentPart>
+          </mc:Choice>
+          <mc:Fallback>
+            <p:pic>
+              <p:nvPicPr>
+                <p:cNvPr id="16" name="Ink 15">
+                  <a:extLst>
+                    <a:ext uri="{FF2B5EF4-FFF2-40B4-BE49-F238E27FC236}">
+                      <a16:creationId xmlns:a16="http://schemas.microsoft.com/office/drawing/2014/main" id="{63976281-38EF-4568-9862-F1495676A55A}"/>
+                    </a:ext>
+                  </a:extLst>
+                </p:cNvPr>
+                <p:cNvPicPr/>
+                <p:nvPr/>
+              </p:nvPicPr>
+              <p:blipFill>
+                <a:blip r:embed="rId27"/>
+                <a:stretch>
+                  <a:fillRect/>
+                </a:stretch>
+              </p:blipFill>
+              <p:spPr>
+                <a:xfrm>
+                  <a:off x="3409849" y="2735539"/>
+                  <a:ext cx="180360" cy="175680"/>
+                </a:xfrm>
+                <a:prstGeom prst="rect">
+                  <a:avLst/>
+                </a:prstGeom>
+              </p:spPr>
+            </p:pic>
+          </mc:Fallback>
+        </mc:AlternateContent>
+        <mc:AlternateContent xmlns:mc="http://schemas.openxmlformats.org/markup-compatibility/2006">
+          <mc:Choice xmlns:p14="http://schemas.microsoft.com/office/powerpoint/2010/main" Requires="p14">
+            <p:contentPart p14:bwMode="auto" r:id="rId28">
+              <p14:nvContentPartPr>
+                <p14:cNvPr id="17" name="Ink 16">
+                  <a:extLst>
+                    <a:ext uri="{FF2B5EF4-FFF2-40B4-BE49-F238E27FC236}">
+                      <a16:creationId xmlns:a16="http://schemas.microsoft.com/office/drawing/2014/main" id="{3003C7AD-F205-4337-B28E-10DD6C27FFF3}"/>
+                    </a:ext>
+                  </a:extLst>
+                </p14:cNvPr>
+                <p14:cNvContentPartPr/>
+                <p14:nvPr/>
+              </p14:nvContentPartPr>
+              <p14:xfrm>
+                <a:off x="3615769" y="2745259"/>
+                <a:ext cx="115920" cy="148320"/>
+              </p14:xfrm>
+            </p:contentPart>
+          </mc:Choice>
+          <mc:Fallback>
+            <p:pic>
+              <p:nvPicPr>
+                <p:cNvPr id="17" name="Ink 16">
+                  <a:extLst>
+                    <a:ext uri="{FF2B5EF4-FFF2-40B4-BE49-F238E27FC236}">
+                      <a16:creationId xmlns:a16="http://schemas.microsoft.com/office/drawing/2014/main" id="{3003C7AD-F205-4337-B28E-10DD6C27FFF3}"/>
+                    </a:ext>
+                  </a:extLst>
+                </p:cNvPr>
+                <p:cNvPicPr/>
+                <p:nvPr/>
+              </p:nvPicPr>
+              <p:blipFill>
+                <a:blip r:embed="rId29"/>
+                <a:stretch>
+                  <a:fillRect/>
+                </a:stretch>
+              </p:blipFill>
+              <p:spPr>
+                <a:xfrm>
+                  <a:off x="3606769" y="2736619"/>
+                  <a:ext cx="133560" cy="165960"/>
+                </a:xfrm>
+                <a:prstGeom prst="rect">
+                  <a:avLst/>
+                </a:prstGeom>
+              </p:spPr>
+            </p:pic>
+          </mc:Fallback>
+        </mc:AlternateContent>
+        <mc:AlternateContent xmlns:mc="http://schemas.openxmlformats.org/markup-compatibility/2006">
+          <mc:Choice xmlns:p14="http://schemas.microsoft.com/office/powerpoint/2010/main" Requires="p14">
+            <p:contentPart p14:bwMode="auto" r:id="rId30">
+              <p14:nvContentPartPr>
+                <p14:cNvPr id="18" name="Ink 17">
+                  <a:extLst>
+                    <a:ext uri="{FF2B5EF4-FFF2-40B4-BE49-F238E27FC236}">
+                      <a16:creationId xmlns:a16="http://schemas.microsoft.com/office/drawing/2014/main" id="{E9BBC4E3-F0A8-485E-BC01-6C8D3DDDE449}"/>
+                    </a:ext>
+                  </a:extLst>
+                </p14:cNvPr>
+                <p14:cNvContentPartPr/>
+                <p14:nvPr/>
+              </p14:nvContentPartPr>
+              <p14:xfrm>
+                <a:off x="3755089" y="2811859"/>
+                <a:ext cx="106920" cy="90720"/>
+              </p14:xfrm>
+            </p:contentPart>
+          </mc:Choice>
+          <mc:Fallback>
+            <p:pic>
+              <p:nvPicPr>
+                <p:cNvPr id="18" name="Ink 17">
+                  <a:extLst>
+                    <a:ext uri="{FF2B5EF4-FFF2-40B4-BE49-F238E27FC236}">
+                      <a16:creationId xmlns:a16="http://schemas.microsoft.com/office/drawing/2014/main" id="{E9BBC4E3-F0A8-485E-BC01-6C8D3DDDE449}"/>
+                    </a:ext>
+                  </a:extLst>
+                </p:cNvPr>
+                <p:cNvPicPr/>
+                <p:nvPr/>
+              </p:nvPicPr>
+              <p:blipFill>
+                <a:blip r:embed="rId31"/>
+                <a:stretch>
+                  <a:fillRect/>
+                </a:stretch>
+              </p:blipFill>
+              <p:spPr>
+                <a:xfrm>
+                  <a:off x="3746449" y="2802859"/>
+                  <a:ext cx="124560" cy="108360"/>
+                </a:xfrm>
+                <a:prstGeom prst="rect">
+                  <a:avLst/>
+                </a:prstGeom>
+              </p:spPr>
+            </p:pic>
+          </mc:Fallback>
+        </mc:AlternateContent>
+        <mc:AlternateContent xmlns:mc="http://schemas.openxmlformats.org/markup-compatibility/2006">
+          <mc:Choice xmlns:p14="http://schemas.microsoft.com/office/powerpoint/2010/main" Requires="p14">
+            <p:contentPart p14:bwMode="auto" r:id="rId32">
+              <p14:nvContentPartPr>
+                <p14:cNvPr id="19" name="Ink 18">
+                  <a:extLst>
+                    <a:ext uri="{FF2B5EF4-FFF2-40B4-BE49-F238E27FC236}">
+                      <a16:creationId xmlns:a16="http://schemas.microsoft.com/office/drawing/2014/main" id="{8429265B-DC0D-41B9-BA48-20A98C68834F}"/>
+                    </a:ext>
+                  </a:extLst>
+                </p14:cNvPr>
+                <p14:cNvContentPartPr/>
+                <p14:nvPr/>
+              </p14:nvContentPartPr>
+              <p14:xfrm>
+                <a:off x="3914569" y="2802859"/>
+                <a:ext cx="96480" cy="162000"/>
+              </p14:xfrm>
+            </p:contentPart>
+          </mc:Choice>
+          <mc:Fallback>
+            <p:pic>
+              <p:nvPicPr>
+                <p:cNvPr id="19" name="Ink 18">
+                  <a:extLst>
+                    <a:ext uri="{FF2B5EF4-FFF2-40B4-BE49-F238E27FC236}">
+                      <a16:creationId xmlns:a16="http://schemas.microsoft.com/office/drawing/2014/main" id="{8429265B-DC0D-41B9-BA48-20A98C68834F}"/>
+                    </a:ext>
+                  </a:extLst>
+                </p:cNvPr>
+                <p:cNvPicPr/>
+                <p:nvPr/>
+              </p:nvPicPr>
+              <p:blipFill>
+                <a:blip r:embed="rId33"/>
+                <a:stretch>
+                  <a:fillRect/>
+                </a:stretch>
+              </p:blipFill>
+              <p:spPr>
+                <a:xfrm>
+                  <a:off x="3905929" y="2793859"/>
+                  <a:ext cx="114120" cy="179640"/>
+                </a:xfrm>
+                <a:prstGeom prst="rect">
+                  <a:avLst/>
+                </a:prstGeom>
+              </p:spPr>
+            </p:pic>
+          </mc:Fallback>
+        </mc:AlternateContent>
+      </p:grpSp>
+      <mc:AlternateContent xmlns:mc="http://schemas.openxmlformats.org/markup-compatibility/2006">
+        <mc:Choice xmlns:p14="http://schemas.microsoft.com/office/powerpoint/2010/main" Requires="p14">
+          <p:contentPart p14:bwMode="auto" r:id="rId34">
+            <p14:nvContentPartPr>
+              <p14:cNvPr id="21" name="Ink 20">
+                <a:extLst>
+                  <a:ext uri="{FF2B5EF4-FFF2-40B4-BE49-F238E27FC236}">
+                    <a16:creationId xmlns:a16="http://schemas.microsoft.com/office/drawing/2014/main" id="{07C027CA-B582-417F-86C1-F2EA2651833A}"/>
+                  </a:ext>
+                </a:extLst>
+              </p14:cNvPr>
+              <p14:cNvContentPartPr/>
+              <p14:nvPr/>
+            </p14:nvContentPartPr>
+            <p14:xfrm>
+              <a:off x="2807209" y="1107979"/>
+              <a:ext cx="110160" cy="276120"/>
+            </p14:xfrm>
+          </p:contentPart>
+        </mc:Choice>
+        <mc:Fallback>
+          <p:pic>
+            <p:nvPicPr>
+              <p:cNvPr id="21" name="Ink 20">
+                <a:extLst>
+                  <a:ext uri="{FF2B5EF4-FFF2-40B4-BE49-F238E27FC236}">
+                    <a16:creationId xmlns:a16="http://schemas.microsoft.com/office/drawing/2014/main" id="{07C027CA-B582-417F-86C1-F2EA2651833A}"/>
+                  </a:ext>
+                </a:extLst>
+              </p:cNvPr>
+              <p:cNvPicPr/>
+              <p:nvPr/>
+            </p:nvPicPr>
+            <p:blipFill>
+              <a:blip r:embed="rId35"/>
+              <a:stretch>
+                <a:fillRect/>
+              </a:stretch>
+            </p:blipFill>
+            <p:spPr>
+              <a:xfrm>
+                <a:off x="2798569" y="1099339"/>
+                <a:ext cx="127800" cy="293760"/>
+              </a:xfrm>
+              <a:prstGeom prst="rect">
+                <a:avLst/>
+              </a:prstGeom>
+            </p:spPr>
+          </p:pic>
+        </mc:Fallback>
+      </mc:AlternateContent>
+      <mc:AlternateContent xmlns:mc="http://schemas.openxmlformats.org/markup-compatibility/2006">
+        <mc:Choice xmlns:p14="http://schemas.microsoft.com/office/powerpoint/2010/main" Requires="p14">
+          <p:contentPart p14:bwMode="auto" r:id="rId36">
+            <p14:nvContentPartPr>
+              <p14:cNvPr id="22" name="Ink 21">
+                <a:extLst>
+                  <a:ext uri="{FF2B5EF4-FFF2-40B4-BE49-F238E27FC236}">
+                    <a16:creationId xmlns:a16="http://schemas.microsoft.com/office/drawing/2014/main" id="{89C8FFF6-6119-40A0-ABF9-C56D48F4734E}"/>
+                  </a:ext>
+                </a:extLst>
+              </p14:cNvPr>
+              <p14:cNvContentPartPr/>
+              <p14:nvPr/>
+            </p14:nvContentPartPr>
+            <p14:xfrm>
+              <a:off x="872929" y="2129659"/>
+              <a:ext cx="407520" cy="30240"/>
+            </p14:xfrm>
+          </p:contentPart>
+        </mc:Choice>
+        <mc:Fallback>
+          <p:pic>
+            <p:nvPicPr>
+              <p:cNvPr id="22" name="Ink 21">
+                <a:extLst>
+                  <a:ext uri="{FF2B5EF4-FFF2-40B4-BE49-F238E27FC236}">
+                    <a16:creationId xmlns:a16="http://schemas.microsoft.com/office/drawing/2014/main" id="{89C8FFF6-6119-40A0-ABF9-C56D48F4734E}"/>
+                  </a:ext>
+                </a:extLst>
+              </p:cNvPr>
+              <p:cNvPicPr/>
+              <p:nvPr/>
+            </p:nvPicPr>
+            <p:blipFill>
+              <a:blip r:embed="rId37"/>
+              <a:stretch>
+                <a:fillRect/>
+              </a:stretch>
+            </p:blipFill>
+            <p:spPr>
+              <a:xfrm>
+                <a:off x="864289" y="2120659"/>
+                <a:ext cx="425160" cy="47880"/>
+              </a:xfrm>
+              <a:prstGeom prst="rect">
+                <a:avLst/>
+              </a:prstGeom>
+            </p:spPr>
+          </p:pic>
+        </mc:Fallback>
+      </mc:AlternateContent>
+      <mc:AlternateContent xmlns:mc="http://schemas.openxmlformats.org/markup-compatibility/2006">
+        <mc:Choice xmlns:p14="http://schemas.microsoft.com/office/powerpoint/2010/main" Requires="p14">
+          <p:contentPart p14:bwMode="auto" r:id="rId38">
+            <p14:nvContentPartPr>
+              <p14:cNvPr id="23" name="Ink 22">
+                <a:extLst>
+                  <a:ext uri="{FF2B5EF4-FFF2-40B4-BE49-F238E27FC236}">
+                    <a16:creationId xmlns:a16="http://schemas.microsoft.com/office/drawing/2014/main" id="{044DE205-75AE-46F0-8711-73CC54465863}"/>
+                  </a:ext>
+                </a:extLst>
+              </p14:cNvPr>
+              <p14:cNvContentPartPr/>
+              <p14:nvPr/>
+            </p14:nvContentPartPr>
+            <p14:xfrm>
+              <a:off x="2352169" y="2543659"/>
+              <a:ext cx="656280" cy="25200"/>
+            </p14:xfrm>
+          </p:contentPart>
+        </mc:Choice>
+        <mc:Fallback>
+          <p:pic>
+            <p:nvPicPr>
+              <p:cNvPr id="23" name="Ink 22">
+                <a:extLst>
+                  <a:ext uri="{FF2B5EF4-FFF2-40B4-BE49-F238E27FC236}">
+                    <a16:creationId xmlns:a16="http://schemas.microsoft.com/office/drawing/2014/main" id="{044DE205-75AE-46F0-8711-73CC54465863}"/>
+                  </a:ext>
+                </a:extLst>
+              </p:cNvPr>
+              <p:cNvPicPr/>
+              <p:nvPr/>
+            </p:nvPicPr>
+            <p:blipFill>
+              <a:blip r:embed="rId39"/>
+              <a:stretch>
+                <a:fillRect/>
+              </a:stretch>
+            </p:blipFill>
+            <p:spPr>
+              <a:xfrm>
+                <a:off x="2343529" y="2535019"/>
+                <a:ext cx="673920" cy="42840"/>
+              </a:xfrm>
+              <a:prstGeom prst="rect">
+                <a:avLst/>
+              </a:prstGeom>
+            </p:spPr>
+          </p:pic>
+        </mc:Fallback>
+      </mc:AlternateContent>
+      <mc:AlternateContent xmlns:mc="http://schemas.openxmlformats.org/markup-compatibility/2006">
+        <mc:Choice xmlns:p14="http://schemas.microsoft.com/office/powerpoint/2010/main" Requires="p14">
+          <p:contentPart p14:bwMode="auto" r:id="rId40">
+            <p14:nvContentPartPr>
+              <p14:cNvPr id="24" name="Ink 23">
+                <a:extLst>
+                  <a:ext uri="{FF2B5EF4-FFF2-40B4-BE49-F238E27FC236}">
+                    <a16:creationId xmlns:a16="http://schemas.microsoft.com/office/drawing/2014/main" id="{2282BA89-08FE-4097-A5EC-2584A841691C}"/>
+                  </a:ext>
+                </a:extLst>
+              </p14:cNvPr>
+              <p14:cNvContentPartPr/>
+              <p14:nvPr/>
+            </p14:nvContentPartPr>
+            <p14:xfrm>
+              <a:off x="342649" y="2804299"/>
+              <a:ext cx="272520" cy="110880"/>
+            </p14:xfrm>
+          </p:contentPart>
+        </mc:Choice>
+        <mc:Fallback>
+          <p:pic>
+            <p:nvPicPr>
+              <p:cNvPr id="24" name="Ink 23">
+                <a:extLst>
+                  <a:ext uri="{FF2B5EF4-FFF2-40B4-BE49-F238E27FC236}">
+                    <a16:creationId xmlns:a16="http://schemas.microsoft.com/office/drawing/2014/main" id="{2282BA89-08FE-4097-A5EC-2584A841691C}"/>
+                  </a:ext>
+                </a:extLst>
+              </p:cNvPr>
+              <p:cNvPicPr/>
+              <p:nvPr/>
+            </p:nvPicPr>
+            <p:blipFill>
+              <a:blip r:embed="rId41"/>
+              <a:stretch>
+                <a:fillRect/>
+              </a:stretch>
+            </p:blipFill>
+            <p:spPr>
+              <a:xfrm>
+                <a:off x="334009" y="2795299"/>
+                <a:ext cx="290160" cy="128520"/>
+              </a:xfrm>
+              <a:prstGeom prst="rect">
+                <a:avLst/>
+              </a:prstGeom>
+            </p:spPr>
+          </p:pic>
+        </mc:Fallback>
+      </mc:AlternateContent>
+      <mc:AlternateContent xmlns:mc="http://schemas.openxmlformats.org/markup-compatibility/2006">
+        <mc:Choice xmlns:p14="http://schemas.microsoft.com/office/powerpoint/2010/main" Requires="p14">
+          <p:contentPart p14:bwMode="auto" r:id="rId42">
+            <p14:nvContentPartPr>
+              <p14:cNvPr id="25" name="Ink 24">
+                <a:extLst>
+                  <a:ext uri="{FF2B5EF4-FFF2-40B4-BE49-F238E27FC236}">
+                    <a16:creationId xmlns:a16="http://schemas.microsoft.com/office/drawing/2014/main" id="{2E432A3B-FC30-4EFD-9FBE-DE197FD4BDBD}"/>
+                  </a:ext>
+                </a:extLst>
+              </p14:cNvPr>
+              <p14:cNvContentPartPr/>
+              <p14:nvPr/>
+            </p14:nvContentPartPr>
+            <p14:xfrm>
+              <a:off x="3082249" y="3329179"/>
+              <a:ext cx="749880" cy="42120"/>
+            </p14:xfrm>
+          </p:contentPart>
+        </mc:Choice>
+        <mc:Fallback>
+          <p:pic>
+            <p:nvPicPr>
+              <p:cNvPr id="25" name="Ink 24">
+                <a:extLst>
+                  <a:ext uri="{FF2B5EF4-FFF2-40B4-BE49-F238E27FC236}">
+                    <a16:creationId xmlns:a16="http://schemas.microsoft.com/office/drawing/2014/main" id="{2E432A3B-FC30-4EFD-9FBE-DE197FD4BDBD}"/>
+                  </a:ext>
+                </a:extLst>
+              </p:cNvPr>
+              <p:cNvPicPr/>
+              <p:nvPr/>
+            </p:nvPicPr>
+            <p:blipFill>
+              <a:blip r:embed="rId43"/>
+              <a:stretch>
+                <a:fillRect/>
+              </a:stretch>
+            </p:blipFill>
+            <p:spPr>
+              <a:xfrm>
+                <a:off x="3073249" y="3320539"/>
+                <a:ext cx="767520" cy="59760"/>
+              </a:xfrm>
+              <a:prstGeom prst="rect">
+                <a:avLst/>
+              </a:prstGeom>
+            </p:spPr>
+          </p:pic>
+        </mc:Fallback>
+      </mc:AlternateContent>
+      <mc:AlternateContent xmlns:mc="http://schemas.openxmlformats.org/markup-compatibility/2006">
+        <mc:Choice xmlns:p14="http://schemas.microsoft.com/office/powerpoint/2010/main" Requires="p14">
+          <p:contentPart p14:bwMode="auto" r:id="rId44">
+            <p14:nvContentPartPr>
+              <p14:cNvPr id="26" name="Ink 25">
+                <a:extLst>
+                  <a:ext uri="{FF2B5EF4-FFF2-40B4-BE49-F238E27FC236}">
+                    <a16:creationId xmlns:a16="http://schemas.microsoft.com/office/drawing/2014/main" id="{0A812AE1-E7E7-4C7B-BBFC-69A5CB839230}"/>
+                  </a:ext>
+                </a:extLst>
+              </p14:cNvPr>
+              <p14:cNvContentPartPr/>
+              <p14:nvPr/>
+            </p14:nvContentPartPr>
+            <p14:xfrm>
+              <a:off x="4953529" y="3331339"/>
+              <a:ext cx="935280" cy="55800"/>
+            </p14:xfrm>
+          </p:contentPart>
+        </mc:Choice>
+        <mc:Fallback>
+          <p:pic>
+            <p:nvPicPr>
+              <p:cNvPr id="26" name="Ink 25">
+                <a:extLst>
+                  <a:ext uri="{FF2B5EF4-FFF2-40B4-BE49-F238E27FC236}">
+                    <a16:creationId xmlns:a16="http://schemas.microsoft.com/office/drawing/2014/main" id="{0A812AE1-E7E7-4C7B-BBFC-69A5CB839230}"/>
+                  </a:ext>
+                </a:extLst>
+              </p:cNvPr>
+              <p:cNvPicPr/>
+              <p:nvPr/>
+            </p:nvPicPr>
+            <p:blipFill>
+              <a:blip r:embed="rId45"/>
+              <a:stretch>
+                <a:fillRect/>
+              </a:stretch>
+            </p:blipFill>
+            <p:spPr>
+              <a:xfrm>
+                <a:off x="4944889" y="3322699"/>
+                <a:ext cx="952920" cy="73440"/>
+              </a:xfrm>
+              <a:prstGeom prst="rect">
+                <a:avLst/>
+              </a:prstGeom>
+            </p:spPr>
+          </p:pic>
+        </mc:Fallback>
+      </mc:AlternateContent>
+      <mc:AlternateContent xmlns:mc="http://schemas.openxmlformats.org/markup-compatibility/2006">
+        <mc:Choice xmlns:p14="http://schemas.microsoft.com/office/powerpoint/2010/main" Requires="p14">
+          <p:contentPart p14:bwMode="auto" r:id="rId46">
+            <p14:nvContentPartPr>
+              <p14:cNvPr id="27" name="Ink 26">
+                <a:extLst>
+                  <a:ext uri="{FF2B5EF4-FFF2-40B4-BE49-F238E27FC236}">
+                    <a16:creationId xmlns:a16="http://schemas.microsoft.com/office/drawing/2014/main" id="{EE34F640-D828-4925-BBBE-9082ABA1BEB8}"/>
+                  </a:ext>
+                </a:extLst>
+              </p14:cNvPr>
+              <p14:cNvContentPartPr/>
+              <p14:nvPr/>
+            </p14:nvContentPartPr>
+            <p14:xfrm>
+              <a:off x="2117449" y="3671179"/>
+              <a:ext cx="736200" cy="75600"/>
+            </p14:xfrm>
+          </p:contentPart>
+        </mc:Choice>
+        <mc:Fallback>
+          <p:pic>
+            <p:nvPicPr>
+              <p:cNvPr id="27" name="Ink 26">
+                <a:extLst>
+                  <a:ext uri="{FF2B5EF4-FFF2-40B4-BE49-F238E27FC236}">
+                    <a16:creationId xmlns:a16="http://schemas.microsoft.com/office/drawing/2014/main" id="{EE34F640-D828-4925-BBBE-9082ABA1BEB8}"/>
+                  </a:ext>
+                </a:extLst>
+              </p:cNvPr>
+              <p:cNvPicPr/>
+              <p:nvPr/>
+            </p:nvPicPr>
+            <p:blipFill>
+              <a:blip r:embed="rId47"/>
+              <a:stretch>
+                <a:fillRect/>
+              </a:stretch>
+            </p:blipFill>
+            <p:spPr>
+              <a:xfrm>
+                <a:off x="2108809" y="3662179"/>
+                <a:ext cx="753840" cy="93240"/>
+              </a:xfrm>
+              <a:prstGeom prst="rect">
+                <a:avLst/>
+              </a:prstGeom>
+            </p:spPr>
+          </p:pic>
+        </mc:Fallback>
+      </mc:AlternateContent>
+      <p:grpSp>
+        <p:nvGrpSpPr>
+          <p:cNvPr id="61" name="Group 60">
+            <a:extLst>
+              <a:ext uri="{FF2B5EF4-FFF2-40B4-BE49-F238E27FC236}">
+                <a16:creationId xmlns:a16="http://schemas.microsoft.com/office/drawing/2014/main" id="{EDE4D385-D064-4DE6-B5B4-3119B2860E4B}"/>
+              </a:ext>
+            </a:extLst>
+          </p:cNvPr>
+          <p:cNvGrpSpPr/>
+          <p:nvPr/>
+        </p:nvGrpSpPr>
+        <p:grpSpPr>
+          <a:xfrm>
+            <a:off x="3077209" y="3468859"/>
+            <a:ext cx="3417120" cy="659160"/>
+            <a:chOff x="3077209" y="3468859"/>
+            <a:chExt cx="3417120" cy="659160"/>
+          </a:xfrm>
+        </p:grpSpPr>
+        <mc:AlternateContent xmlns:mc="http://schemas.openxmlformats.org/markup-compatibility/2006">
+          <mc:Choice xmlns:p14="http://schemas.microsoft.com/office/powerpoint/2010/main" Requires="p14">
+            <p:contentPart p14:bwMode="auto" r:id="rId48">
+              <p14:nvContentPartPr>
+                <p14:cNvPr id="28" name="Ink 27">
+                  <a:extLst>
+                    <a:ext uri="{FF2B5EF4-FFF2-40B4-BE49-F238E27FC236}">
+                      <a16:creationId xmlns:a16="http://schemas.microsoft.com/office/drawing/2014/main" id="{10641400-A315-4B82-BA10-299D8D61A635}"/>
+                    </a:ext>
+                  </a:extLst>
+                </p14:cNvPr>
+                <p14:cNvContentPartPr/>
+                <p14:nvPr/>
+              </p14:nvContentPartPr>
+              <p14:xfrm>
+                <a:off x="3077209" y="3548419"/>
+                <a:ext cx="234000" cy="88200"/>
+              </p14:xfrm>
+            </p:contentPart>
+          </mc:Choice>
+          <mc:Fallback>
+            <p:pic>
+              <p:nvPicPr>
+                <p:cNvPr id="28" name="Ink 27">
+                  <a:extLst>
+                    <a:ext uri="{FF2B5EF4-FFF2-40B4-BE49-F238E27FC236}">
+                      <a16:creationId xmlns:a16="http://schemas.microsoft.com/office/drawing/2014/main" id="{10641400-A315-4B82-BA10-299D8D61A635}"/>
+                    </a:ext>
+                  </a:extLst>
+                </p:cNvPr>
+                <p:cNvPicPr/>
+                <p:nvPr/>
+              </p:nvPicPr>
+              <p:blipFill>
+                <a:blip r:embed="rId49"/>
+                <a:stretch>
+                  <a:fillRect/>
+                </a:stretch>
+              </p:blipFill>
+              <p:spPr>
+                <a:xfrm>
+                  <a:off x="3068209" y="3539779"/>
+                  <a:ext cx="251640" cy="105840"/>
+                </a:xfrm>
+                <a:prstGeom prst="rect">
+                  <a:avLst/>
+                </a:prstGeom>
+              </p:spPr>
+            </p:pic>
+          </mc:Fallback>
+        </mc:AlternateContent>
+        <mc:AlternateContent xmlns:mc="http://schemas.openxmlformats.org/markup-compatibility/2006">
+          <mc:Choice xmlns:p14="http://schemas.microsoft.com/office/powerpoint/2010/main" Requires="p14">
+            <p:contentPart p14:bwMode="auto" r:id="rId50">
+              <p14:nvContentPartPr>
+                <p14:cNvPr id="29" name="Ink 28">
+                  <a:extLst>
+                    <a:ext uri="{FF2B5EF4-FFF2-40B4-BE49-F238E27FC236}">
+                      <a16:creationId xmlns:a16="http://schemas.microsoft.com/office/drawing/2014/main" id="{A29AE587-6707-43F2-8FDE-7B86FDF93C1F}"/>
+                    </a:ext>
+                  </a:extLst>
+                </p14:cNvPr>
+                <p14:cNvContentPartPr/>
+                <p14:nvPr/>
+              </p14:nvContentPartPr>
+              <p14:xfrm>
+                <a:off x="3401209" y="3533659"/>
+                <a:ext cx="87840" cy="90720"/>
+              </p14:xfrm>
+            </p:contentPart>
+          </mc:Choice>
+          <mc:Fallback>
+            <p:pic>
+              <p:nvPicPr>
+                <p:cNvPr id="29" name="Ink 28">
+                  <a:extLst>
+                    <a:ext uri="{FF2B5EF4-FFF2-40B4-BE49-F238E27FC236}">
+                      <a16:creationId xmlns:a16="http://schemas.microsoft.com/office/drawing/2014/main" id="{A29AE587-6707-43F2-8FDE-7B86FDF93C1F}"/>
+                    </a:ext>
+                  </a:extLst>
+                </p:cNvPr>
+                <p:cNvPicPr/>
+                <p:nvPr/>
+              </p:nvPicPr>
+              <p:blipFill>
+                <a:blip r:embed="rId51"/>
+                <a:stretch>
+                  <a:fillRect/>
+                </a:stretch>
+              </p:blipFill>
+              <p:spPr>
+                <a:xfrm>
+                  <a:off x="3392569" y="3525019"/>
+                  <a:ext cx="105480" cy="108360"/>
+                </a:xfrm>
+                <a:prstGeom prst="rect">
+                  <a:avLst/>
+                </a:prstGeom>
+              </p:spPr>
+            </p:pic>
+          </mc:Fallback>
+        </mc:AlternateContent>
+        <mc:AlternateContent xmlns:mc="http://schemas.openxmlformats.org/markup-compatibility/2006">
+          <mc:Choice xmlns:p14="http://schemas.microsoft.com/office/powerpoint/2010/main" Requires="p14">
+            <p:contentPart p14:bwMode="auto" r:id="rId52">
+              <p14:nvContentPartPr>
+                <p14:cNvPr id="30" name="Ink 29">
+                  <a:extLst>
+                    <a:ext uri="{FF2B5EF4-FFF2-40B4-BE49-F238E27FC236}">
+                      <a16:creationId xmlns:a16="http://schemas.microsoft.com/office/drawing/2014/main" id="{C7C541ED-9CED-41B0-9DF7-C26F6B9E9F16}"/>
+                    </a:ext>
+                  </a:extLst>
+                </p14:cNvPr>
+                <p14:cNvContentPartPr/>
+                <p14:nvPr/>
+              </p14:nvContentPartPr>
+              <p14:xfrm>
+                <a:off x="3536929" y="3474259"/>
+                <a:ext cx="23040" cy="165240"/>
+              </p14:xfrm>
+            </p:contentPart>
+          </mc:Choice>
+          <mc:Fallback>
+            <p:pic>
+              <p:nvPicPr>
+                <p:cNvPr id="30" name="Ink 29">
+                  <a:extLst>
+                    <a:ext uri="{FF2B5EF4-FFF2-40B4-BE49-F238E27FC236}">
+                      <a16:creationId xmlns:a16="http://schemas.microsoft.com/office/drawing/2014/main" id="{C7C541ED-9CED-41B0-9DF7-C26F6B9E9F16}"/>
+                    </a:ext>
+                  </a:extLst>
+                </p:cNvPr>
+                <p:cNvPicPr/>
+                <p:nvPr/>
+              </p:nvPicPr>
+              <p:blipFill>
+                <a:blip r:embed="rId53"/>
+                <a:stretch>
+                  <a:fillRect/>
+                </a:stretch>
+              </p:blipFill>
+              <p:spPr>
+                <a:xfrm>
+                  <a:off x="3528289" y="3465259"/>
+                  <a:ext cx="40680" cy="182880"/>
+                </a:xfrm>
+                <a:prstGeom prst="rect">
+                  <a:avLst/>
+                </a:prstGeom>
+              </p:spPr>
+            </p:pic>
+          </mc:Fallback>
+        </mc:AlternateContent>
+        <mc:AlternateContent xmlns:mc="http://schemas.openxmlformats.org/markup-compatibility/2006">
+          <mc:Choice xmlns:p14="http://schemas.microsoft.com/office/powerpoint/2010/main" Requires="p14">
+            <p:contentPart p14:bwMode="auto" r:id="rId54">
+              <p14:nvContentPartPr>
+                <p14:cNvPr id="31" name="Ink 30">
+                  <a:extLst>
+                    <a:ext uri="{FF2B5EF4-FFF2-40B4-BE49-F238E27FC236}">
+                      <a16:creationId xmlns:a16="http://schemas.microsoft.com/office/drawing/2014/main" id="{780DF6B8-9CB0-4A50-9B1D-DCA57BE9A32D}"/>
+                    </a:ext>
+                  </a:extLst>
+                </p14:cNvPr>
+                <p14:cNvContentPartPr/>
+                <p14:nvPr/>
+              </p14:nvContentPartPr>
+              <p14:xfrm>
+                <a:off x="3606049" y="3496579"/>
+                <a:ext cx="222480" cy="132480"/>
+              </p14:xfrm>
+            </p:contentPart>
+          </mc:Choice>
+          <mc:Fallback>
+            <p:pic>
+              <p:nvPicPr>
+                <p:cNvPr id="31" name="Ink 30">
+                  <a:extLst>
+                    <a:ext uri="{FF2B5EF4-FFF2-40B4-BE49-F238E27FC236}">
+                      <a16:creationId xmlns:a16="http://schemas.microsoft.com/office/drawing/2014/main" id="{780DF6B8-9CB0-4A50-9B1D-DCA57BE9A32D}"/>
+                    </a:ext>
+                  </a:extLst>
+                </p:cNvPr>
+                <p:cNvPicPr/>
+                <p:nvPr/>
+              </p:nvPicPr>
+              <p:blipFill>
+                <a:blip r:embed="rId55"/>
+                <a:stretch>
+                  <a:fillRect/>
+                </a:stretch>
+              </p:blipFill>
+              <p:spPr>
+                <a:xfrm>
+                  <a:off x="3597409" y="3487939"/>
+                  <a:ext cx="240120" cy="150120"/>
+                </a:xfrm>
+                <a:prstGeom prst="rect">
+                  <a:avLst/>
+                </a:prstGeom>
+              </p:spPr>
+            </p:pic>
+          </mc:Fallback>
+        </mc:AlternateContent>
+        <mc:AlternateContent xmlns:mc="http://schemas.openxmlformats.org/markup-compatibility/2006">
+          <mc:Choice xmlns:p14="http://schemas.microsoft.com/office/powerpoint/2010/main" Requires="p14">
+            <p:contentPart p14:bwMode="auto" r:id="rId56">
+              <p14:nvContentPartPr>
+                <p14:cNvPr id="32" name="Ink 31">
+                  <a:extLst>
+                    <a:ext uri="{FF2B5EF4-FFF2-40B4-BE49-F238E27FC236}">
+                      <a16:creationId xmlns:a16="http://schemas.microsoft.com/office/drawing/2014/main" id="{89031BC9-8D8C-4D4E-B506-42E1BE5610D6}"/>
+                    </a:ext>
+                  </a:extLst>
+                </p14:cNvPr>
+                <p14:cNvContentPartPr/>
+                <p14:nvPr/>
+              </p14:nvContentPartPr>
+              <p14:xfrm>
+                <a:off x="3809089" y="3573619"/>
+                <a:ext cx="100440" cy="65880"/>
+              </p14:xfrm>
+            </p:contentPart>
+          </mc:Choice>
+          <mc:Fallback>
+            <p:pic>
+              <p:nvPicPr>
+                <p:cNvPr id="32" name="Ink 31">
+                  <a:extLst>
+                    <a:ext uri="{FF2B5EF4-FFF2-40B4-BE49-F238E27FC236}">
+                      <a16:creationId xmlns:a16="http://schemas.microsoft.com/office/drawing/2014/main" id="{89031BC9-8D8C-4D4E-B506-42E1BE5610D6}"/>
+                    </a:ext>
+                  </a:extLst>
+                </p:cNvPr>
+                <p:cNvPicPr/>
+                <p:nvPr/>
+              </p:nvPicPr>
+              <p:blipFill>
+                <a:blip r:embed="rId57"/>
+                <a:stretch>
+                  <a:fillRect/>
+                </a:stretch>
+              </p:blipFill>
+              <p:spPr>
+                <a:xfrm>
+                  <a:off x="3800449" y="3564619"/>
+                  <a:ext cx="118080" cy="83520"/>
+                </a:xfrm>
+                <a:prstGeom prst="rect">
+                  <a:avLst/>
+                </a:prstGeom>
+              </p:spPr>
+            </p:pic>
+          </mc:Fallback>
+        </mc:AlternateContent>
+        <mc:AlternateContent xmlns:mc="http://schemas.openxmlformats.org/markup-compatibility/2006">
+          <mc:Choice xmlns:p14="http://schemas.microsoft.com/office/powerpoint/2010/main" Requires="p14">
+            <p:contentPart p14:bwMode="auto" r:id="rId58">
+              <p14:nvContentPartPr>
+                <p14:cNvPr id="33" name="Ink 32">
+                  <a:extLst>
+                    <a:ext uri="{FF2B5EF4-FFF2-40B4-BE49-F238E27FC236}">
+                      <a16:creationId xmlns:a16="http://schemas.microsoft.com/office/drawing/2014/main" id="{B19E570C-C10C-4D8E-A1A5-E0A627C51CB3}"/>
+                    </a:ext>
+                  </a:extLst>
+                </p14:cNvPr>
+                <p14:cNvContentPartPr/>
+                <p14:nvPr/>
+              </p14:nvContentPartPr>
+              <p14:xfrm>
+                <a:off x="4031569" y="3529339"/>
+                <a:ext cx="258120" cy="203760"/>
+              </p14:xfrm>
+            </p:contentPart>
+          </mc:Choice>
+          <mc:Fallback>
+            <p:pic>
+              <p:nvPicPr>
+                <p:cNvPr id="33" name="Ink 32">
+                  <a:extLst>
+                    <a:ext uri="{FF2B5EF4-FFF2-40B4-BE49-F238E27FC236}">
+                      <a16:creationId xmlns:a16="http://schemas.microsoft.com/office/drawing/2014/main" id="{B19E570C-C10C-4D8E-A1A5-E0A627C51CB3}"/>
+                    </a:ext>
+                  </a:extLst>
+                </p:cNvPr>
+                <p:cNvPicPr/>
+                <p:nvPr/>
+              </p:nvPicPr>
+              <p:blipFill>
+                <a:blip r:embed="rId59"/>
+                <a:stretch>
+                  <a:fillRect/>
+                </a:stretch>
+              </p:blipFill>
+              <p:spPr>
+                <a:xfrm>
+                  <a:off x="4022929" y="3520699"/>
+                  <a:ext cx="275760" cy="221400"/>
+                </a:xfrm>
+                <a:prstGeom prst="rect">
+                  <a:avLst/>
+                </a:prstGeom>
+              </p:spPr>
+            </p:pic>
+          </mc:Fallback>
+        </mc:AlternateContent>
+        <mc:AlternateContent xmlns:mc="http://schemas.openxmlformats.org/markup-compatibility/2006">
+          <mc:Choice xmlns:p14="http://schemas.microsoft.com/office/powerpoint/2010/main" Requires="p14">
+            <p:contentPart p14:bwMode="auto" r:id="rId60">
+              <p14:nvContentPartPr>
+                <p14:cNvPr id="34" name="Ink 33">
+                  <a:extLst>
+                    <a:ext uri="{FF2B5EF4-FFF2-40B4-BE49-F238E27FC236}">
+                      <a16:creationId xmlns:a16="http://schemas.microsoft.com/office/drawing/2014/main" id="{5C56633B-0DE7-4E3B-80B2-EA1B31F599C7}"/>
+                    </a:ext>
+                  </a:extLst>
+                </p14:cNvPr>
+                <p14:cNvContentPartPr/>
+                <p14:nvPr/>
+              </p14:nvContentPartPr>
+              <p14:xfrm>
+                <a:off x="4326049" y="3468859"/>
+                <a:ext cx="44280" cy="158040"/>
+              </p14:xfrm>
+            </p:contentPart>
+          </mc:Choice>
+          <mc:Fallback>
+            <p:pic>
+              <p:nvPicPr>
+                <p:cNvPr id="34" name="Ink 33">
+                  <a:extLst>
+                    <a:ext uri="{FF2B5EF4-FFF2-40B4-BE49-F238E27FC236}">
+                      <a16:creationId xmlns:a16="http://schemas.microsoft.com/office/drawing/2014/main" id="{5C56633B-0DE7-4E3B-80B2-EA1B31F599C7}"/>
+                    </a:ext>
+                  </a:extLst>
+                </p:cNvPr>
+                <p:cNvPicPr/>
+                <p:nvPr/>
+              </p:nvPicPr>
+              <p:blipFill>
+                <a:blip r:embed="rId61"/>
+                <a:stretch>
+                  <a:fillRect/>
+                </a:stretch>
+              </p:blipFill>
+              <p:spPr>
+                <a:xfrm>
+                  <a:off x="4317409" y="3460219"/>
+                  <a:ext cx="61920" cy="175680"/>
+                </a:xfrm>
+                <a:prstGeom prst="rect">
+                  <a:avLst/>
+                </a:prstGeom>
+              </p:spPr>
+            </p:pic>
+          </mc:Fallback>
+        </mc:AlternateContent>
+        <mc:AlternateContent xmlns:mc="http://schemas.openxmlformats.org/markup-compatibility/2006">
+          <mc:Choice xmlns:p14="http://schemas.microsoft.com/office/powerpoint/2010/main" Requires="p14">
+            <p:contentPart p14:bwMode="auto" r:id="rId62">
+              <p14:nvContentPartPr>
+                <p14:cNvPr id="35" name="Ink 34">
+                  <a:extLst>
+                    <a:ext uri="{FF2B5EF4-FFF2-40B4-BE49-F238E27FC236}">
+                      <a16:creationId xmlns:a16="http://schemas.microsoft.com/office/drawing/2014/main" id="{EB139E22-D75C-4D5C-A123-ED37A68E0DC7}"/>
+                    </a:ext>
+                  </a:extLst>
+                </p14:cNvPr>
+                <p14:cNvContentPartPr/>
+                <p14:nvPr/>
+              </p14:nvContentPartPr>
+              <p14:xfrm>
+                <a:off x="4398049" y="3563539"/>
+                <a:ext cx="80280" cy="88200"/>
+              </p14:xfrm>
+            </p:contentPart>
+          </mc:Choice>
+          <mc:Fallback>
+            <p:pic>
+              <p:nvPicPr>
+                <p:cNvPr id="35" name="Ink 34">
+                  <a:extLst>
+                    <a:ext uri="{FF2B5EF4-FFF2-40B4-BE49-F238E27FC236}">
+                      <a16:creationId xmlns:a16="http://schemas.microsoft.com/office/drawing/2014/main" id="{EB139E22-D75C-4D5C-A123-ED37A68E0DC7}"/>
+                    </a:ext>
+                  </a:extLst>
+                </p:cNvPr>
+                <p:cNvPicPr/>
+                <p:nvPr/>
+              </p:nvPicPr>
+              <p:blipFill>
+                <a:blip r:embed="rId63"/>
+                <a:stretch>
+                  <a:fillRect/>
+                </a:stretch>
+              </p:blipFill>
+              <p:spPr>
+                <a:xfrm>
+                  <a:off x="4389409" y="3554539"/>
+                  <a:ext cx="97920" cy="105840"/>
+                </a:xfrm>
+                <a:prstGeom prst="rect">
+                  <a:avLst/>
+                </a:prstGeom>
+              </p:spPr>
+            </p:pic>
+          </mc:Fallback>
+        </mc:AlternateContent>
+        <mc:AlternateContent xmlns:mc="http://schemas.openxmlformats.org/markup-compatibility/2006">
+          <mc:Choice xmlns:p14="http://schemas.microsoft.com/office/powerpoint/2010/main" Requires="p14">
+            <p:contentPart p14:bwMode="auto" r:id="rId64">
+              <p14:nvContentPartPr>
+                <p14:cNvPr id="36" name="Ink 35">
+                  <a:extLst>
+                    <a:ext uri="{FF2B5EF4-FFF2-40B4-BE49-F238E27FC236}">
+                      <a16:creationId xmlns:a16="http://schemas.microsoft.com/office/drawing/2014/main" id="{610427C6-6A3D-4A33-A5F2-6BA7829FD626}"/>
+                    </a:ext>
+                  </a:extLst>
+                </p14:cNvPr>
+                <p14:cNvContentPartPr/>
+                <p14:nvPr/>
+              </p14:nvContentPartPr>
+              <p14:xfrm>
+                <a:off x="4503529" y="3550579"/>
+                <a:ext cx="127080" cy="80280"/>
+              </p14:xfrm>
+            </p:contentPart>
+          </mc:Choice>
+          <mc:Fallback>
+            <p:pic>
+              <p:nvPicPr>
+                <p:cNvPr id="36" name="Ink 35">
+                  <a:extLst>
+                    <a:ext uri="{FF2B5EF4-FFF2-40B4-BE49-F238E27FC236}">
+                      <a16:creationId xmlns:a16="http://schemas.microsoft.com/office/drawing/2014/main" id="{610427C6-6A3D-4A33-A5F2-6BA7829FD626}"/>
+                    </a:ext>
+                  </a:extLst>
+                </p:cNvPr>
+                <p:cNvPicPr/>
+                <p:nvPr/>
+              </p:nvPicPr>
+              <p:blipFill>
+                <a:blip r:embed="rId65"/>
+                <a:stretch>
+                  <a:fillRect/>
+                </a:stretch>
+              </p:blipFill>
+              <p:spPr>
+                <a:xfrm>
+                  <a:off x="4494889" y="3541939"/>
+                  <a:ext cx="144720" cy="97920"/>
+                </a:xfrm>
+                <a:prstGeom prst="rect">
+                  <a:avLst/>
+                </a:prstGeom>
+              </p:spPr>
+            </p:pic>
+          </mc:Fallback>
+        </mc:AlternateContent>
+        <mc:AlternateContent xmlns:mc="http://schemas.openxmlformats.org/markup-compatibility/2006">
+          <mc:Choice xmlns:p14="http://schemas.microsoft.com/office/powerpoint/2010/main" Requires="p14">
+            <p:contentPart p14:bwMode="auto" r:id="rId66">
+              <p14:nvContentPartPr>
+                <p14:cNvPr id="37" name="Ink 36">
+                  <a:extLst>
+                    <a:ext uri="{FF2B5EF4-FFF2-40B4-BE49-F238E27FC236}">
+                      <a16:creationId xmlns:a16="http://schemas.microsoft.com/office/drawing/2014/main" id="{4A8D0F3B-60DC-4658-ABCF-3D350BA28B8B}"/>
+                    </a:ext>
+                  </a:extLst>
+                </p14:cNvPr>
+                <p14:cNvContentPartPr/>
+                <p14:nvPr/>
+              </p14:nvContentPartPr>
+              <p14:xfrm>
+                <a:off x="4641409" y="3531499"/>
+                <a:ext cx="100800" cy="73440"/>
+              </p14:xfrm>
+            </p:contentPart>
+          </mc:Choice>
+          <mc:Fallback>
+            <p:pic>
+              <p:nvPicPr>
+                <p:cNvPr id="37" name="Ink 36">
+                  <a:extLst>
+                    <a:ext uri="{FF2B5EF4-FFF2-40B4-BE49-F238E27FC236}">
+                      <a16:creationId xmlns:a16="http://schemas.microsoft.com/office/drawing/2014/main" id="{4A8D0F3B-60DC-4658-ABCF-3D350BA28B8B}"/>
+                    </a:ext>
+                  </a:extLst>
+                </p:cNvPr>
+                <p:cNvPicPr/>
+                <p:nvPr/>
+              </p:nvPicPr>
+              <p:blipFill>
+                <a:blip r:embed="rId67"/>
+                <a:stretch>
+                  <a:fillRect/>
+                </a:stretch>
+              </p:blipFill>
+              <p:spPr>
+                <a:xfrm>
+                  <a:off x="4632769" y="3522499"/>
+                  <a:ext cx="118440" cy="91080"/>
+                </a:xfrm>
+                <a:prstGeom prst="rect">
+                  <a:avLst/>
+                </a:prstGeom>
+              </p:spPr>
+            </p:pic>
+          </mc:Fallback>
+        </mc:AlternateContent>
+        <mc:AlternateContent xmlns:mc="http://schemas.openxmlformats.org/markup-compatibility/2006">
+          <mc:Choice xmlns:p14="http://schemas.microsoft.com/office/powerpoint/2010/main" Requires="p14">
+            <p:contentPart p14:bwMode="auto" r:id="rId68">
+              <p14:nvContentPartPr>
+                <p14:cNvPr id="38" name="Ink 37">
+                  <a:extLst>
+                    <a:ext uri="{FF2B5EF4-FFF2-40B4-BE49-F238E27FC236}">
+                      <a16:creationId xmlns:a16="http://schemas.microsoft.com/office/drawing/2014/main" id="{6399F3D8-D00D-4FD3-8AD3-98363AD588E2}"/>
+                    </a:ext>
+                  </a:extLst>
+                </p14:cNvPr>
+                <p14:cNvContentPartPr/>
+                <p14:nvPr/>
+              </p14:nvContentPartPr>
+              <p14:xfrm>
+                <a:off x="4759849" y="3520339"/>
+                <a:ext cx="91800" cy="89640"/>
+              </p14:xfrm>
+            </p:contentPart>
+          </mc:Choice>
+          <mc:Fallback>
+            <p:pic>
+              <p:nvPicPr>
+                <p:cNvPr id="38" name="Ink 37">
+                  <a:extLst>
+                    <a:ext uri="{FF2B5EF4-FFF2-40B4-BE49-F238E27FC236}">
+                      <a16:creationId xmlns:a16="http://schemas.microsoft.com/office/drawing/2014/main" id="{6399F3D8-D00D-4FD3-8AD3-98363AD588E2}"/>
+                    </a:ext>
+                  </a:extLst>
+                </p:cNvPr>
+                <p:cNvPicPr/>
+                <p:nvPr/>
+              </p:nvPicPr>
+              <p:blipFill>
+                <a:blip r:embed="rId69"/>
+                <a:stretch>
+                  <a:fillRect/>
+                </a:stretch>
+              </p:blipFill>
+              <p:spPr>
+                <a:xfrm>
+                  <a:off x="4751209" y="3511339"/>
+                  <a:ext cx="109440" cy="107280"/>
+                </a:xfrm>
+                <a:prstGeom prst="rect">
+                  <a:avLst/>
+                </a:prstGeom>
+              </p:spPr>
+            </p:pic>
+          </mc:Fallback>
+        </mc:AlternateContent>
+        <mc:AlternateContent xmlns:mc="http://schemas.openxmlformats.org/markup-compatibility/2006">
+          <mc:Choice xmlns:p14="http://schemas.microsoft.com/office/powerpoint/2010/main" Requires="p14">
+            <p:contentPart p14:bwMode="auto" r:id="rId70">
+              <p14:nvContentPartPr>
+                <p14:cNvPr id="40" name="Ink 39">
+                  <a:extLst>
+                    <a:ext uri="{FF2B5EF4-FFF2-40B4-BE49-F238E27FC236}">
+                      <a16:creationId xmlns:a16="http://schemas.microsoft.com/office/drawing/2014/main" id="{9C05A7BD-8429-4AEE-88B6-E5393DAFF74E}"/>
+                    </a:ext>
+                  </a:extLst>
+                </p14:cNvPr>
+                <p14:cNvContentPartPr/>
+                <p14:nvPr/>
+              </p14:nvContentPartPr>
+              <p14:xfrm>
+                <a:off x="3751129" y="3702499"/>
+                <a:ext cx="206640" cy="286920"/>
+              </p14:xfrm>
+            </p:contentPart>
+          </mc:Choice>
+          <mc:Fallback>
+            <p:pic>
+              <p:nvPicPr>
+                <p:cNvPr id="40" name="Ink 39">
+                  <a:extLst>
+                    <a:ext uri="{FF2B5EF4-FFF2-40B4-BE49-F238E27FC236}">
+                      <a16:creationId xmlns:a16="http://schemas.microsoft.com/office/drawing/2014/main" id="{9C05A7BD-8429-4AEE-88B6-E5393DAFF74E}"/>
+                    </a:ext>
+                  </a:extLst>
+                </p:cNvPr>
+                <p:cNvPicPr/>
+                <p:nvPr/>
+              </p:nvPicPr>
+              <p:blipFill>
+                <a:blip r:embed="rId71"/>
+                <a:stretch>
+                  <a:fillRect/>
+                </a:stretch>
+              </p:blipFill>
+              <p:spPr>
+                <a:xfrm>
+                  <a:off x="3742489" y="3693499"/>
+                  <a:ext cx="224280" cy="304560"/>
+                </a:xfrm>
+                <a:prstGeom prst="rect">
+                  <a:avLst/>
+                </a:prstGeom>
+              </p:spPr>
+            </p:pic>
+          </mc:Fallback>
+        </mc:AlternateContent>
+        <mc:AlternateContent xmlns:mc="http://schemas.openxmlformats.org/markup-compatibility/2006">
+          <mc:Choice xmlns:p14="http://schemas.microsoft.com/office/powerpoint/2010/main" Requires="p14">
+            <p:contentPart p14:bwMode="auto" r:id="rId72">
+              <p14:nvContentPartPr>
+                <p14:cNvPr id="41" name="Ink 40">
+                  <a:extLst>
+                    <a:ext uri="{FF2B5EF4-FFF2-40B4-BE49-F238E27FC236}">
+                      <a16:creationId xmlns:a16="http://schemas.microsoft.com/office/drawing/2014/main" id="{CB363576-324A-45DA-B808-C95F5126674D}"/>
+                    </a:ext>
+                  </a:extLst>
+                </p14:cNvPr>
+                <p14:cNvContentPartPr/>
+                <p14:nvPr/>
+              </p14:nvContentPartPr>
+              <p14:xfrm>
+                <a:off x="4076569" y="3873499"/>
+                <a:ext cx="110880" cy="198360"/>
+              </p14:xfrm>
+            </p:contentPart>
+          </mc:Choice>
+          <mc:Fallback>
+            <p:pic>
+              <p:nvPicPr>
+                <p:cNvPr id="41" name="Ink 40">
+                  <a:extLst>
+                    <a:ext uri="{FF2B5EF4-FFF2-40B4-BE49-F238E27FC236}">
+                      <a16:creationId xmlns:a16="http://schemas.microsoft.com/office/drawing/2014/main" id="{CB363576-324A-45DA-B808-C95F5126674D}"/>
+                    </a:ext>
+                  </a:extLst>
+                </p:cNvPr>
+                <p:cNvPicPr/>
+                <p:nvPr/>
+              </p:nvPicPr>
+              <p:blipFill>
+                <a:blip r:embed="rId73"/>
+                <a:stretch>
+                  <a:fillRect/>
+                </a:stretch>
+              </p:blipFill>
+              <p:spPr>
+                <a:xfrm>
+                  <a:off x="4067929" y="3864499"/>
+                  <a:ext cx="128520" cy="216000"/>
+                </a:xfrm>
+                <a:prstGeom prst="rect">
+                  <a:avLst/>
+                </a:prstGeom>
+              </p:spPr>
+            </p:pic>
+          </mc:Fallback>
+        </mc:AlternateContent>
+        <mc:AlternateContent xmlns:mc="http://schemas.openxmlformats.org/markup-compatibility/2006">
+          <mc:Choice xmlns:p14="http://schemas.microsoft.com/office/powerpoint/2010/main" Requires="p14">
+            <p:contentPart p14:bwMode="auto" r:id="rId74">
+              <p14:nvContentPartPr>
+                <p14:cNvPr id="42" name="Ink 41">
+                  <a:extLst>
+                    <a:ext uri="{FF2B5EF4-FFF2-40B4-BE49-F238E27FC236}">
+                      <a16:creationId xmlns:a16="http://schemas.microsoft.com/office/drawing/2014/main" id="{CD42BEB7-2AD1-467D-8FFD-D77F44C6CE94}"/>
+                    </a:ext>
+                  </a:extLst>
+                </p14:cNvPr>
+                <p14:cNvContentPartPr/>
+                <p14:nvPr/>
+              </p14:nvContentPartPr>
+              <p14:xfrm>
+                <a:off x="4232089" y="3795379"/>
+                <a:ext cx="36360" cy="178560"/>
+              </p14:xfrm>
+            </p:contentPart>
+          </mc:Choice>
+          <mc:Fallback>
+            <p:pic>
+              <p:nvPicPr>
+                <p:cNvPr id="42" name="Ink 41">
+                  <a:extLst>
+                    <a:ext uri="{FF2B5EF4-FFF2-40B4-BE49-F238E27FC236}">
+                      <a16:creationId xmlns:a16="http://schemas.microsoft.com/office/drawing/2014/main" id="{CD42BEB7-2AD1-467D-8FFD-D77F44C6CE94}"/>
+                    </a:ext>
+                  </a:extLst>
+                </p:cNvPr>
+                <p:cNvPicPr/>
+                <p:nvPr/>
+              </p:nvPicPr>
+              <p:blipFill>
+                <a:blip r:embed="rId75"/>
+                <a:stretch>
+                  <a:fillRect/>
+                </a:stretch>
+              </p:blipFill>
+              <p:spPr>
+                <a:xfrm>
+                  <a:off x="4223449" y="3786379"/>
+                  <a:ext cx="54000" cy="196200"/>
+                </a:xfrm>
+                <a:prstGeom prst="rect">
+                  <a:avLst/>
+                </a:prstGeom>
+              </p:spPr>
+            </p:pic>
+          </mc:Fallback>
+        </mc:AlternateContent>
+        <mc:AlternateContent xmlns:mc="http://schemas.openxmlformats.org/markup-compatibility/2006">
+          <mc:Choice xmlns:p14="http://schemas.microsoft.com/office/powerpoint/2010/main" Requires="p14">
+            <p:contentPart p14:bwMode="auto" r:id="rId76">
+              <p14:nvContentPartPr>
+                <p14:cNvPr id="43" name="Ink 42">
+                  <a:extLst>
+                    <a:ext uri="{FF2B5EF4-FFF2-40B4-BE49-F238E27FC236}">
+                      <a16:creationId xmlns:a16="http://schemas.microsoft.com/office/drawing/2014/main" id="{AD22D35A-298A-46EA-A627-4D48247F3F7B}"/>
+                    </a:ext>
+                  </a:extLst>
+                </p14:cNvPr>
+                <p14:cNvContentPartPr/>
+                <p14:nvPr/>
+              </p14:nvContentPartPr>
+              <p14:xfrm>
+                <a:off x="4308409" y="3878179"/>
+                <a:ext cx="95400" cy="92160"/>
+              </p14:xfrm>
+            </p:contentPart>
+          </mc:Choice>
+          <mc:Fallback>
+            <p:pic>
+              <p:nvPicPr>
+                <p:cNvPr id="43" name="Ink 42">
+                  <a:extLst>
+                    <a:ext uri="{FF2B5EF4-FFF2-40B4-BE49-F238E27FC236}">
+                      <a16:creationId xmlns:a16="http://schemas.microsoft.com/office/drawing/2014/main" id="{AD22D35A-298A-46EA-A627-4D48247F3F7B}"/>
+                    </a:ext>
+                  </a:extLst>
+                </p:cNvPr>
+                <p:cNvPicPr/>
+                <p:nvPr/>
+              </p:nvPicPr>
+              <p:blipFill>
+                <a:blip r:embed="rId77"/>
+                <a:stretch>
+                  <a:fillRect/>
+                </a:stretch>
+              </p:blipFill>
+              <p:spPr>
+                <a:xfrm>
+                  <a:off x="4299409" y="3869179"/>
+                  <a:ext cx="113040" cy="109800"/>
+                </a:xfrm>
+                <a:prstGeom prst="rect">
+                  <a:avLst/>
+                </a:prstGeom>
+              </p:spPr>
+            </p:pic>
+          </mc:Fallback>
+        </mc:AlternateContent>
+        <mc:AlternateContent xmlns:mc="http://schemas.openxmlformats.org/markup-compatibility/2006">
+          <mc:Choice xmlns:p14="http://schemas.microsoft.com/office/powerpoint/2010/main" Requires="p14">
+            <p:contentPart p14:bwMode="auto" r:id="rId78">
+              <p14:nvContentPartPr>
+                <p14:cNvPr id="44" name="Ink 43">
+                  <a:extLst>
+                    <a:ext uri="{FF2B5EF4-FFF2-40B4-BE49-F238E27FC236}">
+                      <a16:creationId xmlns:a16="http://schemas.microsoft.com/office/drawing/2014/main" id="{25A66D43-D4C6-4D7F-8E82-A51D576A7014}"/>
+                    </a:ext>
+                  </a:extLst>
+                </p14:cNvPr>
+                <p14:cNvContentPartPr/>
+                <p14:nvPr/>
+              </p14:nvContentPartPr>
+              <p14:xfrm>
+                <a:off x="4432969" y="3782059"/>
+                <a:ext cx="100440" cy="194040"/>
+              </p14:xfrm>
+            </p:contentPart>
+          </mc:Choice>
+          <mc:Fallback>
+            <p:pic>
+              <p:nvPicPr>
+                <p:cNvPr id="44" name="Ink 43">
+                  <a:extLst>
+                    <a:ext uri="{FF2B5EF4-FFF2-40B4-BE49-F238E27FC236}">
+                      <a16:creationId xmlns:a16="http://schemas.microsoft.com/office/drawing/2014/main" id="{25A66D43-D4C6-4D7F-8E82-A51D576A7014}"/>
+                    </a:ext>
+                  </a:extLst>
+                </p:cNvPr>
+                <p:cNvPicPr/>
+                <p:nvPr/>
+              </p:nvPicPr>
+              <p:blipFill>
+                <a:blip r:embed="rId79"/>
+                <a:stretch>
+                  <a:fillRect/>
+                </a:stretch>
+              </p:blipFill>
+              <p:spPr>
+                <a:xfrm>
+                  <a:off x="4423969" y="3773419"/>
+                  <a:ext cx="118080" cy="211680"/>
+                </a:xfrm>
+                <a:prstGeom prst="rect">
+                  <a:avLst/>
+                </a:prstGeom>
+              </p:spPr>
+            </p:pic>
+          </mc:Fallback>
+        </mc:AlternateContent>
+        <mc:AlternateContent xmlns:mc="http://schemas.openxmlformats.org/markup-compatibility/2006">
+          <mc:Choice xmlns:p14="http://schemas.microsoft.com/office/powerpoint/2010/main" Requires="p14">
+            <p:contentPart p14:bwMode="auto" r:id="rId80">
+              <p14:nvContentPartPr>
+                <p14:cNvPr id="45" name="Ink 44">
+                  <a:extLst>
+                    <a:ext uri="{FF2B5EF4-FFF2-40B4-BE49-F238E27FC236}">
+                      <a16:creationId xmlns:a16="http://schemas.microsoft.com/office/drawing/2014/main" id="{209BB00F-7942-4ACF-83E4-4F584FEFFC1E}"/>
+                    </a:ext>
+                  </a:extLst>
+                </p14:cNvPr>
+                <p14:cNvContentPartPr/>
+                <p14:nvPr/>
+              </p14:nvContentPartPr>
+              <p14:xfrm>
+                <a:off x="4576609" y="3854419"/>
+                <a:ext cx="85320" cy="102600"/>
+              </p14:xfrm>
+            </p:contentPart>
+          </mc:Choice>
+          <mc:Fallback>
+            <p:pic>
+              <p:nvPicPr>
+                <p:cNvPr id="45" name="Ink 44">
+                  <a:extLst>
+                    <a:ext uri="{FF2B5EF4-FFF2-40B4-BE49-F238E27FC236}">
+                      <a16:creationId xmlns:a16="http://schemas.microsoft.com/office/drawing/2014/main" id="{209BB00F-7942-4ACF-83E4-4F584FEFFC1E}"/>
+                    </a:ext>
+                  </a:extLst>
+                </p:cNvPr>
+                <p:cNvPicPr/>
+                <p:nvPr/>
+              </p:nvPicPr>
+              <p:blipFill>
+                <a:blip r:embed="rId81"/>
+                <a:stretch>
+                  <a:fillRect/>
+                </a:stretch>
+              </p:blipFill>
+              <p:spPr>
+                <a:xfrm>
+                  <a:off x="4567969" y="3845419"/>
+                  <a:ext cx="102960" cy="120240"/>
+                </a:xfrm>
+                <a:prstGeom prst="rect">
+                  <a:avLst/>
+                </a:prstGeom>
+              </p:spPr>
+            </p:pic>
+          </mc:Fallback>
+        </mc:AlternateContent>
+        <mc:AlternateContent xmlns:mc="http://schemas.openxmlformats.org/markup-compatibility/2006">
+          <mc:Choice xmlns:p14="http://schemas.microsoft.com/office/powerpoint/2010/main" Requires="p14">
+            <p:contentPart p14:bwMode="auto" r:id="rId82">
+              <p14:nvContentPartPr>
+                <p14:cNvPr id="46" name="Ink 45">
+                  <a:extLst>
+                    <a:ext uri="{FF2B5EF4-FFF2-40B4-BE49-F238E27FC236}">
+                      <a16:creationId xmlns:a16="http://schemas.microsoft.com/office/drawing/2014/main" id="{083A1DC2-22EC-498C-B3ED-1FACC99693C9}"/>
+                    </a:ext>
+                  </a:extLst>
+                </p14:cNvPr>
+                <p14:cNvContentPartPr/>
+                <p14:nvPr/>
+              </p14:nvContentPartPr>
+              <p14:xfrm>
+                <a:off x="4710529" y="3856579"/>
+                <a:ext cx="141840" cy="93960"/>
+              </p14:xfrm>
+            </p:contentPart>
+          </mc:Choice>
+          <mc:Fallback>
+            <p:pic>
+              <p:nvPicPr>
+                <p:cNvPr id="46" name="Ink 45">
+                  <a:extLst>
+                    <a:ext uri="{FF2B5EF4-FFF2-40B4-BE49-F238E27FC236}">
+                      <a16:creationId xmlns:a16="http://schemas.microsoft.com/office/drawing/2014/main" id="{083A1DC2-22EC-498C-B3ED-1FACC99693C9}"/>
+                    </a:ext>
+                  </a:extLst>
+                </p:cNvPr>
+                <p:cNvPicPr/>
+                <p:nvPr/>
+              </p:nvPicPr>
+              <p:blipFill>
+                <a:blip r:embed="rId83"/>
+                <a:stretch>
+                  <a:fillRect/>
+                </a:stretch>
+              </p:blipFill>
+              <p:spPr>
+                <a:xfrm>
+                  <a:off x="4701529" y="3847579"/>
+                  <a:ext cx="159480" cy="111600"/>
+                </a:xfrm>
+                <a:prstGeom prst="rect">
+                  <a:avLst/>
+                </a:prstGeom>
+              </p:spPr>
+            </p:pic>
+          </mc:Fallback>
+        </mc:AlternateContent>
+        <mc:AlternateContent xmlns:mc="http://schemas.openxmlformats.org/markup-compatibility/2006">
+          <mc:Choice xmlns:p14="http://schemas.microsoft.com/office/powerpoint/2010/main" Requires="p14">
+            <p:contentPart p14:bwMode="auto" r:id="rId84">
+              <p14:nvContentPartPr>
+                <p14:cNvPr id="47" name="Ink 46">
+                  <a:extLst>
+                    <a:ext uri="{FF2B5EF4-FFF2-40B4-BE49-F238E27FC236}">
+                      <a16:creationId xmlns:a16="http://schemas.microsoft.com/office/drawing/2014/main" id="{E9643362-DE61-4AA6-864F-BDF4331F2C7E}"/>
+                    </a:ext>
+                  </a:extLst>
+                </p14:cNvPr>
+                <p14:cNvContentPartPr/>
+                <p14:nvPr/>
+              </p14:nvContentPartPr>
+              <p14:xfrm>
+                <a:off x="5054329" y="3869179"/>
+                <a:ext cx="26640" cy="122400"/>
+              </p14:xfrm>
+            </p:contentPart>
+          </mc:Choice>
+          <mc:Fallback>
+            <p:pic>
+              <p:nvPicPr>
+                <p:cNvPr id="47" name="Ink 46">
+                  <a:extLst>
+                    <a:ext uri="{FF2B5EF4-FFF2-40B4-BE49-F238E27FC236}">
+                      <a16:creationId xmlns:a16="http://schemas.microsoft.com/office/drawing/2014/main" id="{E9643362-DE61-4AA6-864F-BDF4331F2C7E}"/>
+                    </a:ext>
+                  </a:extLst>
+                </p:cNvPr>
+                <p:cNvPicPr/>
+                <p:nvPr/>
+              </p:nvPicPr>
+              <p:blipFill>
+                <a:blip r:embed="rId85"/>
+                <a:stretch>
+                  <a:fillRect/>
+                </a:stretch>
+              </p:blipFill>
+              <p:spPr>
+                <a:xfrm>
+                  <a:off x="5045329" y="3860179"/>
+                  <a:ext cx="44280" cy="140040"/>
+                </a:xfrm>
+                <a:prstGeom prst="rect">
+                  <a:avLst/>
+                </a:prstGeom>
+              </p:spPr>
+            </p:pic>
+          </mc:Fallback>
+        </mc:AlternateContent>
+        <mc:AlternateContent xmlns:mc="http://schemas.openxmlformats.org/markup-compatibility/2006">
+          <mc:Choice xmlns:p14="http://schemas.microsoft.com/office/powerpoint/2010/main" Requires="p14">
+            <p:contentPart p14:bwMode="auto" r:id="rId86">
+              <p14:nvContentPartPr>
+                <p14:cNvPr id="48" name="Ink 47">
+                  <a:extLst>
+                    <a:ext uri="{FF2B5EF4-FFF2-40B4-BE49-F238E27FC236}">
+                      <a16:creationId xmlns:a16="http://schemas.microsoft.com/office/drawing/2014/main" id="{FF2B1A25-7E45-4D11-A00B-B7BBF324BFB6}"/>
+                    </a:ext>
+                  </a:extLst>
+                </p14:cNvPr>
+                <p14:cNvContentPartPr/>
+                <p14:nvPr/>
+              </p14:nvContentPartPr>
+              <p14:xfrm>
+                <a:off x="5071249" y="3778819"/>
+                <a:ext cx="5760" cy="7920"/>
+              </p14:xfrm>
+            </p:contentPart>
+          </mc:Choice>
+          <mc:Fallback>
+            <p:pic>
+              <p:nvPicPr>
+                <p:cNvPr id="48" name="Ink 47">
+                  <a:extLst>
+                    <a:ext uri="{FF2B5EF4-FFF2-40B4-BE49-F238E27FC236}">
+                      <a16:creationId xmlns:a16="http://schemas.microsoft.com/office/drawing/2014/main" id="{FF2B1A25-7E45-4D11-A00B-B7BBF324BFB6}"/>
+                    </a:ext>
+                  </a:extLst>
+                </p:cNvPr>
+                <p:cNvPicPr/>
+                <p:nvPr/>
+              </p:nvPicPr>
+              <p:blipFill>
+                <a:blip r:embed="rId87"/>
+                <a:stretch>
+                  <a:fillRect/>
+                </a:stretch>
+              </p:blipFill>
+              <p:spPr>
+                <a:xfrm>
+                  <a:off x="5062609" y="3770179"/>
+                  <a:ext cx="23400" cy="25560"/>
+                </a:xfrm>
+                <a:prstGeom prst="rect">
+                  <a:avLst/>
+                </a:prstGeom>
+              </p:spPr>
+            </p:pic>
+          </mc:Fallback>
+        </mc:AlternateContent>
+        <mc:AlternateContent xmlns:mc="http://schemas.openxmlformats.org/markup-compatibility/2006">
+          <mc:Choice xmlns:p14="http://schemas.microsoft.com/office/powerpoint/2010/main" Requires="p14">
+            <p:contentPart p14:bwMode="auto" r:id="rId88">
+              <p14:nvContentPartPr>
+                <p14:cNvPr id="49" name="Ink 48">
+                  <a:extLst>
+                    <a:ext uri="{FF2B5EF4-FFF2-40B4-BE49-F238E27FC236}">
+                      <a16:creationId xmlns:a16="http://schemas.microsoft.com/office/drawing/2014/main" id="{8EACAFFD-95E8-4883-B18C-298B587A99CC}"/>
+                    </a:ext>
+                  </a:extLst>
+                </p14:cNvPr>
+                <p14:cNvContentPartPr/>
+                <p14:nvPr/>
+              </p14:nvContentPartPr>
+              <p14:xfrm>
+                <a:off x="5113729" y="3769819"/>
+                <a:ext cx="134280" cy="198720"/>
+              </p14:xfrm>
+            </p:contentPart>
+          </mc:Choice>
+          <mc:Fallback>
+            <p:pic>
+              <p:nvPicPr>
+                <p:cNvPr id="49" name="Ink 48">
+                  <a:extLst>
+                    <a:ext uri="{FF2B5EF4-FFF2-40B4-BE49-F238E27FC236}">
+                      <a16:creationId xmlns:a16="http://schemas.microsoft.com/office/drawing/2014/main" id="{8EACAFFD-95E8-4883-B18C-298B587A99CC}"/>
+                    </a:ext>
+                  </a:extLst>
+                </p:cNvPr>
+                <p:cNvPicPr/>
+                <p:nvPr/>
+              </p:nvPicPr>
+              <p:blipFill>
+                <a:blip r:embed="rId89"/>
+                <a:stretch>
+                  <a:fillRect/>
+                </a:stretch>
+              </p:blipFill>
+              <p:spPr>
+                <a:xfrm>
+                  <a:off x="5105089" y="3760819"/>
+                  <a:ext cx="151920" cy="216360"/>
+                </a:xfrm>
+                <a:prstGeom prst="rect">
+                  <a:avLst/>
+                </a:prstGeom>
+              </p:spPr>
+            </p:pic>
+          </mc:Fallback>
+        </mc:AlternateContent>
+        <mc:AlternateContent xmlns:mc="http://schemas.openxmlformats.org/markup-compatibility/2006">
+          <mc:Choice xmlns:p14="http://schemas.microsoft.com/office/powerpoint/2010/main" Requires="p14">
+            <p:contentPart p14:bwMode="auto" r:id="rId90">
+              <p14:nvContentPartPr>
+                <p14:cNvPr id="50" name="Ink 49">
+                  <a:extLst>
+                    <a:ext uri="{FF2B5EF4-FFF2-40B4-BE49-F238E27FC236}">
+                      <a16:creationId xmlns:a16="http://schemas.microsoft.com/office/drawing/2014/main" id="{7CB6B33F-B24B-440F-B0CA-F31A0BD313E7}"/>
+                    </a:ext>
+                  </a:extLst>
+                </p14:cNvPr>
+                <p14:cNvContentPartPr/>
+                <p14:nvPr/>
+              </p14:nvContentPartPr>
+              <p14:xfrm>
+                <a:off x="5584609" y="3798259"/>
+                <a:ext cx="16560" cy="185040"/>
+              </p14:xfrm>
+            </p:contentPart>
+          </mc:Choice>
+          <mc:Fallback>
+            <p:pic>
+              <p:nvPicPr>
+                <p:cNvPr id="50" name="Ink 49">
+                  <a:extLst>
+                    <a:ext uri="{FF2B5EF4-FFF2-40B4-BE49-F238E27FC236}">
+                      <a16:creationId xmlns:a16="http://schemas.microsoft.com/office/drawing/2014/main" id="{7CB6B33F-B24B-440F-B0CA-F31A0BD313E7}"/>
+                    </a:ext>
+                  </a:extLst>
+                </p:cNvPr>
+                <p:cNvPicPr/>
+                <p:nvPr/>
+              </p:nvPicPr>
+              <p:blipFill>
+                <a:blip r:embed="rId91"/>
+                <a:stretch>
+                  <a:fillRect/>
+                </a:stretch>
+              </p:blipFill>
+              <p:spPr>
+                <a:xfrm>
+                  <a:off x="5575969" y="3789259"/>
+                  <a:ext cx="34200" cy="202680"/>
+                </a:xfrm>
+                <a:prstGeom prst="rect">
+                  <a:avLst/>
+                </a:prstGeom>
+              </p:spPr>
+            </p:pic>
+          </mc:Fallback>
+        </mc:AlternateContent>
+        <mc:AlternateContent xmlns:mc="http://schemas.openxmlformats.org/markup-compatibility/2006">
+          <mc:Choice xmlns:p14="http://schemas.microsoft.com/office/powerpoint/2010/main" Requires="p14">
+            <p:contentPart p14:bwMode="auto" r:id="rId92">
+              <p14:nvContentPartPr>
+                <p14:cNvPr id="51" name="Ink 50">
+                  <a:extLst>
+                    <a:ext uri="{FF2B5EF4-FFF2-40B4-BE49-F238E27FC236}">
+                      <a16:creationId xmlns:a16="http://schemas.microsoft.com/office/drawing/2014/main" id="{228F5207-EEC4-4956-A5C1-0544CB860F9F}"/>
+                    </a:ext>
+                  </a:extLst>
+                </p14:cNvPr>
+                <p14:cNvContentPartPr/>
+                <p14:nvPr/>
+              </p14:nvContentPartPr>
+              <p14:xfrm>
+                <a:off x="5531689" y="3847579"/>
+                <a:ext cx="117000" cy="32760"/>
+              </p14:xfrm>
+            </p:contentPart>
+          </mc:Choice>
+          <mc:Fallback>
+            <p:pic>
+              <p:nvPicPr>
+                <p:cNvPr id="51" name="Ink 50">
+                  <a:extLst>
+                    <a:ext uri="{FF2B5EF4-FFF2-40B4-BE49-F238E27FC236}">
+                      <a16:creationId xmlns:a16="http://schemas.microsoft.com/office/drawing/2014/main" id="{228F5207-EEC4-4956-A5C1-0544CB860F9F}"/>
+                    </a:ext>
+                  </a:extLst>
+                </p:cNvPr>
+                <p:cNvPicPr/>
+                <p:nvPr/>
+              </p:nvPicPr>
+              <p:blipFill>
+                <a:blip r:embed="rId93"/>
+                <a:stretch>
+                  <a:fillRect/>
+                </a:stretch>
+              </p:blipFill>
+              <p:spPr>
+                <a:xfrm>
+                  <a:off x="5523049" y="3838579"/>
+                  <a:ext cx="134640" cy="50400"/>
+                </a:xfrm>
+                <a:prstGeom prst="rect">
+                  <a:avLst/>
+                </a:prstGeom>
+              </p:spPr>
+            </p:pic>
+          </mc:Fallback>
+        </mc:AlternateContent>
+        <mc:AlternateContent xmlns:mc="http://schemas.openxmlformats.org/markup-compatibility/2006">
+          <mc:Choice xmlns:p14="http://schemas.microsoft.com/office/powerpoint/2010/main" Requires="p14">
+            <p:contentPart p14:bwMode="auto" r:id="rId94">
+              <p14:nvContentPartPr>
+                <p14:cNvPr id="52" name="Ink 51">
+                  <a:extLst>
+                    <a:ext uri="{FF2B5EF4-FFF2-40B4-BE49-F238E27FC236}">
+                      <a16:creationId xmlns:a16="http://schemas.microsoft.com/office/drawing/2014/main" id="{9F43F1AE-0D18-46E0-8D85-B2B342908874}"/>
+                    </a:ext>
+                  </a:extLst>
+                </p14:cNvPr>
+                <p14:cNvContentPartPr/>
+                <p14:nvPr/>
+              </p14:nvContentPartPr>
+              <p14:xfrm>
+                <a:off x="5907889" y="3711499"/>
+                <a:ext cx="105480" cy="283680"/>
+              </p14:xfrm>
+            </p:contentPart>
+          </mc:Choice>
+          <mc:Fallback>
+            <p:pic>
+              <p:nvPicPr>
+                <p:cNvPr id="52" name="Ink 51">
+                  <a:extLst>
+                    <a:ext uri="{FF2B5EF4-FFF2-40B4-BE49-F238E27FC236}">
+                      <a16:creationId xmlns:a16="http://schemas.microsoft.com/office/drawing/2014/main" id="{9F43F1AE-0D18-46E0-8D85-B2B342908874}"/>
+                    </a:ext>
+                  </a:extLst>
+                </p:cNvPr>
+                <p:cNvPicPr/>
+                <p:nvPr/>
+              </p:nvPicPr>
+              <p:blipFill>
+                <a:blip r:embed="rId95"/>
+                <a:stretch>
+                  <a:fillRect/>
+                </a:stretch>
+              </p:blipFill>
+              <p:spPr>
+                <a:xfrm>
+                  <a:off x="5899249" y="3702499"/>
+                  <a:ext cx="123120" cy="301320"/>
+                </a:xfrm>
+                <a:prstGeom prst="rect">
+                  <a:avLst/>
+                </a:prstGeom>
+              </p:spPr>
+            </p:pic>
+          </mc:Fallback>
+        </mc:AlternateContent>
+        <mc:AlternateContent xmlns:mc="http://schemas.openxmlformats.org/markup-compatibility/2006">
+          <mc:Choice xmlns:p14="http://schemas.microsoft.com/office/powerpoint/2010/main" Requires="p14">
+            <p:contentPart p14:bwMode="auto" r:id="rId96">
+              <p14:nvContentPartPr>
+                <p14:cNvPr id="53" name="Ink 52">
+                  <a:extLst>
+                    <a:ext uri="{FF2B5EF4-FFF2-40B4-BE49-F238E27FC236}">
+                      <a16:creationId xmlns:a16="http://schemas.microsoft.com/office/drawing/2014/main" id="{6D2C0732-9856-41D8-B8A8-AF7BE473A799}"/>
+                    </a:ext>
+                  </a:extLst>
+                </p14:cNvPr>
+                <p14:cNvContentPartPr/>
+                <p14:nvPr/>
+              </p14:nvContentPartPr>
+              <p14:xfrm>
+                <a:off x="5865049" y="3856579"/>
+                <a:ext cx="140760" cy="17640"/>
+              </p14:xfrm>
+            </p:contentPart>
+          </mc:Choice>
+          <mc:Fallback>
+            <p:pic>
+              <p:nvPicPr>
+                <p:cNvPr id="53" name="Ink 52">
+                  <a:extLst>
+                    <a:ext uri="{FF2B5EF4-FFF2-40B4-BE49-F238E27FC236}">
+                      <a16:creationId xmlns:a16="http://schemas.microsoft.com/office/drawing/2014/main" id="{6D2C0732-9856-41D8-B8A8-AF7BE473A799}"/>
+                    </a:ext>
+                  </a:extLst>
+                </p:cNvPr>
+                <p:cNvPicPr/>
+                <p:nvPr/>
+              </p:nvPicPr>
+              <p:blipFill>
+                <a:blip r:embed="rId97"/>
+                <a:stretch>
+                  <a:fillRect/>
+                </a:stretch>
+              </p:blipFill>
+              <p:spPr>
+                <a:xfrm>
+                  <a:off x="5856049" y="3847579"/>
+                  <a:ext cx="158400" cy="35280"/>
+                </a:xfrm>
+                <a:prstGeom prst="rect">
+                  <a:avLst/>
+                </a:prstGeom>
+              </p:spPr>
+            </p:pic>
+          </mc:Fallback>
+        </mc:AlternateContent>
+        <mc:AlternateContent xmlns:mc="http://schemas.openxmlformats.org/markup-compatibility/2006">
+          <mc:Choice xmlns:p14="http://schemas.microsoft.com/office/powerpoint/2010/main" Requires="p14">
+            <p:contentPart p14:bwMode="auto" r:id="rId98">
+              <p14:nvContentPartPr>
+                <p14:cNvPr id="54" name="Ink 53">
+                  <a:extLst>
+                    <a:ext uri="{FF2B5EF4-FFF2-40B4-BE49-F238E27FC236}">
+                      <a16:creationId xmlns:a16="http://schemas.microsoft.com/office/drawing/2014/main" id="{5FF6F66F-23D5-4A5E-9FDB-CD5DCA593EDC}"/>
+                    </a:ext>
+                  </a:extLst>
+                </p14:cNvPr>
+                <p14:cNvContentPartPr/>
+                <p14:nvPr/>
+              </p14:nvContentPartPr>
+              <p14:xfrm>
+                <a:off x="6002929" y="3845059"/>
+                <a:ext cx="226800" cy="108360"/>
+              </p14:xfrm>
+            </p:contentPart>
+          </mc:Choice>
+          <mc:Fallback>
+            <p:pic>
+              <p:nvPicPr>
+                <p:cNvPr id="54" name="Ink 53">
+                  <a:extLst>
+                    <a:ext uri="{FF2B5EF4-FFF2-40B4-BE49-F238E27FC236}">
+                      <a16:creationId xmlns:a16="http://schemas.microsoft.com/office/drawing/2014/main" id="{5FF6F66F-23D5-4A5E-9FDB-CD5DCA593EDC}"/>
+                    </a:ext>
+                  </a:extLst>
+                </p:cNvPr>
+                <p:cNvPicPr/>
+                <p:nvPr/>
+              </p:nvPicPr>
+              <p:blipFill>
+                <a:blip r:embed="rId99"/>
+                <a:stretch>
+                  <a:fillRect/>
+                </a:stretch>
+              </p:blipFill>
+              <p:spPr>
+                <a:xfrm>
+                  <a:off x="5994289" y="3836059"/>
+                  <a:ext cx="244440" cy="126000"/>
+                </a:xfrm>
+                <a:prstGeom prst="rect">
+                  <a:avLst/>
+                </a:prstGeom>
+              </p:spPr>
+            </p:pic>
+          </mc:Fallback>
+        </mc:AlternateContent>
+        <mc:AlternateContent xmlns:mc="http://schemas.openxmlformats.org/markup-compatibility/2006">
+          <mc:Choice xmlns:p14="http://schemas.microsoft.com/office/powerpoint/2010/main" Requires="p14">
+            <p:contentPart p14:bwMode="auto" r:id="rId100">
+              <p14:nvContentPartPr>
+                <p14:cNvPr id="55" name="Ink 54">
+                  <a:extLst>
+                    <a:ext uri="{FF2B5EF4-FFF2-40B4-BE49-F238E27FC236}">
+                      <a16:creationId xmlns:a16="http://schemas.microsoft.com/office/drawing/2014/main" id="{38777807-638B-4431-A345-476F03472E9A}"/>
+                    </a:ext>
+                  </a:extLst>
+                </p14:cNvPr>
+                <p14:cNvContentPartPr/>
+                <p14:nvPr/>
+              </p14:nvContentPartPr>
+              <p14:xfrm>
+                <a:off x="6276889" y="3860179"/>
+                <a:ext cx="66600" cy="120240"/>
+              </p14:xfrm>
+            </p:contentPart>
+          </mc:Choice>
+          <mc:Fallback>
+            <p:pic>
+              <p:nvPicPr>
+                <p:cNvPr id="55" name="Ink 54">
+                  <a:extLst>
+                    <a:ext uri="{FF2B5EF4-FFF2-40B4-BE49-F238E27FC236}">
+                      <a16:creationId xmlns:a16="http://schemas.microsoft.com/office/drawing/2014/main" id="{38777807-638B-4431-A345-476F03472E9A}"/>
+                    </a:ext>
+                  </a:extLst>
+                </p:cNvPr>
+                <p:cNvPicPr/>
+                <p:nvPr/>
+              </p:nvPicPr>
+              <p:blipFill>
+                <a:blip r:embed="rId101"/>
+                <a:stretch>
+                  <a:fillRect/>
+                </a:stretch>
+              </p:blipFill>
+              <p:spPr>
+                <a:xfrm>
+                  <a:off x="6267889" y="3851539"/>
+                  <a:ext cx="84240" cy="137880"/>
+                </a:xfrm>
+                <a:prstGeom prst="rect">
+                  <a:avLst/>
+                </a:prstGeom>
+              </p:spPr>
+            </p:pic>
+          </mc:Fallback>
+        </mc:AlternateContent>
+        <mc:AlternateContent xmlns:mc="http://schemas.openxmlformats.org/markup-compatibility/2006">
+          <mc:Choice xmlns:p14="http://schemas.microsoft.com/office/powerpoint/2010/main" Requires="p14">
+            <p:contentPart p14:bwMode="auto" r:id="rId102">
+              <p14:nvContentPartPr>
+                <p14:cNvPr id="60" name="Ink 59">
+                  <a:extLst>
+                    <a:ext uri="{FF2B5EF4-FFF2-40B4-BE49-F238E27FC236}">
+                      <a16:creationId xmlns:a16="http://schemas.microsoft.com/office/drawing/2014/main" id="{A2F0C1AB-E9C2-44C9-9E20-C8209B40D4B5}"/>
+                    </a:ext>
+                  </a:extLst>
+                </p14:cNvPr>
+                <p14:cNvContentPartPr/>
+                <p14:nvPr/>
+              </p14:nvContentPartPr>
+              <p14:xfrm>
+                <a:off x="4047769" y="4049539"/>
+                <a:ext cx="2446560" cy="78480"/>
+              </p14:xfrm>
+            </p:contentPart>
+          </mc:Choice>
+          <mc:Fallback>
+            <p:pic>
+              <p:nvPicPr>
+                <p:cNvPr id="60" name="Ink 59">
+                  <a:extLst>
+                    <a:ext uri="{FF2B5EF4-FFF2-40B4-BE49-F238E27FC236}">
+                      <a16:creationId xmlns:a16="http://schemas.microsoft.com/office/drawing/2014/main" id="{A2F0C1AB-E9C2-44C9-9E20-C8209B40D4B5}"/>
+                    </a:ext>
+                  </a:extLst>
+                </p:cNvPr>
+                <p:cNvPicPr/>
+                <p:nvPr/>
+              </p:nvPicPr>
+              <p:blipFill>
+                <a:blip r:embed="rId103"/>
+                <a:stretch>
+                  <a:fillRect/>
+                </a:stretch>
+              </p:blipFill>
+              <p:spPr>
+                <a:xfrm>
+                  <a:off x="4039129" y="4040539"/>
+                  <a:ext cx="2464200" cy="96120"/>
+                </a:xfrm>
+                <a:prstGeom prst="rect">
+                  <a:avLst/>
+                </a:prstGeom>
+              </p:spPr>
+            </p:pic>
+          </mc:Fallback>
+        </mc:AlternateContent>
+      </p:grpSp>
+      <mc:AlternateContent xmlns:mc="http://schemas.openxmlformats.org/markup-compatibility/2006">
+        <mc:Choice xmlns:p14="http://schemas.microsoft.com/office/powerpoint/2010/main" Requires="p14">
+          <p:contentPart p14:bwMode="auto" r:id="rId104">
+            <p14:nvContentPartPr>
+              <p14:cNvPr id="62" name="Ink 61">
+                <a:extLst>
+                  <a:ext uri="{FF2B5EF4-FFF2-40B4-BE49-F238E27FC236}">
+                    <a16:creationId xmlns:a16="http://schemas.microsoft.com/office/drawing/2014/main" id="{35BBFC59-9561-45AD-98CB-FEEC1425A4BF}"/>
+                  </a:ext>
+                </a:extLst>
+              </p14:cNvPr>
+              <p14:cNvContentPartPr/>
+              <p14:nvPr/>
+            </p14:nvContentPartPr>
+            <p14:xfrm>
+              <a:off x="1981369" y="4049539"/>
+              <a:ext cx="744120" cy="32760"/>
+            </p14:xfrm>
+          </p:contentPart>
+        </mc:Choice>
+        <mc:Fallback>
+          <p:pic>
+            <p:nvPicPr>
+              <p:cNvPr id="62" name="Ink 61">
+                <a:extLst>
+                  <a:ext uri="{FF2B5EF4-FFF2-40B4-BE49-F238E27FC236}">
+                    <a16:creationId xmlns:a16="http://schemas.microsoft.com/office/drawing/2014/main" id="{35BBFC59-9561-45AD-98CB-FEEC1425A4BF}"/>
+                  </a:ext>
+                </a:extLst>
+              </p:cNvPr>
+              <p:cNvPicPr/>
+              <p:nvPr/>
+            </p:nvPicPr>
+            <p:blipFill>
+              <a:blip r:embed="rId105"/>
+              <a:stretch>
+                <a:fillRect/>
+              </a:stretch>
+            </p:blipFill>
+            <p:spPr>
+              <a:xfrm>
+                <a:off x="1972729" y="4040539"/>
+                <a:ext cx="761760" cy="50400"/>
+              </a:xfrm>
+              <a:prstGeom prst="rect">
+                <a:avLst/>
+              </a:prstGeom>
+            </p:spPr>
+          </p:pic>
+        </mc:Fallback>
+      </mc:AlternateContent>
+      <mc:AlternateContent xmlns:mc="http://schemas.openxmlformats.org/markup-compatibility/2006">
+        <mc:Choice xmlns:p14="http://schemas.microsoft.com/office/powerpoint/2010/main" Requires="p14">
+          <p:contentPart p14:bwMode="auto" r:id="rId106">
+            <p14:nvContentPartPr>
+              <p14:cNvPr id="63" name="Ink 62">
+                <a:extLst>
+                  <a:ext uri="{FF2B5EF4-FFF2-40B4-BE49-F238E27FC236}">
+                    <a16:creationId xmlns:a16="http://schemas.microsoft.com/office/drawing/2014/main" id="{580B662D-3482-4DEC-B435-4C9A2FED8FFD}"/>
+                  </a:ext>
+                </a:extLst>
+              </p14:cNvPr>
+              <p14:cNvContentPartPr/>
+              <p14:nvPr/>
+            </p14:nvContentPartPr>
+            <p14:xfrm>
+              <a:off x="1147609" y="4384699"/>
+              <a:ext cx="860400" cy="95760"/>
+            </p14:xfrm>
+          </p:contentPart>
+        </mc:Choice>
+        <mc:Fallback>
+          <p:pic>
+            <p:nvPicPr>
+              <p:cNvPr id="63" name="Ink 62">
+                <a:extLst>
+                  <a:ext uri="{FF2B5EF4-FFF2-40B4-BE49-F238E27FC236}">
+                    <a16:creationId xmlns:a16="http://schemas.microsoft.com/office/drawing/2014/main" id="{580B662D-3482-4DEC-B435-4C9A2FED8FFD}"/>
+                  </a:ext>
+                </a:extLst>
+              </p:cNvPr>
+              <p:cNvPicPr/>
+              <p:nvPr/>
+            </p:nvPicPr>
+            <p:blipFill>
+              <a:blip r:embed="rId107"/>
+              <a:stretch>
+                <a:fillRect/>
+              </a:stretch>
+            </p:blipFill>
+            <p:spPr>
+              <a:xfrm>
+                <a:off x="1138969" y="4376059"/>
+                <a:ext cx="878040" cy="113400"/>
+              </a:xfrm>
+              <a:prstGeom prst="rect">
+                <a:avLst/>
+              </a:prstGeom>
+            </p:spPr>
+          </p:pic>
+        </mc:Fallback>
+      </mc:AlternateContent>
     </p:spTree>
     <p:extLst>
       <p:ext uri="{BB962C8B-B14F-4D97-AF65-F5344CB8AC3E}">
